--- a/STS Presentation.pptx
+++ b/STS Presentation.pptx
@@ -4,6 +4,9 @@
   <p:sldMasterIdLst>
     <p:sldMasterId id="2147483648" r:id="rId1"/>
   </p:sldMasterIdLst>
+  <p:notesMasterIdLst>
+    <p:notesMasterId r:id="rId16"/>
+  </p:notesMasterIdLst>
   <p:sldIdLst>
     <p:sldId id="256" r:id="rId2"/>
     <p:sldId id="257" r:id="rId3"/>
@@ -13,9 +16,12 @@
     <p:sldId id="259" r:id="rId7"/>
     <p:sldId id="261" r:id="rId8"/>
     <p:sldId id="263" r:id="rId9"/>
-    <p:sldId id="262" r:id="rId10"/>
-    <p:sldId id="265" r:id="rId11"/>
-    <p:sldId id="266" r:id="rId12"/>
+    <p:sldId id="268" r:id="rId10"/>
+    <p:sldId id="269" r:id="rId11"/>
+    <p:sldId id="270" r:id="rId12"/>
+    <p:sldId id="262" r:id="rId13"/>
+    <p:sldId id="265" r:id="rId14"/>
+    <p:sldId id="266" r:id="rId15"/>
   </p:sldIdLst>
   <p:sldSz cx="12192000" cy="6858000"/>
   <p:notesSz cx="6858000" cy="9144000"/>
@@ -114,13 +120,18 @@
       </a:defRPr>
     </a:lvl9pPr>
   </p:defaultTextStyle>
+  <p:extLst>
+    <p:ext uri="{EFAFB233-063F-42B5-8137-9DF3F51BA10A}">
+      <p15:sldGuideLst xmlns:p15="http://schemas.microsoft.com/office/powerpoint/2012/main"/>
+    </p:ext>
+  </p:extLst>
 </p:presentation>
 </file>
 
 <file path=ppt/revisionInfo.xml><?xml version="1.0" encoding="utf-8"?>
 <p1510:revInfo xmlns:a="http://schemas.openxmlformats.org/drawingml/2006/main" xmlns:r="http://schemas.openxmlformats.org/officeDocument/2006/relationships" xmlns:p1510="http://schemas.microsoft.com/office/powerpoint/2015/10/main">
   <p1510:revLst>
-    <p1510:client id="{36F779E8-EEE7-46A4-BDA5-8AEFADD8C379}" v="189" dt="2024-09-12T22:14:02.538"/>
+    <p1510:client id="{36F779E8-EEE7-46A4-BDA5-8AEFADD8C379}" v="197" dt="2024-09-16T20:49:37.539"/>
   </p1510:revLst>
 </p1510:revInfo>
 </file>
@@ -129,13 +140,13 @@
 <pc:chgInfo xmlns:a="http://schemas.openxmlformats.org/drawingml/2006/main" xmlns:r="http://schemas.openxmlformats.org/officeDocument/2006/relationships" xmlns:ac="http://schemas.microsoft.com/office/drawing/2013/main/command" xmlns:pc="http://schemas.microsoft.com/office/powerpoint/2013/main/command">
   <pc:docChgLst>
     <pc:chgData name="Joshua Ganschow" userId="3c0bb4e7a172a306" providerId="LiveId" clId="{36F779E8-EEE7-46A4-BDA5-8AEFADD8C379}"/>
-    <pc:docChg chg="undo custSel addSld delSld modSld">
-      <pc:chgData name="Joshua Ganschow" userId="3c0bb4e7a172a306" providerId="LiveId" clId="{36F779E8-EEE7-46A4-BDA5-8AEFADD8C379}" dt="2024-09-12T22:14:49.744" v="4943" actId="20577"/>
+    <pc:docChg chg="undo custSel addSld delSld modSld sldOrd">
+      <pc:chgData name="Joshua Ganschow" userId="3c0bb4e7a172a306" providerId="LiveId" clId="{36F779E8-EEE7-46A4-BDA5-8AEFADD8C379}" dt="2024-09-16T20:49:37.539" v="5805"/>
       <pc:docMkLst>
         <pc:docMk/>
       </pc:docMkLst>
       <pc:sldChg chg="addSp modSp new mod setBg addAnim modAnim">
-        <pc:chgData name="Joshua Ganschow" userId="3c0bb4e7a172a306" providerId="LiveId" clId="{36F779E8-EEE7-46A4-BDA5-8AEFADD8C379}" dt="2024-09-12T22:14:07.248" v="4942" actId="14100"/>
+        <pc:chgData name="Joshua Ganschow" userId="3c0bb4e7a172a306" providerId="LiveId" clId="{36F779E8-EEE7-46A4-BDA5-8AEFADD8C379}" dt="2024-09-16T20:49:37.539" v="5805"/>
         <pc:sldMkLst>
           <pc:docMk/>
           <pc:sldMk cId="1828151569" sldId="256"/>
@@ -354,8 +365,8 @@
           </ac:grpSpMkLst>
         </pc:grpChg>
       </pc:sldChg>
-      <pc:sldChg chg="addSp modSp new mod setBg">
-        <pc:chgData name="Joshua Ganschow" userId="3c0bb4e7a172a306" providerId="LiveId" clId="{36F779E8-EEE7-46A4-BDA5-8AEFADD8C379}" dt="2024-09-12T21:40:24.225" v="3001" actId="26606"/>
+      <pc:sldChg chg="addSp modSp new mod setBg modNotesTx">
+        <pc:chgData name="Joshua Ganschow" userId="3c0bb4e7a172a306" providerId="LiveId" clId="{36F779E8-EEE7-46A4-BDA5-8AEFADD8C379}" dt="2024-09-16T20:47:39.017" v="5752" actId="20577"/>
         <pc:sldMkLst>
           <pc:docMk/>
           <pc:sldMk cId="2417251577" sldId="260"/>
@@ -369,7 +380,7 @@
           </ac:spMkLst>
         </pc:spChg>
         <pc:spChg chg="mod">
-          <ac:chgData name="Joshua Ganschow" userId="3c0bb4e7a172a306" providerId="LiveId" clId="{36F779E8-EEE7-46A4-BDA5-8AEFADD8C379}" dt="2024-09-12T21:40:24.225" v="3001" actId="26606"/>
+          <ac:chgData name="Joshua Ganschow" userId="3c0bb4e7a172a306" providerId="LiveId" clId="{36F779E8-EEE7-46A4-BDA5-8AEFADD8C379}" dt="2024-09-15T19:32:10.938" v="5548" actId="20577"/>
           <ac:spMkLst>
             <pc:docMk/>
             <pc:sldMk cId="2417251577" sldId="260"/>
@@ -536,13 +547,13 @@
         </pc:grpChg>
       </pc:sldChg>
       <pc:sldChg chg="addSp delSp modSp new mod setBg">
-        <pc:chgData name="Joshua Ganschow" userId="3c0bb4e7a172a306" providerId="LiveId" clId="{36F779E8-EEE7-46A4-BDA5-8AEFADD8C379}" dt="2024-09-12T22:11:59.653" v="4792" actId="20577"/>
+        <pc:chgData name="Joshua Ganschow" userId="3c0bb4e7a172a306" providerId="LiveId" clId="{36F779E8-EEE7-46A4-BDA5-8AEFADD8C379}" dt="2024-09-16T20:44:15.800" v="5714" actId="20577"/>
         <pc:sldMkLst>
           <pc:docMk/>
           <pc:sldMk cId="3177037328" sldId="263"/>
         </pc:sldMkLst>
         <pc:spChg chg="mod">
-          <ac:chgData name="Joshua Ganschow" userId="3c0bb4e7a172a306" providerId="LiveId" clId="{36F779E8-EEE7-46A4-BDA5-8AEFADD8C379}" dt="2024-09-12T22:11:59.653" v="4792" actId="20577"/>
+          <ac:chgData name="Joshua Ganschow" userId="3c0bb4e7a172a306" providerId="LiveId" clId="{36F779E8-EEE7-46A4-BDA5-8AEFADD8C379}" dt="2024-09-16T20:44:15.800" v="5714" actId="20577"/>
           <ac:spMkLst>
             <pc:docMk/>
             <pc:sldMk cId="3177037328" sldId="263"/>
@@ -550,7 +561,7 @@
           </ac:spMkLst>
         </pc:spChg>
         <pc:spChg chg="mod">
-          <ac:chgData name="Joshua Ganschow" userId="3c0bb4e7a172a306" providerId="LiveId" clId="{36F779E8-EEE7-46A4-BDA5-8AEFADD8C379}" dt="2024-09-12T21:53:49.094" v="3137" actId="26606"/>
+          <ac:chgData name="Joshua Ganschow" userId="3c0bb4e7a172a306" providerId="LiveId" clId="{36F779E8-EEE7-46A4-BDA5-8AEFADD8C379}" dt="2024-09-16T20:42:02.202" v="5695" actId="20577"/>
           <ac:spMkLst>
             <pc:docMk/>
             <pc:sldMk cId="3177037328" sldId="263"/>
@@ -685,8 +696,8 @@
           </ac:spMkLst>
         </pc:spChg>
       </pc:sldChg>
-      <pc:sldChg chg="addSp modSp new mod setBg">
-        <pc:chgData name="Joshua Ganschow" userId="3c0bb4e7a172a306" providerId="LiveId" clId="{36F779E8-EEE7-46A4-BDA5-8AEFADD8C379}" dt="2024-09-12T22:02:59.802" v="3582" actId="26606"/>
+      <pc:sldChg chg="addSp modSp new mod setBg modNotesTx">
+        <pc:chgData name="Joshua Ganschow" userId="3c0bb4e7a172a306" providerId="LiveId" clId="{36F779E8-EEE7-46A4-BDA5-8AEFADD8C379}" dt="2024-09-16T20:48:48.826" v="5803" actId="20577"/>
         <pc:sldMkLst>
           <pc:docMk/>
           <pc:sldMk cId="3798301359" sldId="264"/>
@@ -755,8 +766,8 @@
           </ac:spMkLst>
         </pc:spChg>
       </pc:sldChg>
-      <pc:sldChg chg="addSp modSp new mod setBg">
-        <pc:chgData name="Joshua Ganschow" userId="3c0bb4e7a172a306" providerId="LiveId" clId="{36F779E8-EEE7-46A4-BDA5-8AEFADD8C379}" dt="2024-09-12T22:11:10.635" v="4791" actId="26606"/>
+      <pc:sldChg chg="addSp delSp modSp new mod setBg">
+        <pc:chgData name="Joshua Ganschow" userId="3c0bb4e7a172a306" providerId="LiveId" clId="{36F779E8-EEE7-46A4-BDA5-8AEFADD8C379}" dt="2024-09-16T14:23:49.074" v="5672" actId="478"/>
         <pc:sldMkLst>
           <pc:docMk/>
           <pc:sldMk cId="2102146993" sldId="266"/>
@@ -769,8 +780,8 @@
             <ac:spMk id="2" creationId="{02D927A7-262F-AA04-9A79-48BD88D9DC13}"/>
           </ac:spMkLst>
         </pc:spChg>
-        <pc:spChg chg="mod">
-          <ac:chgData name="Joshua Ganschow" userId="3c0bb4e7a172a306" providerId="LiveId" clId="{36F779E8-EEE7-46A4-BDA5-8AEFADD8C379}" dt="2024-09-12T22:11:10.635" v="4791" actId="26606"/>
+        <pc:spChg chg="del mod">
+          <ac:chgData name="Joshua Ganschow" userId="3c0bb4e7a172a306" providerId="LiveId" clId="{36F779E8-EEE7-46A4-BDA5-8AEFADD8C379}" dt="2024-09-16T14:23:49.074" v="5672" actId="478"/>
           <ac:spMkLst>
             <pc:docMk/>
             <pc:sldMk cId="2102146993" sldId="266"/>
@@ -802,9 +813,1196 @@
           </ac:grpSpMkLst>
         </pc:grpChg>
       </pc:sldChg>
+      <pc:sldChg chg="addSp delSp modSp new del mod setBg">
+        <pc:chgData name="Joshua Ganschow" userId="3c0bb4e7a172a306" providerId="LiveId" clId="{36F779E8-EEE7-46A4-BDA5-8AEFADD8C379}" dt="2024-09-15T19:05:17.002" v="5019" actId="47"/>
+        <pc:sldMkLst>
+          <pc:docMk/>
+          <pc:sldMk cId="2083427614" sldId="267"/>
+        </pc:sldMkLst>
+        <pc:spChg chg="mod">
+          <ac:chgData name="Joshua Ganschow" userId="3c0bb4e7a172a306" providerId="LiveId" clId="{36F779E8-EEE7-46A4-BDA5-8AEFADD8C379}" dt="2024-09-15T19:03:33.014" v="4979" actId="26606"/>
+          <ac:spMkLst>
+            <pc:docMk/>
+            <pc:sldMk cId="2083427614" sldId="267"/>
+            <ac:spMk id="2" creationId="{7386CAAB-2C2D-C830-66A5-2E6BCF956251}"/>
+          </ac:spMkLst>
+        </pc:spChg>
+        <pc:spChg chg="del">
+          <ac:chgData name="Joshua Ganschow" userId="3c0bb4e7a172a306" providerId="LiveId" clId="{36F779E8-EEE7-46A4-BDA5-8AEFADD8C379}" dt="2024-09-15T19:03:07.178" v="4970" actId="931"/>
+          <ac:spMkLst>
+            <pc:docMk/>
+            <pc:sldMk cId="2083427614" sldId="267"/>
+            <ac:spMk id="3" creationId="{44DA3A75-37E1-22B5-A09D-8F47B877BDD6}"/>
+          </ac:spMkLst>
+        </pc:spChg>
+        <pc:spChg chg="add mod">
+          <ac:chgData name="Joshua Ganschow" userId="3c0bb4e7a172a306" providerId="LiveId" clId="{36F779E8-EEE7-46A4-BDA5-8AEFADD8C379}" dt="2024-09-15T19:04:21.261" v="5007" actId="21"/>
+          <ac:spMkLst>
+            <pc:docMk/>
+            <pc:sldMk cId="2083427614" sldId="267"/>
+            <ac:spMk id="9" creationId="{FBE9604B-1C9F-CEFC-03E0-4DFD64318FDE}"/>
+          </ac:spMkLst>
+        </pc:spChg>
+        <pc:spChg chg="add del">
+          <ac:chgData name="Joshua Ganschow" userId="3c0bb4e7a172a306" providerId="LiveId" clId="{36F779E8-EEE7-46A4-BDA5-8AEFADD8C379}" dt="2024-09-15T19:03:33.014" v="4979" actId="26606"/>
+          <ac:spMkLst>
+            <pc:docMk/>
+            <pc:sldMk cId="2083427614" sldId="267"/>
+            <ac:spMk id="12" creationId="{C4879EFC-8E62-4E00-973C-C45EE9EC676D}"/>
+          </ac:spMkLst>
+        </pc:spChg>
+        <pc:spChg chg="add del">
+          <ac:chgData name="Joshua Ganschow" userId="3c0bb4e7a172a306" providerId="LiveId" clId="{36F779E8-EEE7-46A4-BDA5-8AEFADD8C379}" dt="2024-09-15T19:03:33.014" v="4979" actId="26606"/>
+          <ac:spMkLst>
+            <pc:docMk/>
+            <pc:sldMk cId="2083427614" sldId="267"/>
+            <ac:spMk id="14" creationId="{D6A9C53F-5F90-40A5-8C85-5412D39C8C68}"/>
+          </ac:spMkLst>
+        </pc:spChg>
+        <pc:picChg chg="add del mod ord">
+          <ac:chgData name="Joshua Ganschow" userId="3c0bb4e7a172a306" providerId="LiveId" clId="{36F779E8-EEE7-46A4-BDA5-8AEFADD8C379}" dt="2024-09-15T19:04:21.261" v="5007" actId="21"/>
+          <ac:picMkLst>
+            <pc:docMk/>
+            <pc:sldMk cId="2083427614" sldId="267"/>
+            <ac:picMk id="5" creationId="{F7C4B7F3-96D5-07AB-FB7F-40BA4F6BA17F}"/>
+          </ac:picMkLst>
+        </pc:picChg>
+        <pc:picChg chg="add del mod">
+          <ac:chgData name="Joshua Ganschow" userId="3c0bb4e7a172a306" providerId="LiveId" clId="{36F779E8-EEE7-46A4-BDA5-8AEFADD8C379}" dt="2024-09-15T19:04:11.757" v="5003" actId="21"/>
+          <ac:picMkLst>
+            <pc:docMk/>
+            <pc:sldMk cId="2083427614" sldId="267"/>
+            <ac:picMk id="7" creationId="{EA2E4D54-373A-63C7-92E4-5006BBB67DAC}"/>
+          </ac:picMkLst>
+        </pc:picChg>
+      </pc:sldChg>
+      <pc:sldChg chg="addSp delSp modSp add mod ord modNotesTx">
+        <pc:chgData name="Joshua Ganschow" userId="3c0bb4e7a172a306" providerId="LiveId" clId="{36F779E8-EEE7-46A4-BDA5-8AEFADD8C379}" dt="2024-09-15T19:33:31.942" v="5577" actId="20577"/>
+        <pc:sldMkLst>
+          <pc:docMk/>
+          <pc:sldMk cId="4143992885" sldId="268"/>
+        </pc:sldMkLst>
+        <pc:spChg chg="mod">
+          <ac:chgData name="Joshua Ganschow" userId="3c0bb4e7a172a306" providerId="LiveId" clId="{36F779E8-EEE7-46A4-BDA5-8AEFADD8C379}" dt="2024-09-15T19:27:51.973" v="5393" actId="20577"/>
+          <ac:spMkLst>
+            <pc:docMk/>
+            <pc:sldMk cId="4143992885" sldId="268"/>
+            <ac:spMk id="2" creationId="{69F17ECA-0EFD-C53E-65AF-2D7A6D4EC4E2}"/>
+          </ac:spMkLst>
+        </pc:spChg>
+        <pc:spChg chg="del">
+          <ac:chgData name="Joshua Ganschow" userId="3c0bb4e7a172a306" providerId="LiveId" clId="{36F779E8-EEE7-46A4-BDA5-8AEFADD8C379}" dt="2024-09-15T19:04:02.656" v="5000" actId="478"/>
+          <ac:spMkLst>
+            <pc:docMk/>
+            <pc:sldMk cId="4143992885" sldId="268"/>
+            <ac:spMk id="3" creationId="{23009B58-C14D-80E2-3345-EBF24B78DA3D}"/>
+          </ac:spMkLst>
+        </pc:spChg>
+        <pc:spChg chg="add del mod">
+          <ac:chgData name="Joshua Ganschow" userId="3c0bb4e7a172a306" providerId="LiveId" clId="{36F779E8-EEE7-46A4-BDA5-8AEFADD8C379}" dt="2024-09-15T19:04:06.102" v="5001" actId="478"/>
+          <ac:spMkLst>
+            <pc:docMk/>
+            <pc:sldMk cId="4143992885" sldId="268"/>
+            <ac:spMk id="5" creationId="{69C708D5-05CA-2161-FDDD-2207C1394102}"/>
+          </ac:spMkLst>
+        </pc:spChg>
+        <pc:spChg chg="del">
+          <ac:chgData name="Joshua Ganschow" userId="3c0bb4e7a172a306" providerId="LiveId" clId="{36F779E8-EEE7-46A4-BDA5-8AEFADD8C379}" dt="2024-09-15T19:27:20.144" v="5341" actId="26606"/>
+          <ac:spMkLst>
+            <pc:docMk/>
+            <pc:sldMk cId="4143992885" sldId="268"/>
+            <ac:spMk id="8" creationId="{DBF61EA3-B236-439E-9C0B-340980D56BEE}"/>
+          </ac:spMkLst>
+        </pc:spChg>
+        <pc:spChg chg="add del mod">
+          <ac:chgData name="Joshua Ganschow" userId="3c0bb4e7a172a306" providerId="LiveId" clId="{36F779E8-EEE7-46A4-BDA5-8AEFADD8C379}" dt="2024-09-15T19:27:13.800" v="5340" actId="478"/>
+          <ac:spMkLst>
+            <pc:docMk/>
+            <pc:sldMk cId="4143992885" sldId="268"/>
+            <ac:spMk id="13" creationId="{D09FEA70-6C8C-C729-3171-5F0ED75534FB}"/>
+          </ac:spMkLst>
+        </pc:spChg>
+        <pc:spChg chg="del">
+          <ac:chgData name="Joshua Ganschow" userId="3c0bb4e7a172a306" providerId="LiveId" clId="{36F779E8-EEE7-46A4-BDA5-8AEFADD8C379}" dt="2024-09-15T19:27:20.144" v="5341" actId="26606"/>
+          <ac:spMkLst>
+            <pc:docMk/>
+            <pc:sldMk cId="4143992885" sldId="268"/>
+            <ac:spMk id="14" creationId="{E659831F-0D9A-4C63-9EBB-8435B85A440F}"/>
+          </ac:spMkLst>
+        </pc:spChg>
+        <pc:spChg chg="add">
+          <ac:chgData name="Joshua Ganschow" userId="3c0bb4e7a172a306" providerId="LiveId" clId="{36F779E8-EEE7-46A4-BDA5-8AEFADD8C379}" dt="2024-09-15T19:27:20.144" v="5341" actId="26606"/>
+          <ac:spMkLst>
+            <pc:docMk/>
+            <pc:sldMk cId="4143992885" sldId="268"/>
+            <ac:spMk id="19" creationId="{47942995-B07F-4636-9A06-C6A104B260A8}"/>
+          </ac:spMkLst>
+        </pc:spChg>
+        <pc:spChg chg="add">
+          <ac:chgData name="Joshua Ganschow" userId="3c0bb4e7a172a306" providerId="LiveId" clId="{36F779E8-EEE7-46A4-BDA5-8AEFADD8C379}" dt="2024-09-15T19:27:20.144" v="5341" actId="26606"/>
+          <ac:spMkLst>
+            <pc:docMk/>
+            <pc:sldMk cId="4143992885" sldId="268"/>
+            <ac:spMk id="26" creationId="{B81933D1-5615-42C7-9C0B-4EB7105CCE2D}"/>
+          </ac:spMkLst>
+        </pc:spChg>
+        <pc:spChg chg="add">
+          <ac:chgData name="Joshua Ganschow" userId="3c0bb4e7a172a306" providerId="LiveId" clId="{36F779E8-EEE7-46A4-BDA5-8AEFADD8C379}" dt="2024-09-15T19:27:20.144" v="5341" actId="26606"/>
+          <ac:spMkLst>
+            <pc:docMk/>
+            <pc:sldMk cId="4143992885" sldId="268"/>
+            <ac:spMk id="28" creationId="{19C9EAEA-39D0-4B0E-A0EB-51E7B26740B1}"/>
+          </ac:spMkLst>
+        </pc:spChg>
+        <pc:grpChg chg="del">
+          <ac:chgData name="Joshua Ganschow" userId="3c0bb4e7a172a306" providerId="LiveId" clId="{36F779E8-EEE7-46A4-BDA5-8AEFADD8C379}" dt="2024-09-15T19:27:20.144" v="5341" actId="26606"/>
+          <ac:grpSpMkLst>
+            <pc:docMk/>
+            <pc:sldMk cId="4143992885" sldId="268"/>
+            <ac:grpSpMk id="10" creationId="{28FAF094-D087-493F-8DF9-A486C2D6BBAA}"/>
+          </ac:grpSpMkLst>
+        </pc:grpChg>
+        <pc:grpChg chg="add">
+          <ac:chgData name="Joshua Ganschow" userId="3c0bb4e7a172a306" providerId="LiveId" clId="{36F779E8-EEE7-46A4-BDA5-8AEFADD8C379}" dt="2024-09-15T19:27:20.144" v="5341" actId="26606"/>
+          <ac:grpSpMkLst>
+            <pc:docMk/>
+            <pc:sldMk cId="4143992885" sldId="268"/>
+            <ac:grpSpMk id="21" creationId="{032D8612-31EB-44CF-A1D0-14FD4C705424}"/>
+          </ac:grpSpMkLst>
+        </pc:grpChg>
+        <pc:picChg chg="add del mod">
+          <ac:chgData name="Joshua Ganschow" userId="3c0bb4e7a172a306" providerId="LiveId" clId="{36F779E8-EEE7-46A4-BDA5-8AEFADD8C379}" dt="2024-09-15T19:26:27.467" v="5322" actId="21"/>
+          <ac:picMkLst>
+            <pc:docMk/>
+            <pc:sldMk cId="4143992885" sldId="268"/>
+            <ac:picMk id="6" creationId="{F7C4B7F3-96D5-07AB-FB7F-40BA4F6BA17F}"/>
+          </ac:picMkLst>
+        </pc:picChg>
+        <pc:picChg chg="add mod modCrop">
+          <ac:chgData name="Joshua Ganschow" userId="3c0bb4e7a172a306" providerId="LiveId" clId="{36F779E8-EEE7-46A4-BDA5-8AEFADD8C379}" dt="2024-09-15T19:27:20.144" v="5341" actId="26606"/>
+          <ac:picMkLst>
+            <pc:docMk/>
+            <pc:sldMk cId="4143992885" sldId="268"/>
+            <ac:picMk id="7" creationId="{EA2E4D54-373A-63C7-92E4-5006BBB67DAC}"/>
+          </ac:picMkLst>
+        </pc:picChg>
+      </pc:sldChg>
+      <pc:sldChg chg="addSp delSp modSp add mod modNotesTx">
+        <pc:chgData name="Joshua Ganschow" userId="3c0bb4e7a172a306" providerId="LiveId" clId="{36F779E8-EEE7-46A4-BDA5-8AEFADD8C379}" dt="2024-09-16T20:46:45.791" v="5723" actId="20577"/>
+        <pc:sldMkLst>
+          <pc:docMk/>
+          <pc:sldMk cId="2716128909" sldId="269"/>
+        </pc:sldMkLst>
+        <pc:spChg chg="mod">
+          <ac:chgData name="Joshua Ganschow" userId="3c0bb4e7a172a306" providerId="LiveId" clId="{36F779E8-EEE7-46A4-BDA5-8AEFADD8C379}" dt="2024-09-16T20:46:45.791" v="5723" actId="20577"/>
+          <ac:spMkLst>
+            <pc:docMk/>
+            <pc:sldMk cId="2716128909" sldId="269"/>
+            <ac:spMk id="2" creationId="{69F17ECA-0EFD-C53E-65AF-2D7A6D4EC4E2}"/>
+          </ac:spMkLst>
+        </pc:spChg>
+        <pc:spChg chg="del">
+          <ac:chgData name="Joshua Ganschow" userId="3c0bb4e7a172a306" providerId="LiveId" clId="{36F779E8-EEE7-46A4-BDA5-8AEFADD8C379}" dt="2024-09-15T19:28:00.794" v="5394" actId="26606"/>
+          <ac:spMkLst>
+            <pc:docMk/>
+            <pc:sldMk cId="2716128909" sldId="269"/>
+            <ac:spMk id="8" creationId="{DBF61EA3-B236-439E-9C0B-340980D56BEE}"/>
+          </ac:spMkLst>
+        </pc:spChg>
+        <pc:spChg chg="del">
+          <ac:chgData name="Joshua Ganschow" userId="3c0bb4e7a172a306" providerId="LiveId" clId="{36F779E8-EEE7-46A4-BDA5-8AEFADD8C379}" dt="2024-09-15T19:26:56.412" v="5328" actId="478"/>
+          <ac:spMkLst>
+            <pc:docMk/>
+            <pc:sldMk cId="2716128909" sldId="269"/>
+            <ac:spMk id="13" creationId="{D09FEA70-6C8C-C729-3171-5F0ED75534FB}"/>
+          </ac:spMkLst>
+        </pc:spChg>
+        <pc:spChg chg="del">
+          <ac:chgData name="Joshua Ganschow" userId="3c0bb4e7a172a306" providerId="LiveId" clId="{36F779E8-EEE7-46A4-BDA5-8AEFADD8C379}" dt="2024-09-15T19:28:00.794" v="5394" actId="26606"/>
+          <ac:spMkLst>
+            <pc:docMk/>
+            <pc:sldMk cId="2716128909" sldId="269"/>
+            <ac:spMk id="14" creationId="{E659831F-0D9A-4C63-9EBB-8435B85A440F}"/>
+          </ac:spMkLst>
+        </pc:spChg>
+        <pc:spChg chg="add">
+          <ac:chgData name="Joshua Ganschow" userId="3c0bb4e7a172a306" providerId="LiveId" clId="{36F779E8-EEE7-46A4-BDA5-8AEFADD8C379}" dt="2024-09-15T19:28:00.794" v="5394" actId="26606"/>
+          <ac:spMkLst>
+            <pc:docMk/>
+            <pc:sldMk cId="2716128909" sldId="269"/>
+            <ac:spMk id="19" creationId="{47942995-B07F-4636-9A06-C6A104B260A8}"/>
+          </ac:spMkLst>
+        </pc:spChg>
+        <pc:spChg chg="add">
+          <ac:chgData name="Joshua Ganschow" userId="3c0bb4e7a172a306" providerId="LiveId" clId="{36F779E8-EEE7-46A4-BDA5-8AEFADD8C379}" dt="2024-09-15T19:28:00.794" v="5394" actId="26606"/>
+          <ac:spMkLst>
+            <pc:docMk/>
+            <pc:sldMk cId="2716128909" sldId="269"/>
+            <ac:spMk id="26" creationId="{B81933D1-5615-42C7-9C0B-4EB7105CCE2D}"/>
+          </ac:spMkLst>
+        </pc:spChg>
+        <pc:spChg chg="add">
+          <ac:chgData name="Joshua Ganschow" userId="3c0bb4e7a172a306" providerId="LiveId" clId="{36F779E8-EEE7-46A4-BDA5-8AEFADD8C379}" dt="2024-09-15T19:28:00.794" v="5394" actId="26606"/>
+          <ac:spMkLst>
+            <pc:docMk/>
+            <pc:sldMk cId="2716128909" sldId="269"/>
+            <ac:spMk id="28" creationId="{19C9EAEA-39D0-4B0E-A0EB-51E7B26740B1}"/>
+          </ac:spMkLst>
+        </pc:spChg>
+        <pc:grpChg chg="del">
+          <ac:chgData name="Joshua Ganschow" userId="3c0bb4e7a172a306" providerId="LiveId" clId="{36F779E8-EEE7-46A4-BDA5-8AEFADD8C379}" dt="2024-09-15T19:28:00.794" v="5394" actId="26606"/>
+          <ac:grpSpMkLst>
+            <pc:docMk/>
+            <pc:sldMk cId="2716128909" sldId="269"/>
+            <ac:grpSpMk id="10" creationId="{28FAF094-D087-493F-8DF9-A486C2D6BBAA}"/>
+          </ac:grpSpMkLst>
+        </pc:grpChg>
+        <pc:grpChg chg="add">
+          <ac:chgData name="Joshua Ganschow" userId="3c0bb4e7a172a306" providerId="LiveId" clId="{36F779E8-EEE7-46A4-BDA5-8AEFADD8C379}" dt="2024-09-15T19:28:00.794" v="5394" actId="26606"/>
+          <ac:grpSpMkLst>
+            <pc:docMk/>
+            <pc:sldMk cId="2716128909" sldId="269"/>
+            <ac:grpSpMk id="21" creationId="{032D8612-31EB-44CF-A1D0-14FD4C705424}"/>
+          </ac:grpSpMkLst>
+        </pc:grpChg>
+        <pc:picChg chg="add mod">
+          <ac:chgData name="Joshua Ganschow" userId="3c0bb4e7a172a306" providerId="LiveId" clId="{36F779E8-EEE7-46A4-BDA5-8AEFADD8C379}" dt="2024-09-15T19:30:17.028" v="5461" actId="962"/>
+          <ac:picMkLst>
+            <pc:docMk/>
+            <pc:sldMk cId="2716128909" sldId="269"/>
+            <ac:picMk id="6" creationId="{F7C4B7F3-96D5-07AB-FB7F-40BA4F6BA17F}"/>
+          </ac:picMkLst>
+        </pc:picChg>
+        <pc:picChg chg="del">
+          <ac:chgData name="Joshua Ganschow" userId="3c0bb4e7a172a306" providerId="LiveId" clId="{36F779E8-EEE7-46A4-BDA5-8AEFADD8C379}" dt="2024-09-15T19:26:53.788" v="5327" actId="478"/>
+          <ac:picMkLst>
+            <pc:docMk/>
+            <pc:sldMk cId="2716128909" sldId="269"/>
+            <ac:picMk id="7" creationId="{EA2E4D54-373A-63C7-92E4-5006BBB67DAC}"/>
+          </ac:picMkLst>
+        </pc:picChg>
+      </pc:sldChg>
+      <pc:sldChg chg="addSp delSp modSp new del mod">
+        <pc:chgData name="Joshua Ganschow" userId="3c0bb4e7a172a306" providerId="LiveId" clId="{36F779E8-EEE7-46A4-BDA5-8AEFADD8C379}" dt="2024-09-15T19:26:42.411" v="5325" actId="2696"/>
+        <pc:sldMkLst>
+          <pc:docMk/>
+          <pc:sldMk cId="3580309613" sldId="269"/>
+        </pc:sldMkLst>
+        <pc:spChg chg="mod">
+          <ac:chgData name="Joshua Ganschow" userId="3c0bb4e7a172a306" providerId="LiveId" clId="{36F779E8-EEE7-46A4-BDA5-8AEFADD8C379}" dt="2024-09-15T19:26:23.749" v="5321" actId="20577"/>
+          <ac:spMkLst>
+            <pc:docMk/>
+            <pc:sldMk cId="3580309613" sldId="269"/>
+            <ac:spMk id="2" creationId="{9629153E-BF20-619D-F8E9-286C4B596DB7}"/>
+          </ac:spMkLst>
+        </pc:spChg>
+        <pc:picChg chg="add del mod">
+          <ac:chgData name="Joshua Ganschow" userId="3c0bb4e7a172a306" providerId="LiveId" clId="{36F779E8-EEE7-46A4-BDA5-8AEFADD8C379}" dt="2024-09-15T19:26:38.440" v="5324" actId="21"/>
+          <ac:picMkLst>
+            <pc:docMk/>
+            <pc:sldMk cId="3580309613" sldId="269"/>
+            <ac:picMk id="6" creationId="{F7C4B7F3-96D5-07AB-FB7F-40BA4F6BA17F}"/>
+          </ac:picMkLst>
+        </pc:picChg>
+      </pc:sldChg>
+      <pc:sldChg chg="addSp delSp modSp add mod modNotesTx">
+        <pc:chgData name="Joshua Ganschow" userId="3c0bb4e7a172a306" providerId="LiveId" clId="{36F779E8-EEE7-46A4-BDA5-8AEFADD8C379}" dt="2024-09-16T20:46:49.521" v="5730" actId="20577"/>
+        <pc:sldMkLst>
+          <pc:docMk/>
+          <pc:sldMk cId="2312201836" sldId="270"/>
+        </pc:sldMkLst>
+        <pc:spChg chg="mod">
+          <ac:chgData name="Joshua Ganschow" userId="3c0bb4e7a172a306" providerId="LiveId" clId="{36F779E8-EEE7-46A4-BDA5-8AEFADD8C379}" dt="2024-09-16T20:46:49.521" v="5730" actId="20577"/>
+          <ac:spMkLst>
+            <pc:docMk/>
+            <pc:sldMk cId="2312201836" sldId="270"/>
+            <ac:spMk id="2" creationId="{69F17ECA-0EFD-C53E-65AF-2D7A6D4EC4E2}"/>
+          </ac:spMkLst>
+        </pc:spChg>
+        <pc:spChg chg="del">
+          <ac:chgData name="Joshua Ganschow" userId="3c0bb4e7a172a306" providerId="LiveId" clId="{36F779E8-EEE7-46A4-BDA5-8AEFADD8C379}" dt="2024-09-15T19:28:45.078" v="5405" actId="26606"/>
+          <ac:spMkLst>
+            <pc:docMk/>
+            <pc:sldMk cId="2312201836" sldId="270"/>
+            <ac:spMk id="19" creationId="{47942995-B07F-4636-9A06-C6A104B260A8}"/>
+          </ac:spMkLst>
+        </pc:spChg>
+        <pc:spChg chg="del">
+          <ac:chgData name="Joshua Ganschow" userId="3c0bb4e7a172a306" providerId="LiveId" clId="{36F779E8-EEE7-46A4-BDA5-8AEFADD8C379}" dt="2024-09-15T19:28:45.078" v="5405" actId="26606"/>
+          <ac:spMkLst>
+            <pc:docMk/>
+            <pc:sldMk cId="2312201836" sldId="270"/>
+            <ac:spMk id="26" creationId="{B81933D1-5615-42C7-9C0B-4EB7105CCE2D}"/>
+          </ac:spMkLst>
+        </pc:spChg>
+        <pc:spChg chg="del">
+          <ac:chgData name="Joshua Ganschow" userId="3c0bb4e7a172a306" providerId="LiveId" clId="{36F779E8-EEE7-46A4-BDA5-8AEFADD8C379}" dt="2024-09-15T19:28:45.078" v="5405" actId="26606"/>
+          <ac:spMkLst>
+            <pc:docMk/>
+            <pc:sldMk cId="2312201836" sldId="270"/>
+            <ac:spMk id="28" creationId="{19C9EAEA-39D0-4B0E-A0EB-51E7B26740B1}"/>
+          </ac:spMkLst>
+        </pc:spChg>
+        <pc:spChg chg="add">
+          <ac:chgData name="Joshua Ganschow" userId="3c0bb4e7a172a306" providerId="LiveId" clId="{36F779E8-EEE7-46A4-BDA5-8AEFADD8C379}" dt="2024-09-15T19:28:45.078" v="5405" actId="26606"/>
+          <ac:spMkLst>
+            <pc:docMk/>
+            <pc:sldMk cId="2312201836" sldId="270"/>
+            <ac:spMk id="33" creationId="{47942995-B07F-4636-9A06-C6A104B260A8}"/>
+          </ac:spMkLst>
+        </pc:spChg>
+        <pc:spChg chg="add">
+          <ac:chgData name="Joshua Ganschow" userId="3c0bb4e7a172a306" providerId="LiveId" clId="{36F779E8-EEE7-46A4-BDA5-8AEFADD8C379}" dt="2024-09-15T19:28:45.078" v="5405" actId="26606"/>
+          <ac:spMkLst>
+            <pc:docMk/>
+            <pc:sldMk cId="2312201836" sldId="270"/>
+            <ac:spMk id="40" creationId="{B81933D1-5615-42C7-9C0B-4EB7105CCE2D}"/>
+          </ac:spMkLst>
+        </pc:spChg>
+        <pc:spChg chg="add">
+          <ac:chgData name="Joshua Ganschow" userId="3c0bb4e7a172a306" providerId="LiveId" clId="{36F779E8-EEE7-46A4-BDA5-8AEFADD8C379}" dt="2024-09-15T19:28:45.078" v="5405" actId="26606"/>
+          <ac:spMkLst>
+            <pc:docMk/>
+            <pc:sldMk cId="2312201836" sldId="270"/>
+            <ac:spMk id="42" creationId="{19C9EAEA-39D0-4B0E-A0EB-51E7B26740B1}"/>
+          </ac:spMkLst>
+        </pc:spChg>
+        <pc:grpChg chg="del">
+          <ac:chgData name="Joshua Ganschow" userId="3c0bb4e7a172a306" providerId="LiveId" clId="{36F779E8-EEE7-46A4-BDA5-8AEFADD8C379}" dt="2024-09-15T19:28:45.078" v="5405" actId="26606"/>
+          <ac:grpSpMkLst>
+            <pc:docMk/>
+            <pc:sldMk cId="2312201836" sldId="270"/>
+            <ac:grpSpMk id="21" creationId="{032D8612-31EB-44CF-A1D0-14FD4C705424}"/>
+          </ac:grpSpMkLst>
+        </pc:grpChg>
+        <pc:grpChg chg="add">
+          <ac:chgData name="Joshua Ganschow" userId="3c0bb4e7a172a306" providerId="LiveId" clId="{36F779E8-EEE7-46A4-BDA5-8AEFADD8C379}" dt="2024-09-15T19:28:45.078" v="5405" actId="26606"/>
+          <ac:grpSpMkLst>
+            <pc:docMk/>
+            <pc:sldMk cId="2312201836" sldId="270"/>
+            <ac:grpSpMk id="35" creationId="{032D8612-31EB-44CF-A1D0-14FD4C705424}"/>
+          </ac:grpSpMkLst>
+        </pc:grpChg>
+        <pc:picChg chg="add mod">
+          <ac:chgData name="Joshua Ganschow" userId="3c0bb4e7a172a306" providerId="LiveId" clId="{36F779E8-EEE7-46A4-BDA5-8AEFADD8C379}" dt="2024-09-15T19:28:45.078" v="5405" actId="26606"/>
+          <ac:picMkLst>
+            <pc:docMk/>
+            <pc:sldMk cId="2312201836" sldId="270"/>
+            <ac:picMk id="4" creationId="{71025831-0B66-B378-AD74-46513DDDAFAB}"/>
+          </ac:picMkLst>
+        </pc:picChg>
+        <pc:picChg chg="del">
+          <ac:chgData name="Joshua Ganschow" userId="3c0bb4e7a172a306" providerId="LiveId" clId="{36F779E8-EEE7-46A4-BDA5-8AEFADD8C379}" dt="2024-09-15T19:28:14.921" v="5400" actId="478"/>
+          <ac:picMkLst>
+            <pc:docMk/>
+            <pc:sldMk cId="2312201836" sldId="270"/>
+            <ac:picMk id="6" creationId="{F7C4B7F3-96D5-07AB-FB7F-40BA4F6BA17F}"/>
+          </ac:picMkLst>
+        </pc:picChg>
+      </pc:sldChg>
     </pc:docChg>
   </pc:docChgLst>
 </pc:chgInfo>
+</file>
+
+<file path=ppt/notesMasters/notesMaster1.xml><?xml version="1.0" encoding="utf-8"?>
+<p:notesMaster xmlns:a="http://schemas.openxmlformats.org/drawingml/2006/main" xmlns:r="http://schemas.openxmlformats.org/officeDocument/2006/relationships" xmlns:p="http://schemas.openxmlformats.org/presentationml/2006/main">
+  <p:cSld>
+    <p:bg>
+      <p:bgRef idx="1001">
+        <a:schemeClr val="bg1"/>
+      </p:bgRef>
+    </p:bg>
+    <p:spTree>
+      <p:nvGrpSpPr>
+        <p:cNvPr id="1" name=""/>
+        <p:cNvGrpSpPr/>
+        <p:nvPr/>
+      </p:nvGrpSpPr>
+      <p:grpSpPr>
+        <a:xfrm>
+          <a:off x="0" y="0"/>
+          <a:ext cx="0" cy="0"/>
+          <a:chOff x="0" y="0"/>
+          <a:chExt cx="0" cy="0"/>
+        </a:xfrm>
+      </p:grpSpPr>
+      <p:sp>
+        <p:nvSpPr>
+          <p:cNvPr id="2" name="Header Placeholder 1"/>
+          <p:cNvSpPr>
+            <a:spLocks noGrp="1"/>
+          </p:cNvSpPr>
+          <p:nvPr>
+            <p:ph type="hdr" sz="quarter"/>
+          </p:nvPr>
+        </p:nvSpPr>
+        <p:spPr>
+          <a:xfrm>
+            <a:off x="0" y="0"/>
+            <a:ext cx="2971800" cy="458788"/>
+          </a:xfrm>
+          <a:prstGeom prst="rect">
+            <a:avLst/>
+          </a:prstGeom>
+        </p:spPr>
+        <p:txBody>
+          <a:bodyPr vert="horz" lIns="91440" tIns="45720" rIns="91440" bIns="45720" rtlCol="0"/>
+          <a:lstStyle>
+            <a:lvl1pPr algn="l">
+              <a:defRPr sz="1200"/>
+            </a:lvl1pPr>
+          </a:lstStyle>
+          <a:p>
+            <a:endParaRPr lang="en-US"/>
+          </a:p>
+        </p:txBody>
+      </p:sp>
+      <p:sp>
+        <p:nvSpPr>
+          <p:cNvPr id="3" name="Date Placeholder 2"/>
+          <p:cNvSpPr>
+            <a:spLocks noGrp="1"/>
+          </p:cNvSpPr>
+          <p:nvPr>
+            <p:ph type="dt" idx="1"/>
+          </p:nvPr>
+        </p:nvSpPr>
+        <p:spPr>
+          <a:xfrm>
+            <a:off x="3884613" y="0"/>
+            <a:ext cx="2971800" cy="458788"/>
+          </a:xfrm>
+          <a:prstGeom prst="rect">
+            <a:avLst/>
+          </a:prstGeom>
+        </p:spPr>
+        <p:txBody>
+          <a:bodyPr vert="horz" lIns="91440" tIns="45720" rIns="91440" bIns="45720" rtlCol="0"/>
+          <a:lstStyle>
+            <a:lvl1pPr algn="r">
+              <a:defRPr sz="1200"/>
+            </a:lvl1pPr>
+          </a:lstStyle>
+          <a:p>
+            <a:fld id="{E2076AB9-2129-4252-81A2-75A8421A1CB8}" type="datetimeFigureOut">
+              <a:rPr lang="en-US" smtClean="0"/>
+              <a:t>9/16/2024</a:t>
+            </a:fld>
+            <a:endParaRPr lang="en-US"/>
+          </a:p>
+        </p:txBody>
+      </p:sp>
+      <p:sp>
+        <p:nvSpPr>
+          <p:cNvPr id="4" name="Slide Image Placeholder 3"/>
+          <p:cNvSpPr>
+            <a:spLocks noGrp="1" noRot="1" noChangeAspect="1"/>
+          </p:cNvSpPr>
+          <p:nvPr>
+            <p:ph type="sldImg" idx="2"/>
+          </p:nvPr>
+        </p:nvSpPr>
+        <p:spPr>
+          <a:xfrm>
+            <a:off x="685800" y="1143000"/>
+            <a:ext cx="5486400" cy="3086100"/>
+          </a:xfrm>
+          <a:prstGeom prst="rect">
+            <a:avLst/>
+          </a:prstGeom>
+          <a:noFill/>
+          <a:ln w="12700">
+            <a:solidFill>
+              <a:prstClr val="black"/>
+            </a:solidFill>
+          </a:ln>
+        </p:spPr>
+        <p:txBody>
+          <a:bodyPr vert="horz" lIns="91440" tIns="45720" rIns="91440" bIns="45720" rtlCol="0" anchor="ctr"/>
+          <a:lstStyle/>
+          <a:p>
+            <a:endParaRPr lang="en-US"/>
+          </a:p>
+        </p:txBody>
+      </p:sp>
+      <p:sp>
+        <p:nvSpPr>
+          <p:cNvPr id="5" name="Notes Placeholder 4"/>
+          <p:cNvSpPr>
+            <a:spLocks noGrp="1"/>
+          </p:cNvSpPr>
+          <p:nvPr>
+            <p:ph type="body" sz="quarter" idx="3"/>
+          </p:nvPr>
+        </p:nvSpPr>
+        <p:spPr>
+          <a:xfrm>
+            <a:off x="685800" y="4400550"/>
+            <a:ext cx="5486400" cy="3600450"/>
+          </a:xfrm>
+          <a:prstGeom prst="rect">
+            <a:avLst/>
+          </a:prstGeom>
+        </p:spPr>
+        <p:txBody>
+          <a:bodyPr vert="horz" lIns="91440" tIns="45720" rIns="91440" bIns="45720" rtlCol="0"/>
+          <a:lstStyle/>
+          <a:p>
+            <a:pPr lvl="0"/>
+            <a:r>
+              <a:rPr lang="en-US"/>
+              <a:t>Click to edit Master text styles</a:t>
+            </a:r>
+          </a:p>
+          <a:p>
+            <a:pPr lvl="1"/>
+            <a:r>
+              <a:rPr lang="en-US"/>
+              <a:t>Second level</a:t>
+            </a:r>
+          </a:p>
+          <a:p>
+            <a:pPr lvl="2"/>
+            <a:r>
+              <a:rPr lang="en-US"/>
+              <a:t>Third level</a:t>
+            </a:r>
+          </a:p>
+          <a:p>
+            <a:pPr lvl="3"/>
+            <a:r>
+              <a:rPr lang="en-US"/>
+              <a:t>Fourth level</a:t>
+            </a:r>
+          </a:p>
+          <a:p>
+            <a:pPr lvl="4"/>
+            <a:r>
+              <a:rPr lang="en-US"/>
+              <a:t>Fifth level</a:t>
+            </a:r>
+          </a:p>
+        </p:txBody>
+      </p:sp>
+      <p:sp>
+        <p:nvSpPr>
+          <p:cNvPr id="6" name="Footer Placeholder 5"/>
+          <p:cNvSpPr>
+            <a:spLocks noGrp="1"/>
+          </p:cNvSpPr>
+          <p:nvPr>
+            <p:ph type="ftr" sz="quarter" idx="4"/>
+          </p:nvPr>
+        </p:nvSpPr>
+        <p:spPr>
+          <a:xfrm>
+            <a:off x="0" y="8685213"/>
+            <a:ext cx="2971800" cy="458787"/>
+          </a:xfrm>
+          <a:prstGeom prst="rect">
+            <a:avLst/>
+          </a:prstGeom>
+        </p:spPr>
+        <p:txBody>
+          <a:bodyPr vert="horz" lIns="91440" tIns="45720" rIns="91440" bIns="45720" rtlCol="0" anchor="b"/>
+          <a:lstStyle>
+            <a:lvl1pPr algn="l">
+              <a:defRPr sz="1200"/>
+            </a:lvl1pPr>
+          </a:lstStyle>
+          <a:p>
+            <a:endParaRPr lang="en-US"/>
+          </a:p>
+        </p:txBody>
+      </p:sp>
+      <p:sp>
+        <p:nvSpPr>
+          <p:cNvPr id="7" name="Slide Number Placeholder 6"/>
+          <p:cNvSpPr>
+            <a:spLocks noGrp="1"/>
+          </p:cNvSpPr>
+          <p:nvPr>
+            <p:ph type="sldNum" sz="quarter" idx="5"/>
+          </p:nvPr>
+        </p:nvSpPr>
+        <p:spPr>
+          <a:xfrm>
+            <a:off x="3884613" y="8685213"/>
+            <a:ext cx="2971800" cy="458787"/>
+          </a:xfrm>
+          <a:prstGeom prst="rect">
+            <a:avLst/>
+          </a:prstGeom>
+        </p:spPr>
+        <p:txBody>
+          <a:bodyPr vert="horz" lIns="91440" tIns="45720" rIns="91440" bIns="45720" rtlCol="0" anchor="b"/>
+          <a:lstStyle>
+            <a:lvl1pPr algn="r">
+              <a:defRPr sz="1200"/>
+            </a:lvl1pPr>
+          </a:lstStyle>
+          <a:p>
+            <a:fld id="{9689FC35-6717-4341-B880-C7F900DEDD72}" type="slidenum">
+              <a:rPr lang="en-US" smtClean="0"/>
+              <a:t>‹#›</a:t>
+            </a:fld>
+            <a:endParaRPr lang="en-US"/>
+          </a:p>
+        </p:txBody>
+      </p:sp>
+    </p:spTree>
+    <p:extLst>
+      <p:ext uri="{BB962C8B-B14F-4D97-AF65-F5344CB8AC3E}">
+        <p14:creationId xmlns:p14="http://schemas.microsoft.com/office/powerpoint/2010/main" val="666080226"/>
+      </p:ext>
+    </p:extLst>
+  </p:cSld>
+  <p:clrMap bg1="lt1" tx1="dk1" bg2="lt2" tx2="dk2" accent1="accent1" accent2="accent2" accent3="accent3" accent4="accent4" accent5="accent5" accent6="accent6" hlink="hlink" folHlink="folHlink"/>
+  <p:notesStyle>
+    <a:lvl1pPr marL="0" algn="l" defTabSz="914400" rtl="0" eaLnBrk="1" latinLnBrk="0" hangingPunct="1">
+      <a:defRPr sz="1200" kern="1200">
+        <a:solidFill>
+          <a:schemeClr val="tx1"/>
+        </a:solidFill>
+        <a:latin typeface="+mn-lt"/>
+        <a:ea typeface="+mn-ea"/>
+        <a:cs typeface="+mn-cs"/>
+      </a:defRPr>
+    </a:lvl1pPr>
+    <a:lvl2pPr marL="457200" algn="l" defTabSz="914400" rtl="0" eaLnBrk="1" latinLnBrk="0" hangingPunct="1">
+      <a:defRPr sz="1200" kern="1200">
+        <a:solidFill>
+          <a:schemeClr val="tx1"/>
+        </a:solidFill>
+        <a:latin typeface="+mn-lt"/>
+        <a:ea typeface="+mn-ea"/>
+        <a:cs typeface="+mn-cs"/>
+      </a:defRPr>
+    </a:lvl2pPr>
+    <a:lvl3pPr marL="914400" algn="l" defTabSz="914400" rtl="0" eaLnBrk="1" latinLnBrk="0" hangingPunct="1">
+      <a:defRPr sz="1200" kern="1200">
+        <a:solidFill>
+          <a:schemeClr val="tx1"/>
+        </a:solidFill>
+        <a:latin typeface="+mn-lt"/>
+        <a:ea typeface="+mn-ea"/>
+        <a:cs typeface="+mn-cs"/>
+      </a:defRPr>
+    </a:lvl3pPr>
+    <a:lvl4pPr marL="1371600" algn="l" defTabSz="914400" rtl="0" eaLnBrk="1" latinLnBrk="0" hangingPunct="1">
+      <a:defRPr sz="1200" kern="1200">
+        <a:solidFill>
+          <a:schemeClr val="tx1"/>
+        </a:solidFill>
+        <a:latin typeface="+mn-lt"/>
+        <a:ea typeface="+mn-ea"/>
+        <a:cs typeface="+mn-cs"/>
+      </a:defRPr>
+    </a:lvl4pPr>
+    <a:lvl5pPr marL="1828800" algn="l" defTabSz="914400" rtl="0" eaLnBrk="1" latinLnBrk="0" hangingPunct="1">
+      <a:defRPr sz="1200" kern="1200">
+        <a:solidFill>
+          <a:schemeClr val="tx1"/>
+        </a:solidFill>
+        <a:latin typeface="+mn-lt"/>
+        <a:ea typeface="+mn-ea"/>
+        <a:cs typeface="+mn-cs"/>
+      </a:defRPr>
+    </a:lvl5pPr>
+    <a:lvl6pPr marL="2286000" algn="l" defTabSz="914400" rtl="0" eaLnBrk="1" latinLnBrk="0" hangingPunct="1">
+      <a:defRPr sz="1200" kern="1200">
+        <a:solidFill>
+          <a:schemeClr val="tx1"/>
+        </a:solidFill>
+        <a:latin typeface="+mn-lt"/>
+        <a:ea typeface="+mn-ea"/>
+        <a:cs typeface="+mn-cs"/>
+      </a:defRPr>
+    </a:lvl6pPr>
+    <a:lvl7pPr marL="2743200" algn="l" defTabSz="914400" rtl="0" eaLnBrk="1" latinLnBrk="0" hangingPunct="1">
+      <a:defRPr sz="1200" kern="1200">
+        <a:solidFill>
+          <a:schemeClr val="tx1"/>
+        </a:solidFill>
+        <a:latin typeface="+mn-lt"/>
+        <a:ea typeface="+mn-ea"/>
+        <a:cs typeface="+mn-cs"/>
+      </a:defRPr>
+    </a:lvl7pPr>
+    <a:lvl8pPr marL="3200400" algn="l" defTabSz="914400" rtl="0" eaLnBrk="1" latinLnBrk="0" hangingPunct="1">
+      <a:defRPr sz="1200" kern="1200">
+        <a:solidFill>
+          <a:schemeClr val="tx1"/>
+        </a:solidFill>
+        <a:latin typeface="+mn-lt"/>
+        <a:ea typeface="+mn-ea"/>
+        <a:cs typeface="+mn-cs"/>
+      </a:defRPr>
+    </a:lvl8pPr>
+    <a:lvl9pPr marL="3657600" algn="l" defTabSz="914400" rtl="0" eaLnBrk="1" latinLnBrk="0" hangingPunct="1">
+      <a:defRPr sz="1200" kern="1200">
+        <a:solidFill>
+          <a:schemeClr val="tx1"/>
+        </a:solidFill>
+        <a:latin typeface="+mn-lt"/>
+        <a:ea typeface="+mn-ea"/>
+        <a:cs typeface="+mn-cs"/>
+      </a:defRPr>
+    </a:lvl9pPr>
+  </p:notesStyle>
+</p:notesMaster>
+</file>
+
+<file path=ppt/notesSlides/notesSlide1.xml><?xml version="1.0" encoding="utf-8"?>
+<p:notes xmlns:a="http://schemas.openxmlformats.org/drawingml/2006/main" xmlns:r="http://schemas.openxmlformats.org/officeDocument/2006/relationships" xmlns:p="http://schemas.openxmlformats.org/presentationml/2006/main">
+  <p:cSld>
+    <p:spTree>
+      <p:nvGrpSpPr>
+        <p:cNvPr id="1" name=""/>
+        <p:cNvGrpSpPr/>
+        <p:nvPr/>
+      </p:nvGrpSpPr>
+      <p:grpSpPr>
+        <a:xfrm>
+          <a:off x="0" y="0"/>
+          <a:ext cx="0" cy="0"/>
+          <a:chOff x="0" y="0"/>
+          <a:chExt cx="0" cy="0"/>
+        </a:xfrm>
+      </p:grpSpPr>
+      <p:sp>
+        <p:nvSpPr>
+          <p:cNvPr id="2" name="Slide Image Placeholder 1"/>
+          <p:cNvSpPr>
+            <a:spLocks noGrp="1" noRot="1" noChangeAspect="1"/>
+          </p:cNvSpPr>
+          <p:nvPr>
+            <p:ph type="sldImg"/>
+          </p:nvPr>
+        </p:nvSpPr>
+        <p:spPr/>
+      </p:sp>
+      <p:sp>
+        <p:nvSpPr>
+          <p:cNvPr id="3" name="Notes Placeholder 2"/>
+          <p:cNvSpPr>
+            <a:spLocks noGrp="1"/>
+          </p:cNvSpPr>
+          <p:nvPr>
+            <p:ph type="body" idx="1"/>
+          </p:nvPr>
+        </p:nvSpPr>
+        <p:spPr/>
+        <p:txBody>
+          <a:bodyPr/>
+          <a:lstStyle/>
+          <a:p>
+            <a:r>
+              <a:rPr lang="en-US" dirty="0"/>
+              <a:t>25(25-1)/6 = 100</a:t>
+            </a:r>
+          </a:p>
+        </p:txBody>
+      </p:sp>
+      <p:sp>
+        <p:nvSpPr>
+          <p:cNvPr id="4" name="Slide Number Placeholder 3"/>
+          <p:cNvSpPr>
+            <a:spLocks noGrp="1"/>
+          </p:cNvSpPr>
+          <p:nvPr>
+            <p:ph type="sldNum" sz="quarter" idx="5"/>
+          </p:nvPr>
+        </p:nvSpPr>
+        <p:spPr/>
+        <p:txBody>
+          <a:bodyPr/>
+          <a:lstStyle/>
+          <a:p>
+            <a:fld id="{9689FC35-6717-4341-B880-C7F900DEDD72}" type="slidenum">
+              <a:rPr lang="en-US" smtClean="0"/>
+              <a:t>4</a:t>
+            </a:fld>
+            <a:endParaRPr lang="en-US"/>
+          </a:p>
+        </p:txBody>
+      </p:sp>
+    </p:spTree>
+    <p:extLst>
+      <p:ext uri="{BB962C8B-B14F-4D97-AF65-F5344CB8AC3E}">
+        <p14:creationId xmlns:p14="http://schemas.microsoft.com/office/powerpoint/2010/main" val="1203410837"/>
+      </p:ext>
+    </p:extLst>
+  </p:cSld>
+  <p:clrMapOvr>
+    <a:masterClrMapping/>
+  </p:clrMapOvr>
+</p:notes>
+</file>
+
+<file path=ppt/notesSlides/notesSlide2.xml><?xml version="1.0" encoding="utf-8"?>
+<p:notes xmlns:a="http://schemas.openxmlformats.org/drawingml/2006/main" xmlns:r="http://schemas.openxmlformats.org/officeDocument/2006/relationships" xmlns:p="http://schemas.openxmlformats.org/presentationml/2006/main">
+  <p:cSld>
+    <p:spTree>
+      <p:nvGrpSpPr>
+        <p:cNvPr id="1" name=""/>
+        <p:cNvGrpSpPr/>
+        <p:nvPr/>
+      </p:nvGrpSpPr>
+      <p:grpSpPr>
+        <a:xfrm>
+          <a:off x="0" y="0"/>
+          <a:ext cx="0" cy="0"/>
+          <a:chOff x="0" y="0"/>
+          <a:chExt cx="0" cy="0"/>
+        </a:xfrm>
+      </p:grpSpPr>
+      <p:sp>
+        <p:nvSpPr>
+          <p:cNvPr id="2" name="Slide Image Placeholder 1"/>
+          <p:cNvSpPr>
+            <a:spLocks noGrp="1" noRot="1" noChangeAspect="1"/>
+          </p:cNvSpPr>
+          <p:nvPr>
+            <p:ph type="sldImg"/>
+          </p:nvPr>
+        </p:nvSpPr>
+        <p:spPr/>
+      </p:sp>
+      <p:sp>
+        <p:nvSpPr>
+          <p:cNvPr id="3" name="Notes Placeholder 2"/>
+          <p:cNvSpPr>
+            <a:spLocks noGrp="1"/>
+          </p:cNvSpPr>
+          <p:nvPr>
+            <p:ph type="body" idx="1"/>
+          </p:nvPr>
+        </p:nvSpPr>
+        <p:spPr/>
+        <p:txBody>
+          <a:bodyPr/>
+          <a:lstStyle/>
+          <a:p>
+            <a:r>
+              <a:rPr lang="en-US" dirty="0"/>
+              <a:t>A little extra background to get a sense of scale</a:t>
+            </a:r>
+          </a:p>
+        </p:txBody>
+      </p:sp>
+      <p:sp>
+        <p:nvSpPr>
+          <p:cNvPr id="4" name="Slide Number Placeholder 3"/>
+          <p:cNvSpPr>
+            <a:spLocks noGrp="1"/>
+          </p:cNvSpPr>
+          <p:nvPr>
+            <p:ph type="sldNum" sz="quarter" idx="5"/>
+          </p:nvPr>
+        </p:nvSpPr>
+        <p:spPr/>
+        <p:txBody>
+          <a:bodyPr/>
+          <a:lstStyle/>
+          <a:p>
+            <a:fld id="{9689FC35-6717-4341-B880-C7F900DEDD72}" type="slidenum">
+              <a:rPr lang="en-US" smtClean="0"/>
+              <a:t>5</a:t>
+            </a:fld>
+            <a:endParaRPr lang="en-US"/>
+          </a:p>
+        </p:txBody>
+      </p:sp>
+    </p:spTree>
+    <p:extLst>
+      <p:ext uri="{BB962C8B-B14F-4D97-AF65-F5344CB8AC3E}">
+        <p14:creationId xmlns:p14="http://schemas.microsoft.com/office/powerpoint/2010/main" val="3692367101"/>
+      </p:ext>
+    </p:extLst>
+  </p:cSld>
+  <p:clrMapOvr>
+    <a:masterClrMapping/>
+  </p:clrMapOvr>
+</p:notes>
+</file>
+
+<file path=ppt/notesSlides/notesSlide3.xml><?xml version="1.0" encoding="utf-8"?>
+<p:notes xmlns:a="http://schemas.openxmlformats.org/drawingml/2006/main" xmlns:r="http://schemas.openxmlformats.org/officeDocument/2006/relationships" xmlns:p="http://schemas.openxmlformats.org/presentationml/2006/main">
+  <p:cSld>
+    <p:spTree>
+      <p:nvGrpSpPr>
+        <p:cNvPr id="1" name=""/>
+        <p:cNvGrpSpPr/>
+        <p:nvPr/>
+      </p:nvGrpSpPr>
+      <p:grpSpPr>
+        <a:xfrm>
+          <a:off x="0" y="0"/>
+          <a:ext cx="0" cy="0"/>
+          <a:chOff x="0" y="0"/>
+          <a:chExt cx="0" cy="0"/>
+        </a:xfrm>
+      </p:grpSpPr>
+      <p:sp>
+        <p:nvSpPr>
+          <p:cNvPr id="2" name="Slide Image Placeholder 1"/>
+          <p:cNvSpPr>
+            <a:spLocks noGrp="1" noRot="1" noChangeAspect="1"/>
+          </p:cNvSpPr>
+          <p:nvPr>
+            <p:ph type="sldImg"/>
+          </p:nvPr>
+        </p:nvSpPr>
+        <p:spPr/>
+      </p:sp>
+      <p:sp>
+        <p:nvSpPr>
+          <p:cNvPr id="3" name="Notes Placeholder 2"/>
+          <p:cNvSpPr>
+            <a:spLocks noGrp="1"/>
+          </p:cNvSpPr>
+          <p:nvPr>
+            <p:ph type="body" idx="1"/>
+          </p:nvPr>
+        </p:nvSpPr>
+        <p:spPr/>
+        <p:txBody>
+          <a:bodyPr/>
+          <a:lstStyle/>
+          <a:p>
+            <a:r>
+              <a:rPr lang="en-US" dirty="0"/>
+              <a:t>Circumference: 22</a:t>
+            </a:r>
+          </a:p>
+        </p:txBody>
+      </p:sp>
+      <p:sp>
+        <p:nvSpPr>
+          <p:cNvPr id="4" name="Slide Number Placeholder 3"/>
+          <p:cNvSpPr>
+            <a:spLocks noGrp="1"/>
+          </p:cNvSpPr>
+          <p:nvPr>
+            <p:ph type="sldNum" sz="quarter" idx="5"/>
+          </p:nvPr>
+        </p:nvSpPr>
+        <p:spPr/>
+        <p:txBody>
+          <a:bodyPr/>
+          <a:lstStyle/>
+          <a:p>
+            <a:fld id="{9689FC35-6717-4341-B880-C7F900DEDD72}" type="slidenum">
+              <a:rPr lang="en-US" smtClean="0"/>
+              <a:t>9</a:t>
+            </a:fld>
+            <a:endParaRPr lang="en-US"/>
+          </a:p>
+        </p:txBody>
+      </p:sp>
+    </p:spTree>
+    <p:extLst>
+      <p:ext uri="{BB962C8B-B14F-4D97-AF65-F5344CB8AC3E}">
+        <p14:creationId xmlns:p14="http://schemas.microsoft.com/office/powerpoint/2010/main" val="1114432941"/>
+      </p:ext>
+    </p:extLst>
+  </p:cSld>
+  <p:clrMapOvr>
+    <a:masterClrMapping/>
+  </p:clrMapOvr>
+</p:notes>
+</file>
+
+<file path=ppt/notesSlides/notesSlide4.xml><?xml version="1.0" encoding="utf-8"?>
+<p:notes xmlns:a="http://schemas.openxmlformats.org/drawingml/2006/main" xmlns:r="http://schemas.openxmlformats.org/officeDocument/2006/relationships" xmlns:p="http://schemas.openxmlformats.org/presentationml/2006/main">
+  <p:cSld>
+    <p:spTree>
+      <p:nvGrpSpPr>
+        <p:cNvPr id="1" name=""/>
+        <p:cNvGrpSpPr/>
+        <p:nvPr/>
+      </p:nvGrpSpPr>
+      <p:grpSpPr>
+        <a:xfrm>
+          <a:off x="0" y="0"/>
+          <a:ext cx="0" cy="0"/>
+          <a:chOff x="0" y="0"/>
+          <a:chExt cx="0" cy="0"/>
+        </a:xfrm>
+      </p:grpSpPr>
+      <p:sp>
+        <p:nvSpPr>
+          <p:cNvPr id="2" name="Slide Image Placeholder 1"/>
+          <p:cNvSpPr>
+            <a:spLocks noGrp="1" noRot="1" noChangeAspect="1"/>
+          </p:cNvSpPr>
+          <p:nvPr>
+            <p:ph type="sldImg"/>
+          </p:nvPr>
+        </p:nvSpPr>
+        <p:spPr/>
+      </p:sp>
+      <p:sp>
+        <p:nvSpPr>
+          <p:cNvPr id="3" name="Notes Placeholder 2"/>
+          <p:cNvSpPr>
+            <a:spLocks noGrp="1"/>
+          </p:cNvSpPr>
+          <p:nvPr>
+            <p:ph type="body" idx="1"/>
+          </p:nvPr>
+        </p:nvSpPr>
+        <p:spPr/>
+        <p:txBody>
+          <a:bodyPr/>
+          <a:lstStyle/>
+          <a:p>
+            <a:r>
+              <a:rPr lang="en-US" dirty="0"/>
+              <a:t>18, 5, 10, 17, 8, 7, 12, 11, 14, 21, 25, 16</a:t>
+            </a:r>
+          </a:p>
+          <a:p>
+            <a:r>
+              <a:rPr lang="en-US"/>
+              <a:t>Length: </a:t>
+            </a:r>
+            <a:r>
+              <a:rPr lang="en-US" dirty="0"/>
+              <a:t>10</a:t>
+            </a:r>
+          </a:p>
+        </p:txBody>
+      </p:sp>
+      <p:sp>
+        <p:nvSpPr>
+          <p:cNvPr id="4" name="Slide Number Placeholder 3"/>
+          <p:cNvSpPr>
+            <a:spLocks noGrp="1"/>
+          </p:cNvSpPr>
+          <p:nvPr>
+            <p:ph type="sldNum" sz="quarter" idx="5"/>
+          </p:nvPr>
+        </p:nvSpPr>
+        <p:spPr/>
+        <p:txBody>
+          <a:bodyPr/>
+          <a:lstStyle/>
+          <a:p>
+            <a:fld id="{9689FC35-6717-4341-B880-C7F900DEDD72}" type="slidenum">
+              <a:rPr lang="en-US" smtClean="0"/>
+              <a:t>10</a:t>
+            </a:fld>
+            <a:endParaRPr lang="en-US"/>
+          </a:p>
+        </p:txBody>
+      </p:sp>
+    </p:spTree>
+    <p:extLst>
+      <p:ext uri="{BB962C8B-B14F-4D97-AF65-F5344CB8AC3E}">
+        <p14:creationId xmlns:p14="http://schemas.microsoft.com/office/powerpoint/2010/main" val="613664381"/>
+      </p:ext>
+    </p:extLst>
+  </p:cSld>
+  <p:clrMapOvr>
+    <a:masterClrMapping/>
+  </p:clrMapOvr>
+</p:notes>
+</file>
+
+<file path=ppt/notesSlides/notesSlide5.xml><?xml version="1.0" encoding="utf-8"?>
+<p:notes xmlns:a="http://schemas.openxmlformats.org/drawingml/2006/main" xmlns:r="http://schemas.openxmlformats.org/officeDocument/2006/relationships" xmlns:p="http://schemas.openxmlformats.org/presentationml/2006/main">
+  <p:cSld>
+    <p:spTree>
+      <p:nvGrpSpPr>
+        <p:cNvPr id="1" name=""/>
+        <p:cNvGrpSpPr/>
+        <p:nvPr/>
+      </p:nvGrpSpPr>
+      <p:grpSpPr>
+        <a:xfrm>
+          <a:off x="0" y="0"/>
+          <a:ext cx="0" cy="0"/>
+          <a:chOff x="0" y="0"/>
+          <a:chExt cx="0" cy="0"/>
+        </a:xfrm>
+      </p:grpSpPr>
+      <p:sp>
+        <p:nvSpPr>
+          <p:cNvPr id="2" name="Slide Image Placeholder 1"/>
+          <p:cNvSpPr>
+            <a:spLocks noGrp="1" noRot="1" noChangeAspect="1"/>
+          </p:cNvSpPr>
+          <p:nvPr>
+            <p:ph type="sldImg"/>
+          </p:nvPr>
+        </p:nvSpPr>
+        <p:spPr/>
+      </p:sp>
+      <p:sp>
+        <p:nvSpPr>
+          <p:cNvPr id="3" name="Notes Placeholder 2"/>
+          <p:cNvSpPr>
+            <a:spLocks noGrp="1"/>
+          </p:cNvSpPr>
+          <p:nvPr>
+            <p:ph type="body" idx="1"/>
+          </p:nvPr>
+        </p:nvSpPr>
+        <p:spPr/>
+        <p:txBody>
+          <a:bodyPr/>
+          <a:lstStyle/>
+          <a:p>
+            <a:r>
+              <a:rPr lang="en-US" dirty="0"/>
+              <a:t>19,9,15,22,18,14,23,7,25,20,10,6,21,13,17,4,2,24</a:t>
+            </a:r>
+          </a:p>
+          <a:p>
+            <a:r>
+              <a:rPr lang="en-US" dirty="0"/>
+              <a:t>Length: 18</a:t>
+            </a:r>
+          </a:p>
+        </p:txBody>
+      </p:sp>
+      <p:sp>
+        <p:nvSpPr>
+          <p:cNvPr id="4" name="Slide Number Placeholder 3"/>
+          <p:cNvSpPr>
+            <a:spLocks noGrp="1"/>
+          </p:cNvSpPr>
+          <p:nvPr>
+            <p:ph type="sldNum" sz="quarter" idx="5"/>
+          </p:nvPr>
+        </p:nvSpPr>
+        <p:spPr/>
+        <p:txBody>
+          <a:bodyPr/>
+          <a:lstStyle/>
+          <a:p>
+            <a:fld id="{9689FC35-6717-4341-B880-C7F900DEDD72}" type="slidenum">
+              <a:rPr lang="en-US" smtClean="0"/>
+              <a:t>11</a:t>
+            </a:fld>
+            <a:endParaRPr lang="en-US"/>
+          </a:p>
+        </p:txBody>
+      </p:sp>
+    </p:spTree>
+    <p:extLst>
+      <p:ext uri="{BB962C8B-B14F-4D97-AF65-F5344CB8AC3E}">
+        <p14:creationId xmlns:p14="http://schemas.microsoft.com/office/powerpoint/2010/main" val="2867518494"/>
+      </p:ext>
+    </p:extLst>
+  </p:cSld>
+  <p:clrMapOvr>
+    <a:masterClrMapping/>
+  </p:clrMapOvr>
+</p:notes>
 </file>
 
 <file path=ppt/slideLayouts/slideLayout1.xml><?xml version="1.0" encoding="utf-8"?>
@@ -954,7 +2152,7 @@
           <a:p>
             <a:fld id="{5BDB55B6-34E0-44DF-B459-33A02493EF7A}" type="datetimeFigureOut">
               <a:rPr lang="en-US" smtClean="0"/>
-              <a:t>9/12/2024</a:t>
+              <a:t>9/16/2024</a:t>
             </a:fld>
             <a:endParaRPr lang="en-US"/>
           </a:p>
@@ -1152,7 +2350,7 @@
           <a:p>
             <a:fld id="{5BDB55B6-34E0-44DF-B459-33A02493EF7A}" type="datetimeFigureOut">
               <a:rPr lang="en-US" smtClean="0"/>
-              <a:t>9/12/2024</a:t>
+              <a:t>9/16/2024</a:t>
             </a:fld>
             <a:endParaRPr lang="en-US"/>
           </a:p>
@@ -1360,7 +2558,7 @@
           <a:p>
             <a:fld id="{5BDB55B6-34E0-44DF-B459-33A02493EF7A}" type="datetimeFigureOut">
               <a:rPr lang="en-US" smtClean="0"/>
-              <a:t>9/12/2024</a:t>
+              <a:t>9/16/2024</a:t>
             </a:fld>
             <a:endParaRPr lang="en-US"/>
           </a:p>
@@ -1558,7 +2756,7 @@
           <a:p>
             <a:fld id="{5BDB55B6-34E0-44DF-B459-33A02493EF7A}" type="datetimeFigureOut">
               <a:rPr lang="en-US" smtClean="0"/>
-              <a:t>9/12/2024</a:t>
+              <a:t>9/16/2024</a:t>
             </a:fld>
             <a:endParaRPr lang="en-US"/>
           </a:p>
@@ -1833,7 +3031,7 @@
           <a:p>
             <a:fld id="{5BDB55B6-34E0-44DF-B459-33A02493EF7A}" type="datetimeFigureOut">
               <a:rPr lang="en-US" smtClean="0"/>
-              <a:t>9/12/2024</a:t>
+              <a:t>9/16/2024</a:t>
             </a:fld>
             <a:endParaRPr lang="en-US"/>
           </a:p>
@@ -2098,7 +3296,7 @@
           <a:p>
             <a:fld id="{5BDB55B6-34E0-44DF-B459-33A02493EF7A}" type="datetimeFigureOut">
               <a:rPr lang="en-US" smtClean="0"/>
-              <a:t>9/12/2024</a:t>
+              <a:t>9/16/2024</a:t>
             </a:fld>
             <a:endParaRPr lang="en-US"/>
           </a:p>
@@ -2510,7 +3708,7 @@
           <a:p>
             <a:fld id="{5BDB55B6-34E0-44DF-B459-33A02493EF7A}" type="datetimeFigureOut">
               <a:rPr lang="en-US" smtClean="0"/>
-              <a:t>9/12/2024</a:t>
+              <a:t>9/16/2024</a:t>
             </a:fld>
             <a:endParaRPr lang="en-US"/>
           </a:p>
@@ -2651,7 +3849,7 @@
           <a:p>
             <a:fld id="{5BDB55B6-34E0-44DF-B459-33A02493EF7A}" type="datetimeFigureOut">
               <a:rPr lang="en-US" smtClean="0"/>
-              <a:t>9/12/2024</a:t>
+              <a:t>9/16/2024</a:t>
             </a:fld>
             <a:endParaRPr lang="en-US"/>
           </a:p>
@@ -2764,7 +3962,7 @@
           <a:p>
             <a:fld id="{5BDB55B6-34E0-44DF-B459-33A02493EF7A}" type="datetimeFigureOut">
               <a:rPr lang="en-US" smtClean="0"/>
-              <a:t>9/12/2024</a:t>
+              <a:t>9/16/2024</a:t>
             </a:fld>
             <a:endParaRPr lang="en-US"/>
           </a:p>
@@ -3075,7 +4273,7 @@
           <a:p>
             <a:fld id="{5BDB55B6-34E0-44DF-B459-33A02493EF7A}" type="datetimeFigureOut">
               <a:rPr lang="en-US" smtClean="0"/>
-              <a:t>9/12/2024</a:t>
+              <a:t>9/16/2024</a:t>
             </a:fld>
             <a:endParaRPr lang="en-US"/>
           </a:p>
@@ -3363,7 +4561,7 @@
           <a:p>
             <a:fld id="{5BDB55B6-34E0-44DF-B459-33A02493EF7A}" type="datetimeFigureOut">
               <a:rPr lang="en-US" smtClean="0"/>
-              <a:t>9/12/2024</a:t>
+              <a:t>9/16/2024</a:t>
             </a:fld>
             <a:endParaRPr lang="en-US"/>
           </a:p>
@@ -3604,7 +4802,7 @@
           <a:p>
             <a:fld id="{5BDB55B6-34E0-44DF-B459-33A02493EF7A}" type="datetimeFigureOut">
               <a:rPr lang="en-US" smtClean="0"/>
-              <a:t>9/12/2024</a:t>
+              <a:t>9/16/2024</a:t>
             </a:fld>
             <a:endParaRPr lang="en-US"/>
           </a:p>
@@ -4363,209 +5561,6 @@
   <p:clrMapOvr>
     <a:masterClrMapping/>
   </p:clrMapOvr>
-  <p:timing>
-    <p:tnLst>
-      <p:par>
-        <p:cTn id="1" dur="indefinite" restart="never" nodeType="tmRoot">
-          <p:childTnLst>
-            <p:seq concurrent="1" nextAc="seek">
-              <p:cTn id="2" dur="indefinite" nodeType="mainSeq">
-                <p:childTnLst>
-                  <p:par>
-                    <p:cTn id="3" fill="hold">
-                      <p:stCondLst>
-                        <p:cond delay="indefinite"/>
-                        <p:cond evt="onBegin" delay="0">
-                          <p:tn val="2"/>
-                        </p:cond>
-                      </p:stCondLst>
-                      <p:childTnLst>
-                        <p:par>
-                          <p:cTn id="4" fill="hold">
-                            <p:stCondLst>
-                              <p:cond delay="0"/>
-                            </p:stCondLst>
-                            <p:childTnLst>
-                              <p:par>
-                                <p:cTn id="5" presetID="10" presetClass="entr" presetSubtype="0" fill="hold" grpId="0" nodeType="withEffect">
-                                  <p:stCondLst>
-                                    <p:cond delay="500"/>
-                                  </p:stCondLst>
-                                  <p:iterate>
-                                    <p:tmPct val="10000"/>
-                                  </p:iterate>
-                                  <p:childTnLst>
-                                    <p:set>
-                                      <p:cBhvr>
-                                        <p:cTn id="6" dur="1" fill="hold">
-                                          <p:stCondLst>
-                                            <p:cond delay="0"/>
-                                          </p:stCondLst>
-                                        </p:cTn>
-                                        <p:tgtEl>
-                                          <p:spTgt spid="2"/>
-                                        </p:tgtEl>
-                                        <p:attrNameLst>
-                                          <p:attrName>style.visibility</p:attrName>
-                                        </p:attrNameLst>
-                                      </p:cBhvr>
-                                      <p:to>
-                                        <p:strVal val="visible"/>
-                                      </p:to>
-                                    </p:set>
-                                    <p:animEffect transition="in" filter="fade">
-                                      <p:cBhvr>
-                                        <p:cTn id="7" dur="700"/>
-                                        <p:tgtEl>
-                                          <p:spTgt spid="2"/>
-                                        </p:tgtEl>
-                                      </p:cBhvr>
-                                    </p:animEffect>
-                                  </p:childTnLst>
-                                </p:cTn>
-                              </p:par>
-                              <p:par>
-                                <p:cTn id="8" presetID="10" presetClass="entr" presetSubtype="0" fill="hold" grpId="0" nodeType="withEffect">
-                                  <p:stCondLst>
-                                    <p:cond delay="1000"/>
-                                  </p:stCondLst>
-                                  <p:iterate>
-                                    <p:tmPct val="10000"/>
-                                  </p:iterate>
-                                  <p:childTnLst>
-                                    <p:set>
-                                      <p:cBhvr>
-                                        <p:cTn id="9" dur="1" fill="hold">
-                                          <p:stCondLst>
-                                            <p:cond delay="0"/>
-                                          </p:stCondLst>
-                                        </p:cTn>
-                                        <p:tgtEl>
-                                          <p:spTgt spid="3">
-                                            <p:txEl>
-                                              <p:pRg st="0" end="0"/>
-                                            </p:txEl>
-                                          </p:spTgt>
-                                        </p:tgtEl>
-                                        <p:attrNameLst>
-                                          <p:attrName>style.visibility</p:attrName>
-                                        </p:attrNameLst>
-                                      </p:cBhvr>
-                                      <p:to>
-                                        <p:strVal val="visible"/>
-                                      </p:to>
-                                    </p:set>
-                                    <p:animEffect transition="in" filter="fade">
-                                      <p:cBhvr>
-                                        <p:cTn id="10" dur="700"/>
-                                        <p:tgtEl>
-                                          <p:spTgt spid="3">
-                                            <p:txEl>
-                                              <p:pRg st="0" end="0"/>
-                                            </p:txEl>
-                                          </p:spTgt>
-                                        </p:tgtEl>
-                                      </p:cBhvr>
-                                    </p:animEffect>
-                                  </p:childTnLst>
-                                </p:cTn>
-                              </p:par>
-                            </p:childTnLst>
-                          </p:cTn>
-                        </p:par>
-                      </p:childTnLst>
-                    </p:cTn>
-                  </p:par>
-                  <p:par>
-                    <p:cTn id="11" fill="hold">
-                      <p:stCondLst>
-                        <p:cond delay="indefinite"/>
-                      </p:stCondLst>
-                      <p:childTnLst>
-                        <p:par>
-                          <p:cTn id="12" fill="hold">
-                            <p:stCondLst>
-                              <p:cond delay="0"/>
-                            </p:stCondLst>
-                            <p:childTnLst>
-                              <p:par>
-                                <p:cTn id="13" presetID="10" presetClass="entr" presetSubtype="0" fill="hold" grpId="0" nodeType="clickEffect">
-                                  <p:stCondLst>
-                                    <p:cond delay="1000"/>
-                                  </p:stCondLst>
-                                  <p:iterate>
-                                    <p:tmPct val="10000"/>
-                                  </p:iterate>
-                                  <p:childTnLst>
-                                    <p:set>
-                                      <p:cBhvr>
-                                        <p:cTn id="14" dur="1" fill="hold">
-                                          <p:stCondLst>
-                                            <p:cond delay="0"/>
-                                          </p:stCondLst>
-                                        </p:cTn>
-                                        <p:tgtEl>
-                                          <p:spTgt spid="3">
-                                            <p:txEl>
-                                              <p:pRg st="1" end="1"/>
-                                            </p:txEl>
-                                          </p:spTgt>
-                                        </p:tgtEl>
-                                        <p:attrNameLst>
-                                          <p:attrName>style.visibility</p:attrName>
-                                        </p:attrNameLst>
-                                      </p:cBhvr>
-                                      <p:to>
-                                        <p:strVal val="visible"/>
-                                      </p:to>
-                                    </p:set>
-                                    <p:animEffect transition="in" filter="fade">
-                                      <p:cBhvr>
-                                        <p:cTn id="15" dur="700"/>
-                                        <p:tgtEl>
-                                          <p:spTgt spid="3">
-                                            <p:txEl>
-                                              <p:pRg st="1" end="1"/>
-                                            </p:txEl>
-                                          </p:spTgt>
-                                        </p:tgtEl>
-                                      </p:cBhvr>
-                                    </p:animEffect>
-                                  </p:childTnLst>
-                                </p:cTn>
-                              </p:par>
-                            </p:childTnLst>
-                          </p:cTn>
-                        </p:par>
-                      </p:childTnLst>
-                    </p:cTn>
-                  </p:par>
-                </p:childTnLst>
-              </p:cTn>
-              <p:prevCondLst>
-                <p:cond evt="onPrev" delay="0">
-                  <p:tgtEl>
-                    <p:sldTgt/>
-                  </p:tgtEl>
-                </p:cond>
-              </p:prevCondLst>
-              <p:nextCondLst>
-                <p:cond evt="onNext" delay="0">
-                  <p:tgtEl>
-                    <p:sldTgt/>
-                  </p:tgtEl>
-                </p:cond>
-              </p:nextCondLst>
-            </p:seq>
-          </p:childTnLst>
-        </p:cTn>
-      </p:par>
-    </p:tnLst>
-    <p:bldLst>
-      <p:bldP spid="2" grpId="0"/>
-      <p:bldP spid="3" grpId="0" build="p"/>
-    </p:bldLst>
-  </p:timing>
 </p:sld>
 </file>
 
@@ -4596,10 +5591,10 @@
       </p:grpSpPr>
       <p:sp useBgFill="1">
         <p:nvSpPr>
-          <p:cNvPr id="8" name="Rectangle 7">
-            <a:extLst>
-              <a:ext uri="{FF2B5EF4-FFF2-40B4-BE49-F238E27FC236}">
-                <a16:creationId xmlns:a16="http://schemas.microsoft.com/office/drawing/2014/main" id="{DBF61EA3-B236-439E-9C0B-340980D56BEE}"/>
+          <p:cNvPr id="19" name="Rectangle 18">
+            <a:extLst>
+              <a:ext uri="{FF2B5EF4-FFF2-40B4-BE49-F238E27FC236}">
+                <a16:creationId xmlns:a16="http://schemas.microsoft.com/office/drawing/2014/main" id="{47942995-B07F-4636-9A06-C6A104B260A8}"/>
               </a:ext>
               <a:ext uri="{C183D7F6-B498-43B3-948B-1728B52AA6E4}">
                 <adec:decorative xmlns:adec="http://schemas.microsoft.com/office/drawing/2017/decorative" val="1"/>
@@ -4659,6 +5654,1048 @@
           <p:cNvPr id="2" name="Title 1">
             <a:extLst>
               <a:ext uri="{FF2B5EF4-FFF2-40B4-BE49-F238E27FC236}">
+                <a16:creationId xmlns:a16="http://schemas.microsoft.com/office/drawing/2014/main" id="{69F17ECA-0EFD-C53E-65AF-2D7A6D4EC4E2}"/>
+              </a:ext>
+            </a:extLst>
+          </p:cNvPr>
+          <p:cNvSpPr>
+            <a:spLocks noGrp="1"/>
+          </p:cNvSpPr>
+          <p:nvPr>
+            <p:ph type="title"/>
+          </p:nvPr>
+        </p:nvSpPr>
+        <p:spPr>
+          <a:xfrm>
+            <a:off x="1113810" y="2960716"/>
+            <a:ext cx="4036334" cy="2387600"/>
+          </a:xfrm>
+        </p:spPr>
+        <p:txBody>
+          <a:bodyPr vert="horz" lIns="91440" tIns="45720" rIns="91440" bIns="45720" rtlCol="0" anchor="t">
+            <a:normAutofit/>
+          </a:bodyPr>
+          <a:lstStyle/>
+          <a:p>
+            <a:r>
+              <a:rPr lang="en-US" sz="4600" kern="1200" dirty="0">
+                <a:solidFill>
+                  <a:schemeClr val="tx1"/>
+                </a:solidFill>
+                <a:latin typeface="+mj-lt"/>
+                <a:ea typeface="+mj-ea"/>
+                <a:cs typeface="+mj-cs"/>
+              </a:rPr>
+              <a:t>Cycle: (16, 18)</a:t>
+            </a:r>
+          </a:p>
+        </p:txBody>
+      </p:sp>
+      <p:grpSp>
+        <p:nvGrpSpPr>
+          <p:cNvPr id="21" name="Group 20">
+            <a:extLst>
+              <a:ext uri="{FF2B5EF4-FFF2-40B4-BE49-F238E27FC236}">
+                <a16:creationId xmlns:a16="http://schemas.microsoft.com/office/drawing/2014/main" id="{032D8612-31EB-44CF-A1D0-14FD4C705424}"/>
+              </a:ext>
+              <a:ext uri="{C183D7F6-B498-43B3-948B-1728B52AA6E4}">
+                <adec:decorative xmlns:adec="http://schemas.microsoft.com/office/drawing/2017/decorative" val="1"/>
+              </a:ext>
+            </a:extLst>
+          </p:cNvPr>
+          <p:cNvGrpSpPr>
+            <a:grpSpLocks noGrp="1" noUngrp="1" noRot="1" noChangeAspect="1" noMove="1" noResize="1"/>
+          </p:cNvGrpSpPr>
+          <p:nvPr>
+            <p:extLst>
+              <p:ext uri="{386F3935-93C4-4BCD-93E2-E3B085C9AB24}">
+                <p16:designElem xmlns:p16="http://schemas.microsoft.com/office/powerpoint/2015/main" val="1"/>
+              </p:ext>
+            </p:extLst>
+          </p:nvPr>
+        </p:nvGrpSpPr>
+        <p:grpSpPr>
+          <a:xfrm>
+            <a:off x="0" y="2984992"/>
+            <a:ext cx="731521" cy="673460"/>
+            <a:chOff x="3940602" y="308034"/>
+            <a:chExt cx="2116791" cy="3428999"/>
+          </a:xfrm>
+          <a:solidFill>
+            <a:schemeClr val="accent4"/>
+          </a:solidFill>
+        </p:grpSpPr>
+        <p:sp>
+          <p:nvSpPr>
+            <p:cNvPr id="22" name="Rectangle 21">
+              <a:extLst>
+                <a:ext uri="{FF2B5EF4-FFF2-40B4-BE49-F238E27FC236}">
+                  <a16:creationId xmlns:a16="http://schemas.microsoft.com/office/drawing/2014/main" id="{F19A4A0F-1B59-4DB0-9764-D10936E98770}"/>
+                </a:ext>
+                <a:ext uri="{C183D7F6-B498-43B3-948B-1728B52AA6E4}">
+                  <adec:decorative xmlns:adec="http://schemas.microsoft.com/office/drawing/2017/decorative" val="1"/>
+                </a:ext>
+              </a:extLst>
+            </p:cNvPr>
+            <p:cNvSpPr/>
+            <p:nvPr>
+              <p:extLst>
+                <p:ext uri="{386F3935-93C4-4BCD-93E2-E3B085C9AB24}">
+                  <p16:designElem xmlns:p16="http://schemas.microsoft.com/office/powerpoint/2015/main" val="1"/>
+                </p:ext>
+              </p:extLst>
+            </p:nvPr>
+          </p:nvSpPr>
+          <p:spPr>
+            <a:xfrm>
+              <a:off x="3940602" y="308034"/>
+              <a:ext cx="566743" cy="3428999"/>
+            </a:xfrm>
+            <a:prstGeom prst="rect">
+              <a:avLst/>
+            </a:prstGeom>
+            <a:grpFill/>
+            <a:ln>
+              <a:noFill/>
+            </a:ln>
+          </p:spPr>
+          <p:style>
+            <a:lnRef idx="2">
+              <a:schemeClr val="accent1">
+                <a:shade val="50000"/>
+              </a:schemeClr>
+            </a:lnRef>
+            <a:fillRef idx="1">
+              <a:schemeClr val="accent1"/>
+            </a:fillRef>
+            <a:effectRef idx="0">
+              <a:schemeClr val="accent1"/>
+            </a:effectRef>
+            <a:fontRef idx="minor">
+              <a:schemeClr val="lt1"/>
+            </a:fontRef>
+          </p:style>
+          <p:txBody>
+            <a:bodyPr rtlCol="0" anchor="ctr"/>
+            <a:lstStyle/>
+            <a:p>
+              <a:pPr algn="ctr"/>
+              <a:endParaRPr lang="en-US"/>
+            </a:p>
+          </p:txBody>
+        </p:sp>
+        <p:sp>
+          <p:nvSpPr>
+            <p:cNvPr id="23" name="Rectangle 22">
+              <a:extLst>
+                <a:ext uri="{FF2B5EF4-FFF2-40B4-BE49-F238E27FC236}">
+                  <a16:creationId xmlns:a16="http://schemas.microsoft.com/office/drawing/2014/main" id="{F399A70F-F8CD-4992-9EF5-6CF15472E73F}"/>
+                </a:ext>
+                <a:ext uri="{C183D7F6-B498-43B3-948B-1728B52AA6E4}">
+                  <adec:decorative xmlns:adec="http://schemas.microsoft.com/office/drawing/2017/decorative" val="1"/>
+                </a:ext>
+              </a:extLst>
+            </p:cNvPr>
+            <p:cNvSpPr/>
+            <p:nvPr>
+              <p:extLst>
+                <p:ext uri="{386F3935-93C4-4BCD-93E2-E3B085C9AB24}">
+                  <p16:designElem xmlns:p16="http://schemas.microsoft.com/office/powerpoint/2015/main" val="1"/>
+                </p:ext>
+              </p:extLst>
+            </p:nvPr>
+          </p:nvSpPr>
+          <p:spPr>
+            <a:xfrm>
+              <a:off x="4715626" y="308034"/>
+              <a:ext cx="566743" cy="3428999"/>
+            </a:xfrm>
+            <a:prstGeom prst="rect">
+              <a:avLst/>
+            </a:prstGeom>
+            <a:grpFill/>
+            <a:ln>
+              <a:noFill/>
+            </a:ln>
+          </p:spPr>
+          <p:style>
+            <a:lnRef idx="2">
+              <a:schemeClr val="accent1">
+                <a:shade val="50000"/>
+              </a:schemeClr>
+            </a:lnRef>
+            <a:fillRef idx="1">
+              <a:schemeClr val="accent1"/>
+            </a:fillRef>
+            <a:effectRef idx="0">
+              <a:schemeClr val="accent1"/>
+            </a:effectRef>
+            <a:fontRef idx="minor">
+              <a:schemeClr val="lt1"/>
+            </a:fontRef>
+          </p:style>
+          <p:txBody>
+            <a:bodyPr rtlCol="0" anchor="ctr"/>
+            <a:lstStyle/>
+            <a:p>
+              <a:pPr algn="ctr"/>
+              <a:endParaRPr lang="en-US"/>
+            </a:p>
+          </p:txBody>
+        </p:sp>
+        <p:sp>
+          <p:nvSpPr>
+            <p:cNvPr id="24" name="Rectangle 23">
+              <a:extLst>
+                <a:ext uri="{FF2B5EF4-FFF2-40B4-BE49-F238E27FC236}">
+                  <a16:creationId xmlns:a16="http://schemas.microsoft.com/office/drawing/2014/main" id="{48F4FEDC-6D80-458C-A665-075D9B9500FD}"/>
+                </a:ext>
+                <a:ext uri="{C183D7F6-B498-43B3-948B-1728B52AA6E4}">
+                  <adec:decorative xmlns:adec="http://schemas.microsoft.com/office/drawing/2017/decorative" val="1"/>
+                </a:ext>
+              </a:extLst>
+            </p:cNvPr>
+            <p:cNvSpPr/>
+            <p:nvPr>
+              <p:extLst>
+                <p:ext uri="{386F3935-93C4-4BCD-93E2-E3B085C9AB24}">
+                  <p16:designElem xmlns:p16="http://schemas.microsoft.com/office/powerpoint/2015/main" val="1"/>
+                </p:ext>
+              </p:extLst>
+            </p:nvPr>
+          </p:nvSpPr>
+          <p:spPr>
+            <a:xfrm>
+              <a:off x="5490650" y="308034"/>
+              <a:ext cx="566743" cy="3428999"/>
+            </a:xfrm>
+            <a:prstGeom prst="rect">
+              <a:avLst/>
+            </a:prstGeom>
+            <a:grpFill/>
+            <a:ln>
+              <a:noFill/>
+            </a:ln>
+          </p:spPr>
+          <p:style>
+            <a:lnRef idx="2">
+              <a:schemeClr val="accent1">
+                <a:shade val="50000"/>
+              </a:schemeClr>
+            </a:lnRef>
+            <a:fillRef idx="1">
+              <a:schemeClr val="accent1"/>
+            </a:fillRef>
+            <a:effectRef idx="0">
+              <a:schemeClr val="accent1"/>
+            </a:effectRef>
+            <a:fontRef idx="minor">
+              <a:schemeClr val="lt1"/>
+            </a:fontRef>
+          </p:style>
+          <p:txBody>
+            <a:bodyPr rtlCol="0" anchor="ctr"/>
+            <a:lstStyle/>
+            <a:p>
+              <a:pPr algn="ctr"/>
+              <a:endParaRPr lang="en-US"/>
+            </a:p>
+          </p:txBody>
+        </p:sp>
+      </p:grpSp>
+      <p:sp>
+        <p:nvSpPr>
+          <p:cNvPr id="26" name="Rectangle 25">
+            <a:extLst>
+              <a:ext uri="{FF2B5EF4-FFF2-40B4-BE49-F238E27FC236}">
+                <a16:creationId xmlns:a16="http://schemas.microsoft.com/office/drawing/2014/main" id="{B81933D1-5615-42C7-9C0B-4EB7105CCE2D}"/>
+              </a:ext>
+              <a:ext uri="{C183D7F6-B498-43B3-948B-1728B52AA6E4}">
+                <adec:decorative xmlns:adec="http://schemas.microsoft.com/office/drawing/2017/decorative" val="1"/>
+              </a:ext>
+            </a:extLst>
+          </p:cNvPr>
+          <p:cNvSpPr>
+            <a:spLocks noGrp="1" noRot="1" noChangeAspect="1" noMove="1" noResize="1" noEditPoints="1" noAdjustHandles="1" noChangeArrowheads="1" noChangeShapeType="1" noTextEdit="1"/>
+          </p:cNvSpPr>
+          <p:nvPr>
+            <p:extLst>
+              <p:ext uri="{386F3935-93C4-4BCD-93E2-E3B085C9AB24}">
+                <p16:designElem xmlns:p16="http://schemas.microsoft.com/office/powerpoint/2015/main" val="1"/>
+              </p:ext>
+            </p:extLst>
+          </p:nvPr>
+        </p:nvSpPr>
+        <p:spPr>
+          <a:xfrm flipH="1">
+            <a:off x="10697670" y="0"/>
+            <a:ext cx="1494330" cy="6858000"/>
+          </a:xfrm>
+          <a:prstGeom prst="rect">
+            <a:avLst/>
+          </a:prstGeom>
+          <a:solidFill>
+            <a:schemeClr val="accent4"/>
+          </a:solidFill>
+          <a:ln>
+            <a:noFill/>
+          </a:ln>
+        </p:spPr>
+        <p:style>
+          <a:lnRef idx="2">
+            <a:schemeClr val="accent1">
+              <a:shade val="50000"/>
+            </a:schemeClr>
+          </a:lnRef>
+          <a:fillRef idx="1">
+            <a:schemeClr val="accent1"/>
+          </a:fillRef>
+          <a:effectRef idx="0">
+            <a:schemeClr val="accent1"/>
+          </a:effectRef>
+          <a:fontRef idx="minor">
+            <a:schemeClr val="lt1"/>
+          </a:fontRef>
+        </p:style>
+        <p:txBody>
+          <a:bodyPr rtlCol="0" anchor="ctr"/>
+          <a:lstStyle/>
+          <a:p>
+            <a:pPr algn="ctr"/>
+            <a:endParaRPr lang="en-US"/>
+          </a:p>
+        </p:txBody>
+      </p:sp>
+      <p:sp>
+        <p:nvSpPr>
+          <p:cNvPr id="28" name="Rectangle 27">
+            <a:extLst>
+              <a:ext uri="{FF2B5EF4-FFF2-40B4-BE49-F238E27FC236}">
+                <a16:creationId xmlns:a16="http://schemas.microsoft.com/office/drawing/2014/main" id="{19C9EAEA-39D0-4B0E-A0EB-51E7B26740B1}"/>
+              </a:ext>
+              <a:ext uri="{C183D7F6-B498-43B3-948B-1728B52AA6E4}">
+                <adec:decorative xmlns:adec="http://schemas.microsoft.com/office/drawing/2017/decorative" val="1"/>
+              </a:ext>
+            </a:extLst>
+          </p:cNvPr>
+          <p:cNvSpPr>
+            <a:spLocks noGrp="1" noRot="1" noChangeAspect="1" noMove="1" noResize="1" noEditPoints="1" noAdjustHandles="1" noChangeArrowheads="1" noChangeShapeType="1" noTextEdit="1"/>
+          </p:cNvSpPr>
+          <p:nvPr>
+            <p:extLst>
+              <p:ext uri="{386F3935-93C4-4BCD-93E2-E3B085C9AB24}">
+                <p16:designElem xmlns:p16="http://schemas.microsoft.com/office/powerpoint/2015/main" val="1"/>
+              </p:ext>
+            </p:extLst>
+          </p:nvPr>
+        </p:nvSpPr>
+        <p:spPr>
+          <a:xfrm>
+            <a:off x="5685810" y="391886"/>
+            <a:ext cx="6009366" cy="6017078"/>
+          </a:xfrm>
+          <a:prstGeom prst="rect">
+            <a:avLst/>
+          </a:prstGeom>
+          <a:solidFill>
+            <a:schemeClr val="bg1"/>
+          </a:solidFill>
+          <a:ln>
+            <a:noFill/>
+          </a:ln>
+          <a:effectLst>
+            <a:outerShdw blurRad="139700" dist="127000" dir="5400000" algn="t" rotWithShape="0">
+              <a:prstClr val="black">
+                <a:alpha val="15000"/>
+              </a:prstClr>
+            </a:outerShdw>
+          </a:effectLst>
+        </p:spPr>
+        <p:style>
+          <a:lnRef idx="2">
+            <a:schemeClr val="accent1">
+              <a:shade val="50000"/>
+            </a:schemeClr>
+          </a:lnRef>
+          <a:fillRef idx="1">
+            <a:schemeClr val="accent1"/>
+          </a:fillRef>
+          <a:effectRef idx="0">
+            <a:schemeClr val="accent1"/>
+          </a:effectRef>
+          <a:fontRef idx="minor">
+            <a:schemeClr val="lt1"/>
+          </a:fontRef>
+        </p:style>
+        <p:txBody>
+          <a:bodyPr rtlCol="0" anchor="ctr"/>
+          <a:lstStyle/>
+          <a:p>
+            <a:pPr algn="ctr"/>
+            <a:endParaRPr lang="en-US"/>
+          </a:p>
+        </p:txBody>
+      </p:sp>
+      <p:pic>
+        <p:nvPicPr>
+          <p:cNvPr id="6" name="Content Placeholder 4" descr="A path trace from 16-&gt;18 length 10 from an STS(25)&#10;">
+            <a:extLst>
+              <a:ext uri="{FF2B5EF4-FFF2-40B4-BE49-F238E27FC236}">
+                <a16:creationId xmlns:a16="http://schemas.microsoft.com/office/drawing/2014/main" id="{F7C4B7F3-96D5-07AB-FB7F-40BA4F6BA17F}"/>
+              </a:ext>
+            </a:extLst>
+          </p:cNvPr>
+          <p:cNvPicPr>
+            <a:picLocks noChangeAspect="1"/>
+          </p:cNvPicPr>
+          <p:nvPr/>
+        </p:nvPicPr>
+        <p:blipFill>
+          <a:blip r:embed="rId3">
+            <a:extLst>
+              <a:ext uri="{28A0092B-C50C-407E-A947-70E740481C1C}">
+                <a14:useLocalDpi xmlns:a14="http://schemas.microsoft.com/office/drawing/2010/main" val="0"/>
+              </a:ext>
+            </a:extLst>
+          </a:blip>
+          <a:stretch>
+            <a:fillRect/>
+          </a:stretch>
+        </p:blipFill>
+        <p:spPr>
+          <a:xfrm>
+            <a:off x="5922492" y="762334"/>
+            <a:ext cx="5536001" cy="5274578"/>
+          </a:xfrm>
+          <a:prstGeom prst="rect">
+            <a:avLst/>
+          </a:prstGeom>
+        </p:spPr>
+      </p:pic>
+    </p:spTree>
+    <p:extLst>
+      <p:ext uri="{BB962C8B-B14F-4D97-AF65-F5344CB8AC3E}">
+        <p14:creationId xmlns:p14="http://schemas.microsoft.com/office/powerpoint/2010/main" val="2716128909"/>
+      </p:ext>
+    </p:extLst>
+  </p:cSld>
+  <p:clrMapOvr>
+    <a:masterClrMapping/>
+  </p:clrMapOvr>
+</p:sld>
+</file>
+
+<file path=ppt/slides/slide11.xml><?xml version="1.0" encoding="utf-8"?>
+<p:sld xmlns:a="http://schemas.openxmlformats.org/drawingml/2006/main" xmlns:r="http://schemas.openxmlformats.org/officeDocument/2006/relationships" xmlns:p="http://schemas.openxmlformats.org/presentationml/2006/main">
+  <p:cSld>
+    <p:bg>
+      <p:bgPr>
+        <a:solidFill>
+          <a:schemeClr val="bg1"/>
+        </a:solidFill>
+        <a:effectLst/>
+      </p:bgPr>
+    </p:bg>
+    <p:spTree>
+      <p:nvGrpSpPr>
+        <p:cNvPr id="1" name=""/>
+        <p:cNvGrpSpPr/>
+        <p:nvPr/>
+      </p:nvGrpSpPr>
+      <p:grpSpPr>
+        <a:xfrm>
+          <a:off x="0" y="0"/>
+          <a:ext cx="0" cy="0"/>
+          <a:chOff x="0" y="0"/>
+          <a:chExt cx="0" cy="0"/>
+        </a:xfrm>
+      </p:grpSpPr>
+      <p:sp useBgFill="1">
+        <p:nvSpPr>
+          <p:cNvPr id="33" name="Rectangle 32">
+            <a:extLst>
+              <a:ext uri="{FF2B5EF4-FFF2-40B4-BE49-F238E27FC236}">
+                <a16:creationId xmlns:a16="http://schemas.microsoft.com/office/drawing/2014/main" id="{47942995-B07F-4636-9A06-C6A104B260A8}"/>
+              </a:ext>
+              <a:ext uri="{C183D7F6-B498-43B3-948B-1728B52AA6E4}">
+                <adec:decorative xmlns:adec="http://schemas.microsoft.com/office/drawing/2017/decorative" val="1"/>
+              </a:ext>
+            </a:extLst>
+          </p:cNvPr>
+          <p:cNvSpPr>
+            <a:spLocks noGrp="1" noRot="1" noChangeAspect="1" noMove="1" noResize="1" noEditPoints="1" noAdjustHandles="1" noChangeArrowheads="1" noChangeShapeType="1" noTextEdit="1"/>
+          </p:cNvSpPr>
+          <p:nvPr>
+            <p:extLst>
+              <p:ext uri="{386F3935-93C4-4BCD-93E2-E3B085C9AB24}">
+                <p16:designElem xmlns:p16="http://schemas.microsoft.com/office/powerpoint/2015/main" val="1"/>
+              </p:ext>
+            </p:extLst>
+          </p:nvPr>
+        </p:nvSpPr>
+        <p:spPr>
+          <a:xfrm>
+            <a:off x="0" y="0"/>
+            <a:ext cx="12191999" cy="6857365"/>
+          </a:xfrm>
+          <a:prstGeom prst="rect">
+            <a:avLst/>
+          </a:prstGeom>
+          <a:ln>
+            <a:noFill/>
+          </a:ln>
+        </p:spPr>
+        <p:style>
+          <a:lnRef idx="2">
+            <a:schemeClr val="accent1">
+              <a:shade val="50000"/>
+            </a:schemeClr>
+          </a:lnRef>
+          <a:fillRef idx="1">
+            <a:schemeClr val="accent1"/>
+          </a:fillRef>
+          <a:effectRef idx="0">
+            <a:schemeClr val="accent1"/>
+          </a:effectRef>
+          <a:fontRef idx="minor">
+            <a:schemeClr val="lt1"/>
+          </a:fontRef>
+        </p:style>
+        <p:txBody>
+          <a:bodyPr rtlCol="0" anchor="ctr"/>
+          <a:lstStyle/>
+          <a:p>
+            <a:pPr algn="ctr"/>
+            <a:endParaRPr lang="en-US"/>
+          </a:p>
+        </p:txBody>
+      </p:sp>
+      <p:sp>
+        <p:nvSpPr>
+          <p:cNvPr id="2" name="Title 1">
+            <a:extLst>
+              <a:ext uri="{FF2B5EF4-FFF2-40B4-BE49-F238E27FC236}">
+                <a16:creationId xmlns:a16="http://schemas.microsoft.com/office/drawing/2014/main" id="{69F17ECA-0EFD-C53E-65AF-2D7A6D4EC4E2}"/>
+              </a:ext>
+            </a:extLst>
+          </p:cNvPr>
+          <p:cNvSpPr>
+            <a:spLocks noGrp="1"/>
+          </p:cNvSpPr>
+          <p:nvPr>
+            <p:ph type="title"/>
+          </p:nvPr>
+        </p:nvSpPr>
+        <p:spPr>
+          <a:xfrm>
+            <a:off x="1113810" y="2960716"/>
+            <a:ext cx="4036334" cy="2387600"/>
+          </a:xfrm>
+        </p:spPr>
+        <p:txBody>
+          <a:bodyPr vert="horz" lIns="91440" tIns="45720" rIns="91440" bIns="45720" rtlCol="0" anchor="t">
+            <a:normAutofit/>
+          </a:bodyPr>
+          <a:lstStyle/>
+          <a:p>
+            <a:r>
+              <a:rPr lang="en-US" sz="4600" kern="1200" dirty="0">
+                <a:solidFill>
+                  <a:schemeClr val="tx1"/>
+                </a:solidFill>
+                <a:latin typeface="+mj-lt"/>
+                <a:ea typeface="+mj-ea"/>
+                <a:cs typeface="+mj-cs"/>
+              </a:rPr>
+              <a:t>Cycle: (11, 19)</a:t>
+            </a:r>
+          </a:p>
+        </p:txBody>
+      </p:sp>
+      <p:grpSp>
+        <p:nvGrpSpPr>
+          <p:cNvPr id="35" name="Group 34">
+            <a:extLst>
+              <a:ext uri="{FF2B5EF4-FFF2-40B4-BE49-F238E27FC236}">
+                <a16:creationId xmlns:a16="http://schemas.microsoft.com/office/drawing/2014/main" id="{032D8612-31EB-44CF-A1D0-14FD4C705424}"/>
+              </a:ext>
+              <a:ext uri="{C183D7F6-B498-43B3-948B-1728B52AA6E4}">
+                <adec:decorative xmlns:adec="http://schemas.microsoft.com/office/drawing/2017/decorative" val="1"/>
+              </a:ext>
+            </a:extLst>
+          </p:cNvPr>
+          <p:cNvGrpSpPr>
+            <a:grpSpLocks noGrp="1" noUngrp="1" noRot="1" noChangeAspect="1" noMove="1" noResize="1"/>
+          </p:cNvGrpSpPr>
+          <p:nvPr>
+            <p:extLst>
+              <p:ext uri="{386F3935-93C4-4BCD-93E2-E3B085C9AB24}">
+                <p16:designElem xmlns:p16="http://schemas.microsoft.com/office/powerpoint/2015/main" val="1"/>
+              </p:ext>
+            </p:extLst>
+          </p:nvPr>
+        </p:nvGrpSpPr>
+        <p:grpSpPr>
+          <a:xfrm>
+            <a:off x="0" y="2984992"/>
+            <a:ext cx="731521" cy="673460"/>
+            <a:chOff x="3940602" y="308034"/>
+            <a:chExt cx="2116791" cy="3428999"/>
+          </a:xfrm>
+          <a:solidFill>
+            <a:schemeClr val="accent4"/>
+          </a:solidFill>
+        </p:grpSpPr>
+        <p:sp>
+          <p:nvSpPr>
+            <p:cNvPr id="36" name="Rectangle 35">
+              <a:extLst>
+                <a:ext uri="{FF2B5EF4-FFF2-40B4-BE49-F238E27FC236}">
+                  <a16:creationId xmlns:a16="http://schemas.microsoft.com/office/drawing/2014/main" id="{F19A4A0F-1B59-4DB0-9764-D10936E98770}"/>
+                </a:ext>
+                <a:ext uri="{C183D7F6-B498-43B3-948B-1728B52AA6E4}">
+                  <adec:decorative xmlns:adec="http://schemas.microsoft.com/office/drawing/2017/decorative" val="1"/>
+                </a:ext>
+              </a:extLst>
+            </p:cNvPr>
+            <p:cNvSpPr/>
+            <p:nvPr>
+              <p:extLst>
+                <p:ext uri="{386F3935-93C4-4BCD-93E2-E3B085C9AB24}">
+                  <p16:designElem xmlns:p16="http://schemas.microsoft.com/office/powerpoint/2015/main" val="1"/>
+                </p:ext>
+              </p:extLst>
+            </p:nvPr>
+          </p:nvSpPr>
+          <p:spPr>
+            <a:xfrm>
+              <a:off x="3940602" y="308034"/>
+              <a:ext cx="566743" cy="3428999"/>
+            </a:xfrm>
+            <a:prstGeom prst="rect">
+              <a:avLst/>
+            </a:prstGeom>
+            <a:grpFill/>
+            <a:ln>
+              <a:noFill/>
+            </a:ln>
+          </p:spPr>
+          <p:style>
+            <a:lnRef idx="2">
+              <a:schemeClr val="accent1">
+                <a:shade val="50000"/>
+              </a:schemeClr>
+            </a:lnRef>
+            <a:fillRef idx="1">
+              <a:schemeClr val="accent1"/>
+            </a:fillRef>
+            <a:effectRef idx="0">
+              <a:schemeClr val="accent1"/>
+            </a:effectRef>
+            <a:fontRef idx="minor">
+              <a:schemeClr val="lt1"/>
+            </a:fontRef>
+          </p:style>
+          <p:txBody>
+            <a:bodyPr rtlCol="0" anchor="ctr"/>
+            <a:lstStyle/>
+            <a:p>
+              <a:pPr algn="ctr"/>
+              <a:endParaRPr lang="en-US"/>
+            </a:p>
+          </p:txBody>
+        </p:sp>
+        <p:sp>
+          <p:nvSpPr>
+            <p:cNvPr id="37" name="Rectangle 36">
+              <a:extLst>
+                <a:ext uri="{FF2B5EF4-FFF2-40B4-BE49-F238E27FC236}">
+                  <a16:creationId xmlns:a16="http://schemas.microsoft.com/office/drawing/2014/main" id="{F399A70F-F8CD-4992-9EF5-6CF15472E73F}"/>
+                </a:ext>
+                <a:ext uri="{C183D7F6-B498-43B3-948B-1728B52AA6E4}">
+                  <adec:decorative xmlns:adec="http://schemas.microsoft.com/office/drawing/2017/decorative" val="1"/>
+                </a:ext>
+              </a:extLst>
+            </p:cNvPr>
+            <p:cNvSpPr/>
+            <p:nvPr>
+              <p:extLst>
+                <p:ext uri="{386F3935-93C4-4BCD-93E2-E3B085C9AB24}">
+                  <p16:designElem xmlns:p16="http://schemas.microsoft.com/office/powerpoint/2015/main" val="1"/>
+                </p:ext>
+              </p:extLst>
+            </p:nvPr>
+          </p:nvSpPr>
+          <p:spPr>
+            <a:xfrm>
+              <a:off x="4715626" y="308034"/>
+              <a:ext cx="566743" cy="3428999"/>
+            </a:xfrm>
+            <a:prstGeom prst="rect">
+              <a:avLst/>
+            </a:prstGeom>
+            <a:grpFill/>
+            <a:ln>
+              <a:noFill/>
+            </a:ln>
+          </p:spPr>
+          <p:style>
+            <a:lnRef idx="2">
+              <a:schemeClr val="accent1">
+                <a:shade val="50000"/>
+              </a:schemeClr>
+            </a:lnRef>
+            <a:fillRef idx="1">
+              <a:schemeClr val="accent1"/>
+            </a:fillRef>
+            <a:effectRef idx="0">
+              <a:schemeClr val="accent1"/>
+            </a:effectRef>
+            <a:fontRef idx="minor">
+              <a:schemeClr val="lt1"/>
+            </a:fontRef>
+          </p:style>
+          <p:txBody>
+            <a:bodyPr rtlCol="0" anchor="ctr"/>
+            <a:lstStyle/>
+            <a:p>
+              <a:pPr algn="ctr"/>
+              <a:endParaRPr lang="en-US"/>
+            </a:p>
+          </p:txBody>
+        </p:sp>
+        <p:sp>
+          <p:nvSpPr>
+            <p:cNvPr id="38" name="Rectangle 37">
+              <a:extLst>
+                <a:ext uri="{FF2B5EF4-FFF2-40B4-BE49-F238E27FC236}">
+                  <a16:creationId xmlns:a16="http://schemas.microsoft.com/office/drawing/2014/main" id="{48F4FEDC-6D80-458C-A665-075D9B9500FD}"/>
+                </a:ext>
+                <a:ext uri="{C183D7F6-B498-43B3-948B-1728B52AA6E4}">
+                  <adec:decorative xmlns:adec="http://schemas.microsoft.com/office/drawing/2017/decorative" val="1"/>
+                </a:ext>
+              </a:extLst>
+            </p:cNvPr>
+            <p:cNvSpPr/>
+            <p:nvPr>
+              <p:extLst>
+                <p:ext uri="{386F3935-93C4-4BCD-93E2-E3B085C9AB24}">
+                  <p16:designElem xmlns:p16="http://schemas.microsoft.com/office/powerpoint/2015/main" val="1"/>
+                </p:ext>
+              </p:extLst>
+            </p:nvPr>
+          </p:nvSpPr>
+          <p:spPr>
+            <a:xfrm>
+              <a:off x="5490650" y="308034"/>
+              <a:ext cx="566743" cy="3428999"/>
+            </a:xfrm>
+            <a:prstGeom prst="rect">
+              <a:avLst/>
+            </a:prstGeom>
+            <a:grpFill/>
+            <a:ln>
+              <a:noFill/>
+            </a:ln>
+          </p:spPr>
+          <p:style>
+            <a:lnRef idx="2">
+              <a:schemeClr val="accent1">
+                <a:shade val="50000"/>
+              </a:schemeClr>
+            </a:lnRef>
+            <a:fillRef idx="1">
+              <a:schemeClr val="accent1"/>
+            </a:fillRef>
+            <a:effectRef idx="0">
+              <a:schemeClr val="accent1"/>
+            </a:effectRef>
+            <a:fontRef idx="minor">
+              <a:schemeClr val="lt1"/>
+            </a:fontRef>
+          </p:style>
+          <p:txBody>
+            <a:bodyPr rtlCol="0" anchor="ctr"/>
+            <a:lstStyle/>
+            <a:p>
+              <a:pPr algn="ctr"/>
+              <a:endParaRPr lang="en-US"/>
+            </a:p>
+          </p:txBody>
+        </p:sp>
+      </p:grpSp>
+      <p:sp>
+        <p:nvSpPr>
+          <p:cNvPr id="40" name="Rectangle 39">
+            <a:extLst>
+              <a:ext uri="{FF2B5EF4-FFF2-40B4-BE49-F238E27FC236}">
+                <a16:creationId xmlns:a16="http://schemas.microsoft.com/office/drawing/2014/main" id="{B81933D1-5615-42C7-9C0B-4EB7105CCE2D}"/>
+              </a:ext>
+              <a:ext uri="{C183D7F6-B498-43B3-948B-1728B52AA6E4}">
+                <adec:decorative xmlns:adec="http://schemas.microsoft.com/office/drawing/2017/decorative" val="1"/>
+              </a:ext>
+            </a:extLst>
+          </p:cNvPr>
+          <p:cNvSpPr>
+            <a:spLocks noGrp="1" noRot="1" noChangeAspect="1" noMove="1" noResize="1" noEditPoints="1" noAdjustHandles="1" noChangeArrowheads="1" noChangeShapeType="1" noTextEdit="1"/>
+          </p:cNvSpPr>
+          <p:nvPr>
+            <p:extLst>
+              <p:ext uri="{386F3935-93C4-4BCD-93E2-E3B085C9AB24}">
+                <p16:designElem xmlns:p16="http://schemas.microsoft.com/office/powerpoint/2015/main" val="1"/>
+              </p:ext>
+            </p:extLst>
+          </p:nvPr>
+        </p:nvSpPr>
+        <p:spPr>
+          <a:xfrm flipH="1">
+            <a:off x="10697670" y="0"/>
+            <a:ext cx="1494330" cy="6858000"/>
+          </a:xfrm>
+          <a:prstGeom prst="rect">
+            <a:avLst/>
+          </a:prstGeom>
+          <a:solidFill>
+            <a:schemeClr val="accent4"/>
+          </a:solidFill>
+          <a:ln>
+            <a:noFill/>
+          </a:ln>
+        </p:spPr>
+        <p:style>
+          <a:lnRef idx="2">
+            <a:schemeClr val="accent1">
+              <a:shade val="50000"/>
+            </a:schemeClr>
+          </a:lnRef>
+          <a:fillRef idx="1">
+            <a:schemeClr val="accent1"/>
+          </a:fillRef>
+          <a:effectRef idx="0">
+            <a:schemeClr val="accent1"/>
+          </a:effectRef>
+          <a:fontRef idx="minor">
+            <a:schemeClr val="lt1"/>
+          </a:fontRef>
+        </p:style>
+        <p:txBody>
+          <a:bodyPr rtlCol="0" anchor="ctr"/>
+          <a:lstStyle/>
+          <a:p>
+            <a:pPr algn="ctr"/>
+            <a:endParaRPr lang="en-US"/>
+          </a:p>
+        </p:txBody>
+      </p:sp>
+      <p:sp>
+        <p:nvSpPr>
+          <p:cNvPr id="42" name="Rectangle 41">
+            <a:extLst>
+              <a:ext uri="{FF2B5EF4-FFF2-40B4-BE49-F238E27FC236}">
+                <a16:creationId xmlns:a16="http://schemas.microsoft.com/office/drawing/2014/main" id="{19C9EAEA-39D0-4B0E-A0EB-51E7B26740B1}"/>
+              </a:ext>
+              <a:ext uri="{C183D7F6-B498-43B3-948B-1728B52AA6E4}">
+                <adec:decorative xmlns:adec="http://schemas.microsoft.com/office/drawing/2017/decorative" val="1"/>
+              </a:ext>
+            </a:extLst>
+          </p:cNvPr>
+          <p:cNvSpPr>
+            <a:spLocks noGrp="1" noRot="1" noChangeAspect="1" noMove="1" noResize="1" noEditPoints="1" noAdjustHandles="1" noChangeArrowheads="1" noChangeShapeType="1" noTextEdit="1"/>
+          </p:cNvSpPr>
+          <p:nvPr>
+            <p:extLst>
+              <p:ext uri="{386F3935-93C4-4BCD-93E2-E3B085C9AB24}">
+                <p16:designElem xmlns:p16="http://schemas.microsoft.com/office/powerpoint/2015/main" val="1"/>
+              </p:ext>
+            </p:extLst>
+          </p:nvPr>
+        </p:nvSpPr>
+        <p:spPr>
+          <a:xfrm>
+            <a:off x="5685810" y="391886"/>
+            <a:ext cx="6009366" cy="6017078"/>
+          </a:xfrm>
+          <a:prstGeom prst="rect">
+            <a:avLst/>
+          </a:prstGeom>
+          <a:solidFill>
+            <a:schemeClr val="bg1"/>
+          </a:solidFill>
+          <a:ln>
+            <a:noFill/>
+          </a:ln>
+          <a:effectLst>
+            <a:outerShdw blurRad="139700" dist="127000" dir="5400000" algn="t" rotWithShape="0">
+              <a:prstClr val="black">
+                <a:alpha val="15000"/>
+              </a:prstClr>
+            </a:outerShdw>
+          </a:effectLst>
+        </p:spPr>
+        <p:style>
+          <a:lnRef idx="2">
+            <a:schemeClr val="accent1">
+              <a:shade val="50000"/>
+            </a:schemeClr>
+          </a:lnRef>
+          <a:fillRef idx="1">
+            <a:schemeClr val="accent1"/>
+          </a:fillRef>
+          <a:effectRef idx="0">
+            <a:schemeClr val="accent1"/>
+          </a:effectRef>
+          <a:fontRef idx="minor">
+            <a:schemeClr val="lt1"/>
+          </a:fontRef>
+        </p:style>
+        <p:txBody>
+          <a:bodyPr rtlCol="0" anchor="ctr"/>
+          <a:lstStyle/>
+          <a:p>
+            <a:pPr algn="ctr"/>
+            <a:endParaRPr lang="en-US"/>
+          </a:p>
+        </p:txBody>
+      </p:sp>
+      <p:pic>
+        <p:nvPicPr>
+          <p:cNvPr id="4" name="Picture 3" descr="A diagram of a network&#10;&#10;Description automatically generated">
+            <a:extLst>
+              <a:ext uri="{FF2B5EF4-FFF2-40B4-BE49-F238E27FC236}">
+                <a16:creationId xmlns:a16="http://schemas.microsoft.com/office/drawing/2014/main" id="{71025831-0B66-B378-AD74-46513DDDAFAB}"/>
+              </a:ext>
+            </a:extLst>
+          </p:cNvPr>
+          <p:cNvPicPr>
+            <a:picLocks noChangeAspect="1"/>
+          </p:cNvPicPr>
+          <p:nvPr/>
+        </p:nvPicPr>
+        <p:blipFill>
+          <a:blip r:embed="rId3">
+            <a:extLst>
+              <a:ext uri="{28A0092B-C50C-407E-A947-70E740481C1C}">
+                <a14:useLocalDpi xmlns:a14="http://schemas.microsoft.com/office/drawing/2010/main" val="0"/>
+              </a:ext>
+            </a:extLst>
+          </a:blip>
+          <a:stretch>
+            <a:fillRect/>
+          </a:stretch>
+        </p:blipFill>
+        <p:spPr>
+          <a:xfrm>
+            <a:off x="5942330" y="666728"/>
+            <a:ext cx="5496325" cy="5465791"/>
+          </a:xfrm>
+          <a:prstGeom prst="rect">
+            <a:avLst/>
+          </a:prstGeom>
+        </p:spPr>
+      </p:pic>
+    </p:spTree>
+    <p:extLst>
+      <p:ext uri="{BB962C8B-B14F-4D97-AF65-F5344CB8AC3E}">
+        <p14:creationId xmlns:p14="http://schemas.microsoft.com/office/powerpoint/2010/main" val="2312201836"/>
+      </p:ext>
+    </p:extLst>
+  </p:cSld>
+  <p:clrMapOvr>
+    <a:masterClrMapping/>
+  </p:clrMapOvr>
+</p:sld>
+</file>
+
+<file path=ppt/slides/slide12.xml><?xml version="1.0" encoding="utf-8"?>
+<p:sld xmlns:a="http://schemas.openxmlformats.org/drawingml/2006/main" xmlns:r="http://schemas.openxmlformats.org/officeDocument/2006/relationships" xmlns:p="http://schemas.openxmlformats.org/presentationml/2006/main">
+  <p:cSld>
+    <p:bg>
+      <p:bgPr>
+        <a:solidFill>
+          <a:schemeClr val="bg1"/>
+        </a:solidFill>
+        <a:effectLst/>
+      </p:bgPr>
+    </p:bg>
+    <p:spTree>
+      <p:nvGrpSpPr>
+        <p:cNvPr id="1" name=""/>
+        <p:cNvGrpSpPr/>
+        <p:nvPr/>
+      </p:nvGrpSpPr>
+      <p:grpSpPr>
+        <a:xfrm>
+          <a:off x="0" y="0"/>
+          <a:ext cx="0" cy="0"/>
+          <a:chOff x="0" y="0"/>
+          <a:chExt cx="0" cy="0"/>
+        </a:xfrm>
+      </p:grpSpPr>
+      <p:sp useBgFill="1">
+        <p:nvSpPr>
+          <p:cNvPr id="8" name="Rectangle 7">
+            <a:extLst>
+              <a:ext uri="{FF2B5EF4-FFF2-40B4-BE49-F238E27FC236}">
+                <a16:creationId xmlns:a16="http://schemas.microsoft.com/office/drawing/2014/main" id="{DBF61EA3-B236-439E-9C0B-340980D56BEE}"/>
+              </a:ext>
+              <a:ext uri="{C183D7F6-B498-43B3-948B-1728B52AA6E4}">
+                <adec:decorative xmlns:adec="http://schemas.microsoft.com/office/drawing/2017/decorative" val="1"/>
+              </a:ext>
+            </a:extLst>
+          </p:cNvPr>
+          <p:cNvSpPr>
+            <a:spLocks noGrp="1" noRot="1" noChangeAspect="1" noMove="1" noResize="1" noEditPoints="1" noAdjustHandles="1" noChangeArrowheads="1" noChangeShapeType="1" noTextEdit="1"/>
+          </p:cNvSpPr>
+          <p:nvPr>
+            <p:extLst>
+              <p:ext uri="{386F3935-93C4-4BCD-93E2-E3B085C9AB24}">
+                <p16:designElem xmlns:p16="http://schemas.microsoft.com/office/powerpoint/2015/main" val="1"/>
+              </p:ext>
+            </p:extLst>
+          </p:nvPr>
+        </p:nvSpPr>
+        <p:spPr>
+          <a:xfrm>
+            <a:off x="0" y="0"/>
+            <a:ext cx="12191999" cy="6857365"/>
+          </a:xfrm>
+          <a:prstGeom prst="rect">
+            <a:avLst/>
+          </a:prstGeom>
+          <a:ln>
+            <a:noFill/>
+          </a:ln>
+        </p:spPr>
+        <p:style>
+          <a:lnRef idx="2">
+            <a:schemeClr val="accent1">
+              <a:shade val="50000"/>
+            </a:schemeClr>
+          </a:lnRef>
+          <a:fillRef idx="1">
+            <a:schemeClr val="accent1"/>
+          </a:fillRef>
+          <a:effectRef idx="0">
+            <a:schemeClr val="accent1"/>
+          </a:effectRef>
+          <a:fontRef idx="minor">
+            <a:schemeClr val="lt1"/>
+          </a:fontRef>
+        </p:style>
+        <p:txBody>
+          <a:bodyPr rtlCol="0" anchor="ctr"/>
+          <a:lstStyle/>
+          <a:p>
+            <a:pPr algn="ctr"/>
+            <a:endParaRPr lang="en-US"/>
+          </a:p>
+        </p:txBody>
+      </p:sp>
+      <p:sp>
+        <p:nvSpPr>
+          <p:cNvPr id="2" name="Title 1">
+            <a:extLst>
+              <a:ext uri="{FF2B5EF4-FFF2-40B4-BE49-F238E27FC236}">
                 <a16:creationId xmlns:a16="http://schemas.microsoft.com/office/drawing/2014/main" id="{57A079FC-FB7D-DBB3-D604-A46BE67DA5BB}"/>
               </a:ext>
             </a:extLst>
@@ -4684,7 +6721,7 @@
           <a:p>
             <a:r>
               <a:rPr lang="en-US" sz="5400" dirty="0"/>
-              <a:t>Potential for Future Paths</a:t>
+              <a:t>Outcome</a:t>
             </a:r>
           </a:p>
         </p:txBody>
@@ -4943,13 +6980,13 @@
           <a:p>
             <a:r>
               <a:rPr lang="en-US" sz="2400" dirty="0"/>
-              <a:t>The time complexity of the algorithms presented, despite attempting to tweak for efficiency, is still high (O(n^2) for generation and O(n^4) for circumference checking). This leaves a lot of potential improvement on the table.</a:t>
+              <a:t>With these methods for generation and analysis, I generated ~1.2million systems and found exactly zero of them with the desired property.</a:t>
             </a:r>
           </a:p>
           <a:p>
             <a:r>
               <a:rPr lang="en-US" sz="2400" dirty="0"/>
-              <a:t>Additionally, despite the team trying multiple different methods (each showed promise) for generation, none were able to generate systems with the desired small circumferences. A novel approach for generation of these systems (centered around purposeful generation of small cycles) could make a big difference.</a:t>
+              <a:t>Disappointing, but unsurprising, as a system with less complexity has 14.7 quadrillion different forms. 1.2 million barely scratches the surface.</a:t>
             </a:r>
           </a:p>
         </p:txBody>
@@ -4957,7 +6994,7 @@
     </p:spTree>
     <p:extLst>
       <p:ext uri="{BB962C8B-B14F-4D97-AF65-F5344CB8AC3E}">
-        <p14:creationId xmlns:p14="http://schemas.microsoft.com/office/powerpoint/2010/main" val="810567206"/>
+        <p14:creationId xmlns:p14="http://schemas.microsoft.com/office/powerpoint/2010/main" val="2330558070"/>
       </p:ext>
     </p:extLst>
   </p:cSld>
@@ -4967,7 +7004,7 @@
 </p:sld>
 </file>
 
-<file path=ppt/slides/slide11.xml><?xml version="1.0" encoding="utf-8"?>
+<file path=ppt/slides/slide13.xml><?xml version="1.0" encoding="utf-8"?>
 <p:sld xmlns:a="http://schemas.openxmlformats.org/drawingml/2006/main" xmlns:r="http://schemas.openxmlformats.org/officeDocument/2006/relationships" xmlns:p="http://schemas.openxmlformats.org/presentationml/2006/main">
   <p:cSld>
     <p:bg>
@@ -5057,7 +7094,7 @@
           <p:cNvPr id="2" name="Title 1">
             <a:extLst>
               <a:ext uri="{FF2B5EF4-FFF2-40B4-BE49-F238E27FC236}">
-                <a16:creationId xmlns:a16="http://schemas.microsoft.com/office/drawing/2014/main" id="{02D927A7-262F-AA04-9A79-48BD88D9DC13}"/>
+                <a16:creationId xmlns:a16="http://schemas.microsoft.com/office/drawing/2014/main" id="{57A079FC-FB7D-DBB3-D604-A46BE67DA5BB}"/>
               </a:ext>
             </a:extLst>
           </p:cNvPr>
@@ -5081,8 +7118,8 @@
           <a:lstStyle/>
           <a:p>
             <a:r>
-              <a:rPr lang="en-US" sz="5400"/>
-              <a:t>Questions?</a:t>
+              <a:rPr lang="en-US" sz="5400" dirty="0"/>
+              <a:t>Potential for Future Paths</a:t>
             </a:r>
           </a:p>
         </p:txBody>
@@ -5316,7 +7353,7 @@
           <p:cNvPr id="3" name="Content Placeholder 2">
             <a:extLst>
               <a:ext uri="{FF2B5EF4-FFF2-40B4-BE49-F238E27FC236}">
-                <a16:creationId xmlns:a16="http://schemas.microsoft.com/office/drawing/2014/main" id="{83E32682-1117-AF65-2815-F040D0288057}"/>
+                <a16:creationId xmlns:a16="http://schemas.microsoft.com/office/drawing/2014/main" id="{BBB0DC33-973E-A858-2D7A-26A5CDB60EC5}"/>
               </a:ext>
             </a:extLst>
           </p:cNvPr>
@@ -5339,14 +7376,23 @@
           </a:bodyPr>
           <a:lstStyle/>
           <a:p>
-            <a:endParaRPr lang="en-US" sz="2400"/>
+            <a:r>
+              <a:rPr lang="en-US" sz="2400" dirty="0"/>
+              <a:t>The time complexity of the algorithms presented, despite attempting to tweak for efficiency, is still high (O(n^2) for generation and O(n^4) for circumference checking). This leaves a lot of potential improvement on the table.</a:t>
+            </a:r>
+          </a:p>
+          <a:p>
+            <a:r>
+              <a:rPr lang="en-US" sz="2400" dirty="0"/>
+              <a:t>Additionally, despite the team trying multiple different methods (each showed promise) for generation, none were able to generate systems with the desired small circumferences. A novel approach for generation of these systems (centered around purposeful generation of small cycles) could make a big difference.</a:t>
+            </a:r>
           </a:p>
         </p:txBody>
       </p:sp>
     </p:spTree>
     <p:extLst>
       <p:ext uri="{BB962C8B-B14F-4D97-AF65-F5344CB8AC3E}">
-        <p14:creationId xmlns:p14="http://schemas.microsoft.com/office/powerpoint/2010/main" val="2102146993"/>
+        <p14:creationId xmlns:p14="http://schemas.microsoft.com/office/powerpoint/2010/main" val="810567206"/>
       </p:ext>
     </p:extLst>
   </p:cSld>
@@ -5356,7 +7402,7 @@
 </p:sld>
 </file>
 
-<file path=ppt/slides/slide2.xml><?xml version="1.0" encoding="utf-8"?>
+<file path=ppt/slides/slide14.xml><?xml version="1.0" encoding="utf-8"?>
 <p:sld xmlns:a="http://schemas.openxmlformats.org/drawingml/2006/main" xmlns:r="http://schemas.openxmlformats.org/officeDocument/2006/relationships" xmlns:p="http://schemas.openxmlformats.org/presentationml/2006/main">
   <p:cSld>
     <p:bg>
@@ -5383,10 +7429,10 @@
       </p:grpSpPr>
       <p:sp useBgFill="1">
         <p:nvSpPr>
-          <p:cNvPr id="12" name="Rectangle 11">
-            <a:extLst>
-              <a:ext uri="{FF2B5EF4-FFF2-40B4-BE49-F238E27FC236}">
-                <a16:creationId xmlns:a16="http://schemas.microsoft.com/office/drawing/2014/main" id="{058A14AF-9FB5-4CC7-BA35-E8E85D3EDF0E}"/>
+          <p:cNvPr id="8" name="Rectangle 7">
+            <a:extLst>
+              <a:ext uri="{FF2B5EF4-FFF2-40B4-BE49-F238E27FC236}">
+                <a16:creationId xmlns:a16="http://schemas.microsoft.com/office/drawing/2014/main" id="{DBF61EA3-B236-439E-9C0B-340980D56BEE}"/>
               </a:ext>
               <a:ext uri="{C183D7F6-B498-43B3-948B-1728B52AA6E4}">
                 <adec:decorative xmlns:adec="http://schemas.microsoft.com/office/drawing/2017/decorative" val="1"/>
@@ -5446,401 +7492,7 @@
           <p:cNvPr id="2" name="Title 1">
             <a:extLst>
               <a:ext uri="{FF2B5EF4-FFF2-40B4-BE49-F238E27FC236}">
-                <a16:creationId xmlns:a16="http://schemas.microsoft.com/office/drawing/2014/main" id="{D2DB52BB-3FC7-52A2-C56B-FE321B7F556C}"/>
-              </a:ext>
-            </a:extLst>
-          </p:cNvPr>
-          <p:cNvSpPr>
-            <a:spLocks noGrp="1"/>
-          </p:cNvSpPr>
-          <p:nvPr>
-            <p:ph type="title"/>
-          </p:nvPr>
-        </p:nvSpPr>
-        <p:spPr>
-          <a:xfrm>
-            <a:off x="793662" y="386930"/>
-            <a:ext cx="10066122" cy="1298448"/>
-          </a:xfrm>
-        </p:spPr>
-        <p:txBody>
-          <a:bodyPr anchor="b">
-            <a:normAutofit/>
-          </a:bodyPr>
-          <a:lstStyle/>
-          <a:p>
-            <a:r>
-              <a:rPr lang="en-US" sz="4800"/>
-              <a:t>Overview</a:t>
-            </a:r>
-          </a:p>
-        </p:txBody>
-      </p:sp>
-      <p:sp>
-        <p:nvSpPr>
-          <p:cNvPr id="14" name="Rectangle 13">
-            <a:extLst>
-              <a:ext uri="{FF2B5EF4-FFF2-40B4-BE49-F238E27FC236}">
-                <a16:creationId xmlns:a16="http://schemas.microsoft.com/office/drawing/2014/main" id="{3A9A4357-BD1D-4622-A4FE-766E6AB8DE84}"/>
-              </a:ext>
-              <a:ext uri="{C183D7F6-B498-43B3-948B-1728B52AA6E4}">
-                <adec:decorative xmlns:adec="http://schemas.microsoft.com/office/drawing/2017/decorative" val="1"/>
-              </a:ext>
-            </a:extLst>
-          </p:cNvPr>
-          <p:cNvSpPr>
-            <a:spLocks noGrp="1" noRot="1" noChangeAspect="1" noMove="1" noResize="1" noEditPoints="1" noAdjustHandles="1" noChangeArrowheads="1" noChangeShapeType="1" noTextEdit="1"/>
-          </p:cNvSpPr>
-          <p:nvPr>
-            <p:extLst>
-              <p:ext uri="{386F3935-93C4-4BCD-93E2-E3B085C9AB24}">
-                <p16:designElem xmlns:p16="http://schemas.microsoft.com/office/powerpoint/2015/main" val="1"/>
-              </p:ext>
-            </p:extLst>
-          </p:nvPr>
-        </p:nvSpPr>
-        <p:spPr>
-          <a:xfrm flipH="1" flipV="1">
-            <a:off x="-2" y="1998845"/>
-            <a:ext cx="11454595" cy="781699"/>
-          </a:xfrm>
-          <a:prstGeom prst="rect">
-            <a:avLst/>
-          </a:prstGeom>
-          <a:solidFill>
-            <a:schemeClr val="accent4"/>
-          </a:solidFill>
-          <a:ln>
-            <a:noFill/>
-          </a:ln>
-        </p:spPr>
-        <p:style>
-          <a:lnRef idx="2">
-            <a:schemeClr val="accent1">
-              <a:shade val="50000"/>
-            </a:schemeClr>
-          </a:lnRef>
-          <a:fillRef idx="1">
-            <a:schemeClr val="accent1"/>
-          </a:fillRef>
-          <a:effectRef idx="0">
-            <a:schemeClr val="accent1"/>
-          </a:effectRef>
-          <a:fontRef idx="minor">
-            <a:schemeClr val="lt1"/>
-          </a:fontRef>
-        </p:style>
-        <p:txBody>
-          <a:bodyPr rtlCol="0" anchor="ctr"/>
-          <a:lstStyle/>
-          <a:p>
-            <a:pPr algn="ctr"/>
-            <a:endParaRPr lang="en-US"/>
-          </a:p>
-        </p:txBody>
-      </p:sp>
-      <p:sp>
-        <p:nvSpPr>
-          <p:cNvPr id="16" name="Rectangle 15">
-            <a:extLst>
-              <a:ext uri="{FF2B5EF4-FFF2-40B4-BE49-F238E27FC236}">
-                <a16:creationId xmlns:a16="http://schemas.microsoft.com/office/drawing/2014/main" id="{E659831F-0D9A-4C63-9EBB-8435B85A440F}"/>
-              </a:ext>
-              <a:ext uri="{C183D7F6-B498-43B3-948B-1728B52AA6E4}">
-                <adec:decorative xmlns:adec="http://schemas.microsoft.com/office/drawing/2017/decorative" val="1"/>
-              </a:ext>
-            </a:extLst>
-          </p:cNvPr>
-          <p:cNvSpPr>
-            <a:spLocks noGrp="1" noRot="1" noChangeAspect="1" noMove="1" noResize="1" noEditPoints="1" noAdjustHandles="1" noChangeArrowheads="1" noChangeShapeType="1" noTextEdit="1"/>
-          </p:cNvSpPr>
-          <p:nvPr>
-            <p:extLst>
-              <p:ext uri="{386F3935-93C4-4BCD-93E2-E3B085C9AB24}">
-                <p16:designElem xmlns:p16="http://schemas.microsoft.com/office/powerpoint/2015/main" val="1"/>
-              </p:ext>
-            </p:extLst>
-          </p:nvPr>
-        </p:nvSpPr>
-        <p:spPr>
-          <a:xfrm>
-            <a:off x="0" y="2203079"/>
-            <a:ext cx="11383362" cy="4267991"/>
-          </a:xfrm>
-          <a:prstGeom prst="rect">
-            <a:avLst/>
-          </a:prstGeom>
-          <a:solidFill>
-            <a:schemeClr val="bg1"/>
-          </a:solidFill>
-          <a:ln>
-            <a:noFill/>
-          </a:ln>
-          <a:effectLst>
-            <a:outerShdw blurRad="139700" dist="127000" dir="5400000" algn="t" rotWithShape="0">
-              <a:prstClr val="black">
-                <a:alpha val="15000"/>
-              </a:prstClr>
-            </a:outerShdw>
-          </a:effectLst>
-        </p:spPr>
-        <p:style>
-          <a:lnRef idx="2">
-            <a:schemeClr val="accent1">
-              <a:shade val="50000"/>
-            </a:schemeClr>
-          </a:lnRef>
-          <a:fillRef idx="1">
-            <a:schemeClr val="accent1"/>
-          </a:fillRef>
-          <a:effectRef idx="0">
-            <a:schemeClr val="accent1"/>
-          </a:effectRef>
-          <a:fontRef idx="minor">
-            <a:schemeClr val="lt1"/>
-          </a:fontRef>
-        </p:style>
-        <p:txBody>
-          <a:bodyPr rtlCol="0" anchor="ctr"/>
-          <a:lstStyle/>
-          <a:p>
-            <a:pPr algn="ctr"/>
-            <a:endParaRPr lang="en-US"/>
-          </a:p>
-        </p:txBody>
-      </p:sp>
-      <p:sp>
-        <p:nvSpPr>
-          <p:cNvPr id="3" name="Content Placeholder 2">
-            <a:extLst>
-              <a:ext uri="{FF2B5EF4-FFF2-40B4-BE49-F238E27FC236}">
-                <a16:creationId xmlns:a16="http://schemas.microsoft.com/office/drawing/2014/main" id="{E051CC6F-AA53-0989-93FD-4F1E985A189C}"/>
-              </a:ext>
-            </a:extLst>
-          </p:cNvPr>
-          <p:cNvSpPr>
-            <a:spLocks noGrp="1"/>
-          </p:cNvSpPr>
-          <p:nvPr>
-            <p:ph idx="1"/>
-          </p:nvPr>
-        </p:nvSpPr>
-        <p:spPr>
-          <a:xfrm>
-            <a:off x="793661" y="2599509"/>
-            <a:ext cx="4530898" cy="3639450"/>
-          </a:xfrm>
-        </p:spPr>
-        <p:txBody>
-          <a:bodyPr anchor="ctr">
-            <a:normAutofit/>
-          </a:bodyPr>
-          <a:lstStyle/>
-          <a:p>
-            <a:r>
-              <a:rPr lang="en-US" sz="2000"/>
-              <a:t>A Steiner Triple System (aka STS) is an ordered pair (S, T) where S is a finite set of points and T is a set of 3-element subsets of S called triples, such that each pair of distinct elements of S occurs together in exactly one triple of S.</a:t>
-            </a:r>
-          </a:p>
-        </p:txBody>
-      </p:sp>
-      <p:pic>
-        <p:nvPicPr>
-          <p:cNvPr id="7" name="Picture 6">
-            <a:extLst>
-              <a:ext uri="{FF2B5EF4-FFF2-40B4-BE49-F238E27FC236}">
-                <a16:creationId xmlns:a16="http://schemas.microsoft.com/office/drawing/2014/main" id="{6248E256-800C-C93E-6728-A284C5144CAD}"/>
-              </a:ext>
-            </a:extLst>
-          </p:cNvPr>
-          <p:cNvPicPr>
-            <a:picLocks noChangeAspect="1"/>
-          </p:cNvPicPr>
-          <p:nvPr/>
-        </p:nvPicPr>
-        <p:blipFill>
-          <a:blip r:embed="rId2"/>
-          <a:stretch>
-            <a:fillRect/>
-          </a:stretch>
-        </p:blipFill>
-        <p:spPr>
-          <a:xfrm>
-            <a:off x="5911532" y="3156813"/>
-            <a:ext cx="5150277" cy="2369127"/>
-          </a:xfrm>
-          <a:prstGeom prst="rect">
-            <a:avLst/>
-          </a:prstGeom>
-        </p:spPr>
-      </p:pic>
-      <p:sp>
-        <p:nvSpPr>
-          <p:cNvPr id="18" name="Rectangle 17">
-            <a:extLst>
-              <a:ext uri="{FF2B5EF4-FFF2-40B4-BE49-F238E27FC236}">
-                <a16:creationId xmlns:a16="http://schemas.microsoft.com/office/drawing/2014/main" id="{E6995CE5-F890-4ABA-82A2-26507CE8D2A3}"/>
-              </a:ext>
-              <a:ext uri="{C183D7F6-B498-43B3-948B-1728B52AA6E4}">
-                <adec:decorative xmlns:adec="http://schemas.microsoft.com/office/drawing/2017/decorative" val="1"/>
-              </a:ext>
-            </a:extLst>
-          </p:cNvPr>
-          <p:cNvSpPr>
-            <a:spLocks noGrp="1" noRot="1" noChangeAspect="1" noMove="1" noResize="1" noEditPoints="1" noAdjustHandles="1" noChangeArrowheads="1" noChangeShapeType="1" noTextEdit="1"/>
-          </p:cNvSpPr>
-          <p:nvPr>
-            <p:extLst>
-              <p:ext uri="{386F3935-93C4-4BCD-93E2-E3B085C9AB24}">
-                <p16:designElem xmlns:p16="http://schemas.microsoft.com/office/powerpoint/2015/main" val="1"/>
-              </p:ext>
-            </p:extLst>
-          </p:nvPr>
-        </p:nvSpPr>
-        <p:spPr>
-          <a:xfrm rot="5400000">
-            <a:off x="11228040" y="2313027"/>
-            <a:ext cx="781700" cy="152382"/>
-          </a:xfrm>
-          <a:prstGeom prst="rect">
-            <a:avLst/>
-          </a:prstGeom>
-          <a:solidFill>
-            <a:schemeClr val="accent4"/>
-          </a:solidFill>
-          <a:ln>
-            <a:noFill/>
-          </a:ln>
-        </p:spPr>
-        <p:style>
-          <a:lnRef idx="2">
-            <a:schemeClr val="accent1">
-              <a:shade val="50000"/>
-            </a:schemeClr>
-          </a:lnRef>
-          <a:fillRef idx="1">
-            <a:schemeClr val="accent1"/>
-          </a:fillRef>
-          <a:effectRef idx="0">
-            <a:schemeClr val="accent1"/>
-          </a:effectRef>
-          <a:fontRef idx="minor">
-            <a:schemeClr val="lt1"/>
-          </a:fontRef>
-        </p:style>
-        <p:txBody>
-          <a:bodyPr rtlCol="0" anchor="ctr"/>
-          <a:lstStyle/>
-          <a:p>
-            <a:pPr algn="ctr"/>
-            <a:endParaRPr lang="en-US"/>
-          </a:p>
-        </p:txBody>
-      </p:sp>
-    </p:spTree>
-    <p:extLst>
-      <p:ext uri="{BB962C8B-B14F-4D97-AF65-F5344CB8AC3E}">
-        <p14:creationId xmlns:p14="http://schemas.microsoft.com/office/powerpoint/2010/main" val="994394085"/>
-      </p:ext>
-    </p:extLst>
-  </p:cSld>
-  <p:clrMapOvr>
-    <a:masterClrMapping/>
-  </p:clrMapOvr>
-</p:sld>
-</file>
-
-<file path=ppt/slides/slide3.xml><?xml version="1.0" encoding="utf-8"?>
-<p:sld xmlns:a="http://schemas.openxmlformats.org/drawingml/2006/main" xmlns:r="http://schemas.openxmlformats.org/officeDocument/2006/relationships" xmlns:p="http://schemas.openxmlformats.org/presentationml/2006/main">
-  <p:cSld>
-    <p:bg>
-      <p:bgPr>
-        <a:solidFill>
-          <a:schemeClr val="bg1"/>
-        </a:solidFill>
-        <a:effectLst/>
-      </p:bgPr>
-    </p:bg>
-    <p:spTree>
-      <p:nvGrpSpPr>
-        <p:cNvPr id="1" name=""/>
-        <p:cNvGrpSpPr/>
-        <p:nvPr/>
-      </p:nvGrpSpPr>
-      <p:grpSpPr>
-        <a:xfrm>
-          <a:off x="0" y="0"/>
-          <a:ext cx="0" cy="0"/>
-          <a:chOff x="0" y="0"/>
-          <a:chExt cx="0" cy="0"/>
-        </a:xfrm>
-      </p:grpSpPr>
-      <p:sp useBgFill="1">
-        <p:nvSpPr>
-          <p:cNvPr id="8" name="Rectangle 7">
-            <a:extLst>
-              <a:ext uri="{FF2B5EF4-FFF2-40B4-BE49-F238E27FC236}">
-                <a16:creationId xmlns:a16="http://schemas.microsoft.com/office/drawing/2014/main" id="{DBF61EA3-B236-439E-9C0B-340980D56BEE}"/>
-              </a:ext>
-              <a:ext uri="{C183D7F6-B498-43B3-948B-1728B52AA6E4}">
-                <adec:decorative xmlns:adec="http://schemas.microsoft.com/office/drawing/2017/decorative" val="1"/>
-              </a:ext>
-            </a:extLst>
-          </p:cNvPr>
-          <p:cNvSpPr>
-            <a:spLocks noGrp="1" noRot="1" noChangeAspect="1" noMove="1" noResize="1" noEditPoints="1" noAdjustHandles="1" noChangeArrowheads="1" noChangeShapeType="1" noTextEdit="1"/>
-          </p:cNvSpPr>
-          <p:nvPr>
-            <p:extLst>
-              <p:ext uri="{386F3935-93C4-4BCD-93E2-E3B085C9AB24}">
-                <p16:designElem xmlns:p16="http://schemas.microsoft.com/office/powerpoint/2015/main" val="1"/>
-              </p:ext>
-            </p:extLst>
-          </p:nvPr>
-        </p:nvSpPr>
-        <p:spPr>
-          <a:xfrm>
-            <a:off x="0" y="0"/>
-            <a:ext cx="12191999" cy="6857365"/>
-          </a:xfrm>
-          <a:prstGeom prst="rect">
-            <a:avLst/>
-          </a:prstGeom>
-          <a:ln>
-            <a:noFill/>
-          </a:ln>
-        </p:spPr>
-        <p:style>
-          <a:lnRef idx="2">
-            <a:schemeClr val="accent1">
-              <a:shade val="50000"/>
-            </a:schemeClr>
-          </a:lnRef>
-          <a:fillRef idx="1">
-            <a:schemeClr val="accent1"/>
-          </a:fillRef>
-          <a:effectRef idx="0">
-            <a:schemeClr val="accent1"/>
-          </a:effectRef>
-          <a:fontRef idx="minor">
-            <a:schemeClr val="lt1"/>
-          </a:fontRef>
-        </p:style>
-        <p:txBody>
-          <a:bodyPr rtlCol="0" anchor="ctr"/>
-          <a:lstStyle/>
-          <a:p>
-            <a:pPr algn="ctr"/>
-            <a:endParaRPr lang="en-US"/>
-          </a:p>
-        </p:txBody>
-      </p:sp>
-      <p:sp>
-        <p:nvSpPr>
-          <p:cNvPr id="2" name="Title 1">
-            <a:extLst>
-              <a:ext uri="{FF2B5EF4-FFF2-40B4-BE49-F238E27FC236}">
-                <a16:creationId xmlns:a16="http://schemas.microsoft.com/office/drawing/2014/main" id="{8B269016-BB02-26DE-0F09-CB447AC5CC23}"/>
+                <a16:creationId xmlns:a16="http://schemas.microsoft.com/office/drawing/2014/main" id="{02D927A7-262F-AA04-9A79-48BD88D9DC13}"/>
               </a:ext>
             </a:extLst>
           </p:cNvPr>
@@ -5865,7 +7517,7 @@
           <a:p>
             <a:r>
               <a:rPr lang="en-US" sz="5400"/>
-              <a:t>Overview</a:t>
+              <a:t>Questions?</a:t>
             </a:r>
           </a:p>
         </p:txBody>
@@ -6094,71 +7746,10 @@
           </a:p>
         </p:txBody>
       </p:sp>
-      <p:sp>
-        <p:nvSpPr>
-          <p:cNvPr id="3" name="Content Placeholder 2">
-            <a:extLst>
-              <a:ext uri="{FF2B5EF4-FFF2-40B4-BE49-F238E27FC236}">
-                <a16:creationId xmlns:a16="http://schemas.microsoft.com/office/drawing/2014/main" id="{A851E211-25F7-D03C-905E-9F21B269F1D5}"/>
-              </a:ext>
-            </a:extLst>
-          </p:cNvPr>
-          <p:cNvSpPr>
-            <a:spLocks noGrp="1"/>
-          </p:cNvSpPr>
-          <p:nvPr>
-            <p:ph idx="1"/>
-          </p:nvPr>
-        </p:nvSpPr>
-        <p:spPr>
-          <a:xfrm>
-            <a:off x="793660" y="2599509"/>
-            <a:ext cx="10143668" cy="3435531"/>
-          </a:xfrm>
-        </p:spPr>
-        <p:txBody>
-          <a:bodyPr anchor="ctr">
-            <a:normAutofit/>
-          </a:bodyPr>
-          <a:lstStyle/>
-          <a:p>
-            <a:r>
-              <a:rPr lang="en-US" sz="2400" dirty="0"/>
-              <a:t>The </a:t>
-            </a:r>
-            <a:r>
-              <a:rPr lang="en-US" sz="2400" i="1" dirty="0"/>
-              <a:t>order</a:t>
-            </a:r>
-            <a:r>
-              <a:rPr lang="en-US" sz="2400" dirty="0"/>
-              <a:t> of an STS, (S, T), is the size of the set S (denoted |S|).</a:t>
-            </a:r>
-          </a:p>
-          <a:p>
-            <a:r>
-              <a:rPr lang="en-US" sz="2400" dirty="0"/>
-              <a:t>A Steiner System can be more generally thought of as S(t, k, n) an n-element set S together with a set of k-element subsets of S (called blocks) with the property that each t-element subset of S is contained in exactly one block.</a:t>
-            </a:r>
-          </a:p>
-          <a:p>
-            <a:r>
-              <a:rPr lang="en-US" sz="2400" dirty="0"/>
-              <a:t>So, the version of a Steiner System we examine is a S(2, 3, n) for order n, shortened to STS(n). </a:t>
-            </a:r>
-          </a:p>
-          <a:p>
-            <a:r>
-              <a:rPr lang="en-US" sz="2400" dirty="0"/>
-              <a:t>More specifically, we focused on the STS(25).</a:t>
-            </a:r>
-          </a:p>
-        </p:txBody>
-      </p:sp>
     </p:spTree>
     <p:extLst>
       <p:ext uri="{BB962C8B-B14F-4D97-AF65-F5344CB8AC3E}">
-        <p14:creationId xmlns:p14="http://schemas.microsoft.com/office/powerpoint/2010/main" val="2530317252"/>
+        <p14:creationId xmlns:p14="http://schemas.microsoft.com/office/powerpoint/2010/main" val="2102146993"/>
       </p:ext>
     </p:extLst>
   </p:cSld>
@@ -6168,7 +7759,7 @@
 </p:sld>
 </file>
 
-<file path=ppt/slides/slide4.xml><?xml version="1.0" encoding="utf-8"?>
+<file path=ppt/slides/slide2.xml><?xml version="1.0" encoding="utf-8"?>
 <p:sld xmlns:a="http://schemas.openxmlformats.org/drawingml/2006/main" xmlns:r="http://schemas.openxmlformats.org/officeDocument/2006/relationships" xmlns:p="http://schemas.openxmlformats.org/presentationml/2006/main">
   <p:cSld>
     <p:bg>
@@ -6195,10 +7786,10 @@
       </p:grpSpPr>
       <p:sp useBgFill="1">
         <p:nvSpPr>
-          <p:cNvPr id="8" name="Rectangle 7">
-            <a:extLst>
-              <a:ext uri="{FF2B5EF4-FFF2-40B4-BE49-F238E27FC236}">
-                <a16:creationId xmlns:a16="http://schemas.microsoft.com/office/drawing/2014/main" id="{DBF61EA3-B236-439E-9C0B-340980D56BEE}"/>
+          <p:cNvPr id="12" name="Rectangle 11">
+            <a:extLst>
+              <a:ext uri="{FF2B5EF4-FFF2-40B4-BE49-F238E27FC236}">
+                <a16:creationId xmlns:a16="http://schemas.microsoft.com/office/drawing/2014/main" id="{058A14AF-9FB5-4CC7-BA35-E8E85D3EDF0E}"/>
               </a:ext>
               <a:ext uri="{C183D7F6-B498-43B3-948B-1728B52AA6E4}">
                 <adec:decorative xmlns:adec="http://schemas.microsoft.com/office/drawing/2017/decorative" val="1"/>
@@ -6258,7 +7849,401 @@
           <p:cNvPr id="2" name="Title 1">
             <a:extLst>
               <a:ext uri="{FF2B5EF4-FFF2-40B4-BE49-F238E27FC236}">
-                <a16:creationId xmlns:a16="http://schemas.microsoft.com/office/drawing/2014/main" id="{69F17ECA-0EFD-C53E-65AF-2D7A6D4EC4E2}"/>
+                <a16:creationId xmlns:a16="http://schemas.microsoft.com/office/drawing/2014/main" id="{D2DB52BB-3FC7-52A2-C56B-FE321B7F556C}"/>
+              </a:ext>
+            </a:extLst>
+          </p:cNvPr>
+          <p:cNvSpPr>
+            <a:spLocks noGrp="1"/>
+          </p:cNvSpPr>
+          <p:nvPr>
+            <p:ph type="title"/>
+          </p:nvPr>
+        </p:nvSpPr>
+        <p:spPr>
+          <a:xfrm>
+            <a:off x="793662" y="386930"/>
+            <a:ext cx="10066122" cy="1298448"/>
+          </a:xfrm>
+        </p:spPr>
+        <p:txBody>
+          <a:bodyPr anchor="b">
+            <a:normAutofit/>
+          </a:bodyPr>
+          <a:lstStyle/>
+          <a:p>
+            <a:r>
+              <a:rPr lang="en-US" sz="4800"/>
+              <a:t>Overview</a:t>
+            </a:r>
+          </a:p>
+        </p:txBody>
+      </p:sp>
+      <p:sp>
+        <p:nvSpPr>
+          <p:cNvPr id="14" name="Rectangle 13">
+            <a:extLst>
+              <a:ext uri="{FF2B5EF4-FFF2-40B4-BE49-F238E27FC236}">
+                <a16:creationId xmlns:a16="http://schemas.microsoft.com/office/drawing/2014/main" id="{3A9A4357-BD1D-4622-A4FE-766E6AB8DE84}"/>
+              </a:ext>
+              <a:ext uri="{C183D7F6-B498-43B3-948B-1728B52AA6E4}">
+                <adec:decorative xmlns:adec="http://schemas.microsoft.com/office/drawing/2017/decorative" val="1"/>
+              </a:ext>
+            </a:extLst>
+          </p:cNvPr>
+          <p:cNvSpPr>
+            <a:spLocks noGrp="1" noRot="1" noChangeAspect="1" noMove="1" noResize="1" noEditPoints="1" noAdjustHandles="1" noChangeArrowheads="1" noChangeShapeType="1" noTextEdit="1"/>
+          </p:cNvSpPr>
+          <p:nvPr>
+            <p:extLst>
+              <p:ext uri="{386F3935-93C4-4BCD-93E2-E3B085C9AB24}">
+                <p16:designElem xmlns:p16="http://schemas.microsoft.com/office/powerpoint/2015/main" val="1"/>
+              </p:ext>
+            </p:extLst>
+          </p:nvPr>
+        </p:nvSpPr>
+        <p:spPr>
+          <a:xfrm flipH="1" flipV="1">
+            <a:off x="-2" y="1998845"/>
+            <a:ext cx="11454595" cy="781699"/>
+          </a:xfrm>
+          <a:prstGeom prst="rect">
+            <a:avLst/>
+          </a:prstGeom>
+          <a:solidFill>
+            <a:schemeClr val="accent4"/>
+          </a:solidFill>
+          <a:ln>
+            <a:noFill/>
+          </a:ln>
+        </p:spPr>
+        <p:style>
+          <a:lnRef idx="2">
+            <a:schemeClr val="accent1">
+              <a:shade val="50000"/>
+            </a:schemeClr>
+          </a:lnRef>
+          <a:fillRef idx="1">
+            <a:schemeClr val="accent1"/>
+          </a:fillRef>
+          <a:effectRef idx="0">
+            <a:schemeClr val="accent1"/>
+          </a:effectRef>
+          <a:fontRef idx="minor">
+            <a:schemeClr val="lt1"/>
+          </a:fontRef>
+        </p:style>
+        <p:txBody>
+          <a:bodyPr rtlCol="0" anchor="ctr"/>
+          <a:lstStyle/>
+          <a:p>
+            <a:pPr algn="ctr"/>
+            <a:endParaRPr lang="en-US"/>
+          </a:p>
+        </p:txBody>
+      </p:sp>
+      <p:sp>
+        <p:nvSpPr>
+          <p:cNvPr id="16" name="Rectangle 15">
+            <a:extLst>
+              <a:ext uri="{FF2B5EF4-FFF2-40B4-BE49-F238E27FC236}">
+                <a16:creationId xmlns:a16="http://schemas.microsoft.com/office/drawing/2014/main" id="{E659831F-0D9A-4C63-9EBB-8435B85A440F}"/>
+              </a:ext>
+              <a:ext uri="{C183D7F6-B498-43B3-948B-1728B52AA6E4}">
+                <adec:decorative xmlns:adec="http://schemas.microsoft.com/office/drawing/2017/decorative" val="1"/>
+              </a:ext>
+            </a:extLst>
+          </p:cNvPr>
+          <p:cNvSpPr>
+            <a:spLocks noGrp="1" noRot="1" noChangeAspect="1" noMove="1" noResize="1" noEditPoints="1" noAdjustHandles="1" noChangeArrowheads="1" noChangeShapeType="1" noTextEdit="1"/>
+          </p:cNvSpPr>
+          <p:nvPr>
+            <p:extLst>
+              <p:ext uri="{386F3935-93C4-4BCD-93E2-E3B085C9AB24}">
+                <p16:designElem xmlns:p16="http://schemas.microsoft.com/office/powerpoint/2015/main" val="1"/>
+              </p:ext>
+            </p:extLst>
+          </p:nvPr>
+        </p:nvSpPr>
+        <p:spPr>
+          <a:xfrm>
+            <a:off x="0" y="2203079"/>
+            <a:ext cx="11383362" cy="4267991"/>
+          </a:xfrm>
+          <a:prstGeom prst="rect">
+            <a:avLst/>
+          </a:prstGeom>
+          <a:solidFill>
+            <a:schemeClr val="bg1"/>
+          </a:solidFill>
+          <a:ln>
+            <a:noFill/>
+          </a:ln>
+          <a:effectLst>
+            <a:outerShdw blurRad="139700" dist="127000" dir="5400000" algn="t" rotWithShape="0">
+              <a:prstClr val="black">
+                <a:alpha val="15000"/>
+              </a:prstClr>
+            </a:outerShdw>
+          </a:effectLst>
+        </p:spPr>
+        <p:style>
+          <a:lnRef idx="2">
+            <a:schemeClr val="accent1">
+              <a:shade val="50000"/>
+            </a:schemeClr>
+          </a:lnRef>
+          <a:fillRef idx="1">
+            <a:schemeClr val="accent1"/>
+          </a:fillRef>
+          <a:effectRef idx="0">
+            <a:schemeClr val="accent1"/>
+          </a:effectRef>
+          <a:fontRef idx="minor">
+            <a:schemeClr val="lt1"/>
+          </a:fontRef>
+        </p:style>
+        <p:txBody>
+          <a:bodyPr rtlCol="0" anchor="ctr"/>
+          <a:lstStyle/>
+          <a:p>
+            <a:pPr algn="ctr"/>
+            <a:endParaRPr lang="en-US"/>
+          </a:p>
+        </p:txBody>
+      </p:sp>
+      <p:sp>
+        <p:nvSpPr>
+          <p:cNvPr id="3" name="Content Placeholder 2">
+            <a:extLst>
+              <a:ext uri="{FF2B5EF4-FFF2-40B4-BE49-F238E27FC236}">
+                <a16:creationId xmlns:a16="http://schemas.microsoft.com/office/drawing/2014/main" id="{E051CC6F-AA53-0989-93FD-4F1E985A189C}"/>
+              </a:ext>
+            </a:extLst>
+          </p:cNvPr>
+          <p:cNvSpPr>
+            <a:spLocks noGrp="1"/>
+          </p:cNvSpPr>
+          <p:nvPr>
+            <p:ph idx="1"/>
+          </p:nvPr>
+        </p:nvSpPr>
+        <p:spPr>
+          <a:xfrm>
+            <a:off x="793661" y="2599509"/>
+            <a:ext cx="4530898" cy="3639450"/>
+          </a:xfrm>
+        </p:spPr>
+        <p:txBody>
+          <a:bodyPr anchor="ctr">
+            <a:normAutofit/>
+          </a:bodyPr>
+          <a:lstStyle/>
+          <a:p>
+            <a:r>
+              <a:rPr lang="en-US" sz="2000"/>
+              <a:t>A Steiner Triple System (aka STS) is an ordered pair (S, T) where S is a finite set of points and T is a set of 3-element subsets of S called triples, such that each pair of distinct elements of S occurs together in exactly one triple of S.</a:t>
+            </a:r>
+          </a:p>
+        </p:txBody>
+      </p:sp>
+      <p:pic>
+        <p:nvPicPr>
+          <p:cNvPr id="7" name="Picture 6">
+            <a:extLst>
+              <a:ext uri="{FF2B5EF4-FFF2-40B4-BE49-F238E27FC236}">
+                <a16:creationId xmlns:a16="http://schemas.microsoft.com/office/drawing/2014/main" id="{6248E256-800C-C93E-6728-A284C5144CAD}"/>
+              </a:ext>
+            </a:extLst>
+          </p:cNvPr>
+          <p:cNvPicPr>
+            <a:picLocks noChangeAspect="1"/>
+          </p:cNvPicPr>
+          <p:nvPr/>
+        </p:nvPicPr>
+        <p:blipFill>
+          <a:blip r:embed="rId2"/>
+          <a:stretch>
+            <a:fillRect/>
+          </a:stretch>
+        </p:blipFill>
+        <p:spPr>
+          <a:xfrm>
+            <a:off x="5911532" y="3156813"/>
+            <a:ext cx="5150277" cy="2369127"/>
+          </a:xfrm>
+          <a:prstGeom prst="rect">
+            <a:avLst/>
+          </a:prstGeom>
+        </p:spPr>
+      </p:pic>
+      <p:sp>
+        <p:nvSpPr>
+          <p:cNvPr id="18" name="Rectangle 17">
+            <a:extLst>
+              <a:ext uri="{FF2B5EF4-FFF2-40B4-BE49-F238E27FC236}">
+                <a16:creationId xmlns:a16="http://schemas.microsoft.com/office/drawing/2014/main" id="{E6995CE5-F890-4ABA-82A2-26507CE8D2A3}"/>
+              </a:ext>
+              <a:ext uri="{C183D7F6-B498-43B3-948B-1728B52AA6E4}">
+                <adec:decorative xmlns:adec="http://schemas.microsoft.com/office/drawing/2017/decorative" val="1"/>
+              </a:ext>
+            </a:extLst>
+          </p:cNvPr>
+          <p:cNvSpPr>
+            <a:spLocks noGrp="1" noRot="1" noChangeAspect="1" noMove="1" noResize="1" noEditPoints="1" noAdjustHandles="1" noChangeArrowheads="1" noChangeShapeType="1" noTextEdit="1"/>
+          </p:cNvSpPr>
+          <p:nvPr>
+            <p:extLst>
+              <p:ext uri="{386F3935-93C4-4BCD-93E2-E3B085C9AB24}">
+                <p16:designElem xmlns:p16="http://schemas.microsoft.com/office/powerpoint/2015/main" val="1"/>
+              </p:ext>
+            </p:extLst>
+          </p:nvPr>
+        </p:nvSpPr>
+        <p:spPr>
+          <a:xfrm rot="5400000">
+            <a:off x="11228040" y="2313027"/>
+            <a:ext cx="781700" cy="152382"/>
+          </a:xfrm>
+          <a:prstGeom prst="rect">
+            <a:avLst/>
+          </a:prstGeom>
+          <a:solidFill>
+            <a:schemeClr val="accent4"/>
+          </a:solidFill>
+          <a:ln>
+            <a:noFill/>
+          </a:ln>
+        </p:spPr>
+        <p:style>
+          <a:lnRef idx="2">
+            <a:schemeClr val="accent1">
+              <a:shade val="50000"/>
+            </a:schemeClr>
+          </a:lnRef>
+          <a:fillRef idx="1">
+            <a:schemeClr val="accent1"/>
+          </a:fillRef>
+          <a:effectRef idx="0">
+            <a:schemeClr val="accent1"/>
+          </a:effectRef>
+          <a:fontRef idx="minor">
+            <a:schemeClr val="lt1"/>
+          </a:fontRef>
+        </p:style>
+        <p:txBody>
+          <a:bodyPr rtlCol="0" anchor="ctr"/>
+          <a:lstStyle/>
+          <a:p>
+            <a:pPr algn="ctr"/>
+            <a:endParaRPr lang="en-US"/>
+          </a:p>
+        </p:txBody>
+      </p:sp>
+    </p:spTree>
+    <p:extLst>
+      <p:ext uri="{BB962C8B-B14F-4D97-AF65-F5344CB8AC3E}">
+        <p14:creationId xmlns:p14="http://schemas.microsoft.com/office/powerpoint/2010/main" val="994394085"/>
+      </p:ext>
+    </p:extLst>
+  </p:cSld>
+  <p:clrMapOvr>
+    <a:masterClrMapping/>
+  </p:clrMapOvr>
+</p:sld>
+</file>
+
+<file path=ppt/slides/slide3.xml><?xml version="1.0" encoding="utf-8"?>
+<p:sld xmlns:a="http://schemas.openxmlformats.org/drawingml/2006/main" xmlns:r="http://schemas.openxmlformats.org/officeDocument/2006/relationships" xmlns:p="http://schemas.openxmlformats.org/presentationml/2006/main">
+  <p:cSld>
+    <p:bg>
+      <p:bgPr>
+        <a:solidFill>
+          <a:schemeClr val="bg1"/>
+        </a:solidFill>
+        <a:effectLst/>
+      </p:bgPr>
+    </p:bg>
+    <p:spTree>
+      <p:nvGrpSpPr>
+        <p:cNvPr id="1" name=""/>
+        <p:cNvGrpSpPr/>
+        <p:nvPr/>
+      </p:nvGrpSpPr>
+      <p:grpSpPr>
+        <a:xfrm>
+          <a:off x="0" y="0"/>
+          <a:ext cx="0" cy="0"/>
+          <a:chOff x="0" y="0"/>
+          <a:chExt cx="0" cy="0"/>
+        </a:xfrm>
+      </p:grpSpPr>
+      <p:sp useBgFill="1">
+        <p:nvSpPr>
+          <p:cNvPr id="8" name="Rectangle 7">
+            <a:extLst>
+              <a:ext uri="{FF2B5EF4-FFF2-40B4-BE49-F238E27FC236}">
+                <a16:creationId xmlns:a16="http://schemas.microsoft.com/office/drawing/2014/main" id="{DBF61EA3-B236-439E-9C0B-340980D56BEE}"/>
+              </a:ext>
+              <a:ext uri="{C183D7F6-B498-43B3-948B-1728B52AA6E4}">
+                <adec:decorative xmlns:adec="http://schemas.microsoft.com/office/drawing/2017/decorative" val="1"/>
+              </a:ext>
+            </a:extLst>
+          </p:cNvPr>
+          <p:cNvSpPr>
+            <a:spLocks noGrp="1" noRot="1" noChangeAspect="1" noMove="1" noResize="1" noEditPoints="1" noAdjustHandles="1" noChangeArrowheads="1" noChangeShapeType="1" noTextEdit="1"/>
+          </p:cNvSpPr>
+          <p:nvPr>
+            <p:extLst>
+              <p:ext uri="{386F3935-93C4-4BCD-93E2-E3B085C9AB24}">
+                <p16:designElem xmlns:p16="http://schemas.microsoft.com/office/powerpoint/2015/main" val="1"/>
+              </p:ext>
+            </p:extLst>
+          </p:nvPr>
+        </p:nvSpPr>
+        <p:spPr>
+          <a:xfrm>
+            <a:off x="0" y="0"/>
+            <a:ext cx="12191999" cy="6857365"/>
+          </a:xfrm>
+          <a:prstGeom prst="rect">
+            <a:avLst/>
+          </a:prstGeom>
+          <a:ln>
+            <a:noFill/>
+          </a:ln>
+        </p:spPr>
+        <p:style>
+          <a:lnRef idx="2">
+            <a:schemeClr val="accent1">
+              <a:shade val="50000"/>
+            </a:schemeClr>
+          </a:lnRef>
+          <a:fillRef idx="1">
+            <a:schemeClr val="accent1"/>
+          </a:fillRef>
+          <a:effectRef idx="0">
+            <a:schemeClr val="accent1"/>
+          </a:effectRef>
+          <a:fontRef idx="minor">
+            <a:schemeClr val="lt1"/>
+          </a:fontRef>
+        </p:style>
+        <p:txBody>
+          <a:bodyPr rtlCol="0" anchor="ctr"/>
+          <a:lstStyle/>
+          <a:p>
+            <a:pPr algn="ctr"/>
+            <a:endParaRPr lang="en-US"/>
+          </a:p>
+        </p:txBody>
+      </p:sp>
+      <p:sp>
+        <p:nvSpPr>
+          <p:cNvPr id="2" name="Title 1">
+            <a:extLst>
+              <a:ext uri="{FF2B5EF4-FFF2-40B4-BE49-F238E27FC236}">
+                <a16:creationId xmlns:a16="http://schemas.microsoft.com/office/drawing/2014/main" id="{8B269016-BB02-26DE-0F09-CB447AC5CC23}"/>
               </a:ext>
             </a:extLst>
           </p:cNvPr>
@@ -6283,7 +8268,7 @@
           <a:p>
             <a:r>
               <a:rPr lang="en-US" sz="5400"/>
-              <a:t>Properties</a:t>
+              <a:t>Overview</a:t>
             </a:r>
           </a:p>
         </p:txBody>
@@ -6512,229 +8497,71 @@
           </a:p>
         </p:txBody>
       </p:sp>
-      <mc:AlternateContent xmlns:mc="http://schemas.openxmlformats.org/markup-compatibility/2006">
-        <mc:Choice xmlns:a14="http://schemas.microsoft.com/office/drawing/2010/main" Requires="a14">
-          <p:sp>
-            <p:nvSpPr>
-              <p:cNvPr id="3" name="Content Placeholder 2">
-                <a:extLst>
-                  <a:ext uri="{FF2B5EF4-FFF2-40B4-BE49-F238E27FC236}">
-                    <a16:creationId xmlns:a16="http://schemas.microsoft.com/office/drawing/2014/main" id="{23009B58-C14D-80E2-3345-EBF24B78DA3D}"/>
-                  </a:ext>
-                </a:extLst>
-              </p:cNvPr>
-              <p:cNvSpPr>
-                <a:spLocks noGrp="1"/>
-              </p:cNvSpPr>
-              <p:nvPr>
-                <p:ph idx="1"/>
-              </p:nvPr>
-            </p:nvSpPr>
-            <p:spPr>
-              <a:xfrm>
-                <a:off x="793660" y="2599509"/>
-                <a:ext cx="10143668" cy="3435531"/>
-              </a:xfrm>
-            </p:spPr>
-            <p:txBody>
-              <a:bodyPr anchor="ctr">
-                <a:normAutofit/>
-              </a:bodyPr>
-              <a:lstStyle/>
-              <a:p>
-                <a:r>
-                  <a:rPr lang="en-US" sz="2400"/>
-                  <a:t>The total number of pairs is </a:t>
-                </a:r>
-                <a14:m>
-                  <m:oMath xmlns:m="http://schemas.openxmlformats.org/officeDocument/2006/math">
-                    <m:r>
-                      <a:rPr lang="en-US" sz="2400" i="1">
-                        <a:latin typeface="Cambria Math" panose="02040503050406030204" pitchFamily="18" charset="0"/>
-                      </a:rPr>
-                      <m:t>𝑛</m:t>
-                    </m:r>
-                    <m:r>
-                      <a:rPr lang="en-US" sz="2400" i="1">
-                        <a:latin typeface="Cambria Math" panose="02040503050406030204" pitchFamily="18" charset="0"/>
-                      </a:rPr>
-                      <m:t>(</m:t>
-                    </m:r>
-                    <m:r>
-                      <a:rPr lang="en-US" sz="2400" i="1">
-                        <a:latin typeface="Cambria Math" panose="02040503050406030204" pitchFamily="18" charset="0"/>
-                      </a:rPr>
-                      <m:t>𝑛</m:t>
-                    </m:r>
-                    <m:r>
-                      <a:rPr lang="en-US" sz="2400" i="1">
-                        <a:latin typeface="Cambria Math" panose="02040503050406030204" pitchFamily="18" charset="0"/>
-                      </a:rPr>
-                      <m:t>−1)/2</m:t>
-                    </m:r>
-                  </m:oMath>
-                </a14:m>
-                <a:r>
-                  <a:rPr lang="en-US" sz="2400"/>
-                  <a:t>, so the total number of triples is </a:t>
-                </a:r>
-                <a14:m>
-                  <m:oMath xmlns:m="http://schemas.openxmlformats.org/officeDocument/2006/math">
-                    <m:r>
-                      <a:rPr lang="en-US" sz="2400" i="1">
-                        <a:latin typeface="Cambria Math" panose="02040503050406030204" pitchFamily="18" charset="0"/>
-                      </a:rPr>
-                      <m:t>𝑛</m:t>
-                    </m:r>
-                    <m:r>
-                      <a:rPr lang="en-US" sz="2400" i="1">
-                        <a:latin typeface="Cambria Math" panose="02040503050406030204" pitchFamily="18" charset="0"/>
-                      </a:rPr>
-                      <m:t>(</m:t>
-                    </m:r>
-                    <m:r>
-                      <a:rPr lang="en-US" sz="2400" i="1">
-                        <a:latin typeface="Cambria Math" panose="02040503050406030204" pitchFamily="18" charset="0"/>
-                      </a:rPr>
-                      <m:t>𝑛</m:t>
-                    </m:r>
-                    <m:r>
-                      <a:rPr lang="en-US" sz="2400" i="1">
-                        <a:latin typeface="Cambria Math" panose="02040503050406030204" pitchFamily="18" charset="0"/>
-                      </a:rPr>
-                      <m:t>−1)/6</m:t>
-                    </m:r>
-                  </m:oMath>
-                </a14:m>
-                <a:r>
-                  <a:rPr lang="en-US" sz="2400"/>
-                  <a:t>.</a:t>
-                </a:r>
-              </a:p>
-              <a:p>
-                <a:r>
-                  <a:rPr lang="en-US" sz="2400"/>
-                  <a:t>n must be of the form </a:t>
-                </a:r>
-                <a14:m>
-                  <m:oMath xmlns:m="http://schemas.openxmlformats.org/officeDocument/2006/math">
-                    <m:r>
-                      <a:rPr lang="en-US" sz="2400" i="1">
-                        <a:latin typeface="Cambria Math" panose="02040503050406030204" pitchFamily="18" charset="0"/>
-                      </a:rPr>
-                      <m:t>6</m:t>
-                    </m:r>
-                    <m:r>
-                      <a:rPr lang="en-US" sz="2400" i="1">
-                        <a:latin typeface="Cambria Math" panose="02040503050406030204" pitchFamily="18" charset="0"/>
-                      </a:rPr>
-                      <m:t>𝑘</m:t>
-                    </m:r>
-                    <m:r>
-                      <a:rPr lang="en-US" sz="2400" i="1">
-                        <a:latin typeface="Cambria Math" panose="02040503050406030204" pitchFamily="18" charset="0"/>
-                      </a:rPr>
-                      <m:t>+1</m:t>
-                    </m:r>
-                  </m:oMath>
-                </a14:m>
-                <a:r>
-                  <a:rPr lang="en-US" sz="2400"/>
-                  <a:t> or </a:t>
-                </a:r>
-                <a14:m>
-                  <m:oMath xmlns:m="http://schemas.openxmlformats.org/officeDocument/2006/math">
-                    <m:r>
-                      <a:rPr lang="en-US" sz="2400" i="1">
-                        <a:latin typeface="Cambria Math" panose="02040503050406030204" pitchFamily="18" charset="0"/>
-                      </a:rPr>
-                      <m:t>6</m:t>
-                    </m:r>
-                    <m:r>
-                      <a:rPr lang="en-US" sz="2400" i="1">
-                        <a:latin typeface="Cambria Math" panose="02040503050406030204" pitchFamily="18" charset="0"/>
-                      </a:rPr>
-                      <m:t>𝑘</m:t>
-                    </m:r>
-                    <m:r>
-                      <a:rPr lang="en-US" sz="2400" i="1">
-                        <a:latin typeface="Cambria Math" panose="02040503050406030204" pitchFamily="18" charset="0"/>
-                      </a:rPr>
-                      <m:t>+3</m:t>
-                    </m:r>
-                  </m:oMath>
-                </a14:m>
-                <a:r>
-                  <a:rPr lang="en-US" sz="2400"/>
-                  <a:t> for some integer k</a:t>
-                </a:r>
-              </a:p>
-              <a:p>
-                <a:r>
-                  <a:rPr lang="en-US" sz="2400"/>
-                  <a:t>Graphs have a property known as a circumference, which is the length of the longest cycle in the graph.</a:t>
-                </a:r>
-              </a:p>
-              <a:p>
-                <a:r>
-                  <a:rPr lang="en-US" sz="2400"/>
-                  <a:t>Thus, the graph of an STS has a computable circumference.</a:t>
-                </a:r>
-              </a:p>
-              <a:p>
-                <a:endParaRPr lang="en-US" sz="2400"/>
-              </a:p>
-            </p:txBody>
-          </p:sp>
-        </mc:Choice>
-        <mc:Fallback>
-          <p:sp>
-            <p:nvSpPr>
-              <p:cNvPr id="3" name="Content Placeholder 2">
-                <a:extLst>
-                  <a:ext uri="{FF2B5EF4-FFF2-40B4-BE49-F238E27FC236}">
-                    <a16:creationId xmlns:a16="http://schemas.microsoft.com/office/drawing/2014/main" id="{23009B58-C14D-80E2-3345-EBF24B78DA3D}"/>
-                  </a:ext>
-                </a:extLst>
-              </p:cNvPr>
-              <p:cNvSpPr>
-                <a:spLocks noGrp="1" noRot="1" noChangeAspect="1" noMove="1" noResize="1" noEditPoints="1" noAdjustHandles="1" noChangeArrowheads="1" noChangeShapeType="1" noTextEdit="1"/>
-              </p:cNvSpPr>
-              <p:nvPr>
-                <p:ph idx="1"/>
-              </p:nvPr>
-            </p:nvSpPr>
-            <p:spPr>
-              <a:xfrm>
-                <a:off x="793660" y="2599509"/>
-                <a:ext cx="10143668" cy="3435531"/>
-              </a:xfrm>
-              <a:blipFill>
-                <a:blip r:embed="rId2"/>
-                <a:stretch>
-                  <a:fillRect l="-781"/>
-                </a:stretch>
-              </a:blipFill>
-            </p:spPr>
-            <p:txBody>
-              <a:bodyPr/>
-              <a:lstStyle/>
-              <a:p>
-                <a:r>
-                  <a:rPr lang="en-US">
-                    <a:noFill/>
-                  </a:rPr>
-                  <a:t> </a:t>
-                </a:r>
-              </a:p>
-            </p:txBody>
-          </p:sp>
-        </mc:Fallback>
-      </mc:AlternateContent>
+      <p:sp>
+        <p:nvSpPr>
+          <p:cNvPr id="3" name="Content Placeholder 2">
+            <a:extLst>
+              <a:ext uri="{FF2B5EF4-FFF2-40B4-BE49-F238E27FC236}">
+                <a16:creationId xmlns:a16="http://schemas.microsoft.com/office/drawing/2014/main" id="{A851E211-25F7-D03C-905E-9F21B269F1D5}"/>
+              </a:ext>
+            </a:extLst>
+          </p:cNvPr>
+          <p:cNvSpPr>
+            <a:spLocks noGrp="1"/>
+          </p:cNvSpPr>
+          <p:nvPr>
+            <p:ph idx="1"/>
+          </p:nvPr>
+        </p:nvSpPr>
+        <p:spPr>
+          <a:xfrm>
+            <a:off x="793660" y="2599509"/>
+            <a:ext cx="10143668" cy="3435531"/>
+          </a:xfrm>
+        </p:spPr>
+        <p:txBody>
+          <a:bodyPr anchor="ctr">
+            <a:normAutofit/>
+          </a:bodyPr>
+          <a:lstStyle/>
+          <a:p>
+            <a:r>
+              <a:rPr lang="en-US" sz="2400" dirty="0"/>
+              <a:t>The </a:t>
+            </a:r>
+            <a:r>
+              <a:rPr lang="en-US" sz="2400" i="1" dirty="0"/>
+              <a:t>order</a:t>
+            </a:r>
+            <a:r>
+              <a:rPr lang="en-US" sz="2400" dirty="0"/>
+              <a:t> of an STS, (S, T), is the size of the set S (denoted |S|).</a:t>
+            </a:r>
+          </a:p>
+          <a:p>
+            <a:r>
+              <a:rPr lang="en-US" sz="2400" dirty="0"/>
+              <a:t>A Steiner System can be more generally thought of as S(t, k, n) an n-element set S together with a set of k-element subsets of S (called blocks) with the property that each t-element subset of S is contained in exactly one block.</a:t>
+            </a:r>
+          </a:p>
+          <a:p>
+            <a:r>
+              <a:rPr lang="en-US" sz="2400" dirty="0"/>
+              <a:t>So, the version of a Steiner System we examine is a S(2, 3, n) for order n, shortened to STS(n). </a:t>
+            </a:r>
+          </a:p>
+          <a:p>
+            <a:r>
+              <a:rPr lang="en-US" sz="2400" dirty="0"/>
+              <a:t>More specifically, we focused on the STS(25).</a:t>
+            </a:r>
+          </a:p>
+        </p:txBody>
+      </p:sp>
     </p:spTree>
     <p:extLst>
       <p:ext uri="{BB962C8B-B14F-4D97-AF65-F5344CB8AC3E}">
-        <p14:creationId xmlns:p14="http://schemas.microsoft.com/office/powerpoint/2010/main" val="2417251577"/>
+        <p14:creationId xmlns:p14="http://schemas.microsoft.com/office/powerpoint/2010/main" val="2530317252"/>
       </p:ext>
     </p:extLst>
   </p:cSld>
@@ -6744,7 +8571,7 @@
 </p:sld>
 </file>
 
-<file path=ppt/slides/slide5.xml><?xml version="1.0" encoding="utf-8"?>
+<file path=ppt/slides/slide4.xml><?xml version="1.0" encoding="utf-8"?>
 <p:sld xmlns:a="http://schemas.openxmlformats.org/drawingml/2006/main" xmlns:r="http://schemas.openxmlformats.org/officeDocument/2006/relationships" xmlns:p="http://schemas.openxmlformats.org/presentationml/2006/main">
   <p:cSld>
     <p:bg>
@@ -6834,7 +8661,7 @@
           <p:cNvPr id="2" name="Title 1">
             <a:extLst>
               <a:ext uri="{FF2B5EF4-FFF2-40B4-BE49-F238E27FC236}">
-                <a16:creationId xmlns:a16="http://schemas.microsoft.com/office/drawing/2014/main" id="{4D42FB77-6A78-AA25-BE77-4079DDF213B5}"/>
+                <a16:creationId xmlns:a16="http://schemas.microsoft.com/office/drawing/2014/main" id="{69F17ECA-0EFD-C53E-65AF-2D7A6D4EC4E2}"/>
               </a:ext>
             </a:extLst>
           </p:cNvPr>
@@ -7088,66 +8915,229 @@
           </a:p>
         </p:txBody>
       </p:sp>
-      <p:sp>
-        <p:nvSpPr>
-          <p:cNvPr id="3" name="Content Placeholder 2">
-            <a:extLst>
-              <a:ext uri="{FF2B5EF4-FFF2-40B4-BE49-F238E27FC236}">
-                <a16:creationId xmlns:a16="http://schemas.microsoft.com/office/drawing/2014/main" id="{99E7049E-F695-FB26-ECA1-B06D3E0DAF0A}"/>
-              </a:ext>
-            </a:extLst>
-          </p:cNvPr>
-          <p:cNvSpPr>
-            <a:spLocks noGrp="1"/>
-          </p:cNvSpPr>
-          <p:nvPr>
-            <p:ph idx="1"/>
-          </p:nvPr>
-        </p:nvSpPr>
-        <p:spPr>
-          <a:xfrm>
-            <a:off x="793660" y="2599509"/>
-            <a:ext cx="10143668" cy="3435531"/>
-          </a:xfrm>
-        </p:spPr>
-        <p:txBody>
-          <a:bodyPr anchor="ctr">
-            <a:normAutofit/>
-          </a:bodyPr>
-          <a:lstStyle/>
-          <a:p>
-            <a:r>
-              <a:rPr lang="en-US" sz="2400"/>
-              <a:t>There is 1 (non-isomorphic) version of each STS(7) and STS(9)</a:t>
-            </a:r>
-          </a:p>
-          <a:p>
-            <a:r>
-              <a:rPr lang="en-US" sz="2400"/>
-              <a:t>There are 2 STS(13)s, 80 STS(15)s, and 11,084,874,829 STS(19)s.</a:t>
-            </a:r>
-          </a:p>
-          <a:p>
-            <a:r>
-              <a:rPr lang="en-US" sz="2400"/>
-              <a:t>Recently published: there are 14,796,207,517,873,771 (14.7 quadrillion) STS(21)</a:t>
-            </a:r>
-          </a:p>
-          <a:p>
-            <a:r>
-              <a:rPr lang="en-US" sz="2400"/>
-              <a:t>There are an unknown amount of STS(25)s</a:t>
-            </a:r>
-          </a:p>
-          <a:p>
-            <a:endParaRPr lang="en-US" sz="2400"/>
-          </a:p>
-        </p:txBody>
-      </p:sp>
+      <mc:AlternateContent xmlns:mc="http://schemas.openxmlformats.org/markup-compatibility/2006" xmlns:a14="http://schemas.microsoft.com/office/drawing/2010/main">
+        <mc:Choice Requires="a14">
+          <p:sp>
+            <p:nvSpPr>
+              <p:cNvPr id="3" name="Content Placeholder 2">
+                <a:extLst>
+                  <a:ext uri="{FF2B5EF4-FFF2-40B4-BE49-F238E27FC236}">
+                    <a16:creationId xmlns:a16="http://schemas.microsoft.com/office/drawing/2014/main" id="{23009B58-C14D-80E2-3345-EBF24B78DA3D}"/>
+                  </a:ext>
+                </a:extLst>
+              </p:cNvPr>
+              <p:cNvSpPr>
+                <a:spLocks noGrp="1"/>
+              </p:cNvSpPr>
+              <p:nvPr>
+                <p:ph idx="1"/>
+              </p:nvPr>
+            </p:nvSpPr>
+            <p:spPr>
+              <a:xfrm>
+                <a:off x="793660" y="2599509"/>
+                <a:ext cx="10143668" cy="3435531"/>
+              </a:xfrm>
+            </p:spPr>
+            <p:txBody>
+              <a:bodyPr anchor="ctr">
+                <a:normAutofit/>
+              </a:bodyPr>
+              <a:lstStyle/>
+              <a:p>
+                <a:r>
+                  <a:rPr lang="en-US" sz="2400" dirty="0"/>
+                  <a:t>The total number of pairs is </a:t>
+                </a:r>
+                <a14:m>
+                  <m:oMath xmlns:m="http://schemas.openxmlformats.org/officeDocument/2006/math">
+                    <m:r>
+                      <a:rPr lang="en-US" sz="2400" i="1">
+                        <a:latin typeface="Cambria Math" panose="02040503050406030204" pitchFamily="18" charset="0"/>
+                      </a:rPr>
+                      <m:t>𝑛</m:t>
+                    </m:r>
+                    <m:r>
+                      <a:rPr lang="en-US" sz="2400" i="1">
+                        <a:latin typeface="Cambria Math" panose="02040503050406030204" pitchFamily="18" charset="0"/>
+                      </a:rPr>
+                      <m:t>(</m:t>
+                    </m:r>
+                    <m:r>
+                      <a:rPr lang="en-US" sz="2400" i="1">
+                        <a:latin typeface="Cambria Math" panose="02040503050406030204" pitchFamily="18" charset="0"/>
+                      </a:rPr>
+                      <m:t>𝑛</m:t>
+                    </m:r>
+                    <m:r>
+                      <a:rPr lang="en-US" sz="2400" i="1">
+                        <a:latin typeface="Cambria Math" panose="02040503050406030204" pitchFamily="18" charset="0"/>
+                      </a:rPr>
+                      <m:t>−1)/2</m:t>
+                    </m:r>
+                  </m:oMath>
+                </a14:m>
+                <a:r>
+                  <a:rPr lang="en-US" sz="2400" dirty="0"/>
+                  <a:t>, so the total number of triples is </a:t>
+                </a:r>
+                <a14:m>
+                  <m:oMath xmlns:m="http://schemas.openxmlformats.org/officeDocument/2006/math">
+                    <m:r>
+                      <a:rPr lang="en-US" sz="2400" i="1">
+                        <a:latin typeface="Cambria Math" panose="02040503050406030204" pitchFamily="18" charset="0"/>
+                      </a:rPr>
+                      <m:t>𝑛</m:t>
+                    </m:r>
+                    <m:r>
+                      <a:rPr lang="en-US" sz="2400" i="1">
+                        <a:latin typeface="Cambria Math" panose="02040503050406030204" pitchFamily="18" charset="0"/>
+                      </a:rPr>
+                      <m:t>(</m:t>
+                    </m:r>
+                    <m:r>
+                      <a:rPr lang="en-US" sz="2400" i="1">
+                        <a:latin typeface="Cambria Math" panose="02040503050406030204" pitchFamily="18" charset="0"/>
+                      </a:rPr>
+                      <m:t>𝑛</m:t>
+                    </m:r>
+                    <m:r>
+                      <a:rPr lang="en-US" sz="2400" i="1">
+                        <a:latin typeface="Cambria Math" panose="02040503050406030204" pitchFamily="18" charset="0"/>
+                      </a:rPr>
+                      <m:t>−1)/6</m:t>
+                    </m:r>
+                  </m:oMath>
+                </a14:m>
+                <a:r>
+                  <a:rPr lang="en-US" sz="2400" dirty="0"/>
+                  <a:t>.</a:t>
+                </a:r>
+              </a:p>
+              <a:p>
+                <a:r>
+                  <a:rPr lang="en-US" sz="2400" dirty="0"/>
+                  <a:t>n must be of the form </a:t>
+                </a:r>
+                <a14:m>
+                  <m:oMath xmlns:m="http://schemas.openxmlformats.org/officeDocument/2006/math">
+                    <m:r>
+                      <a:rPr lang="en-US" sz="2400" i="1">
+                        <a:latin typeface="Cambria Math" panose="02040503050406030204" pitchFamily="18" charset="0"/>
+                      </a:rPr>
+                      <m:t>6</m:t>
+                    </m:r>
+                    <m:r>
+                      <a:rPr lang="en-US" sz="2400" i="1">
+                        <a:latin typeface="Cambria Math" panose="02040503050406030204" pitchFamily="18" charset="0"/>
+                      </a:rPr>
+                      <m:t>𝑘</m:t>
+                    </m:r>
+                    <m:r>
+                      <a:rPr lang="en-US" sz="2400" i="1">
+                        <a:latin typeface="Cambria Math" panose="02040503050406030204" pitchFamily="18" charset="0"/>
+                      </a:rPr>
+                      <m:t>+1</m:t>
+                    </m:r>
+                  </m:oMath>
+                </a14:m>
+                <a:r>
+                  <a:rPr lang="en-US" sz="2400" dirty="0"/>
+                  <a:t> or </a:t>
+                </a:r>
+                <a14:m>
+                  <m:oMath xmlns:m="http://schemas.openxmlformats.org/officeDocument/2006/math">
+                    <m:r>
+                      <a:rPr lang="en-US" sz="2400" i="1">
+                        <a:latin typeface="Cambria Math" panose="02040503050406030204" pitchFamily="18" charset="0"/>
+                      </a:rPr>
+                      <m:t>6</m:t>
+                    </m:r>
+                    <m:r>
+                      <a:rPr lang="en-US" sz="2400" i="1">
+                        <a:latin typeface="Cambria Math" panose="02040503050406030204" pitchFamily="18" charset="0"/>
+                      </a:rPr>
+                      <m:t>𝑘</m:t>
+                    </m:r>
+                    <m:r>
+                      <a:rPr lang="en-US" sz="2400" i="1">
+                        <a:latin typeface="Cambria Math" panose="02040503050406030204" pitchFamily="18" charset="0"/>
+                      </a:rPr>
+                      <m:t>+3</m:t>
+                    </m:r>
+                  </m:oMath>
+                </a14:m>
+                <a:r>
+                  <a:rPr lang="en-US" sz="2400" dirty="0"/>
+                  <a:t> for some integer k</a:t>
+                </a:r>
+              </a:p>
+              <a:p>
+                <a:r>
+                  <a:rPr lang="en-US" sz="2400" dirty="0"/>
+                  <a:t>Graphs have a property known as a circumference, which is the length of the longest cycle in the graph.</a:t>
+                </a:r>
+              </a:p>
+              <a:p>
+                <a:r>
+                  <a:rPr lang="en-US" sz="2400" dirty="0"/>
+                  <a:t>Thus, the graph of an STS has a computable circumference (visualizations included later in presentation).</a:t>
+                </a:r>
+              </a:p>
+              <a:p>
+                <a:endParaRPr lang="en-US" sz="2400" dirty="0"/>
+              </a:p>
+            </p:txBody>
+          </p:sp>
+        </mc:Choice>
+        <mc:Fallback xmlns="">
+          <p:sp>
+            <p:nvSpPr>
+              <p:cNvPr id="3" name="Content Placeholder 2">
+                <a:extLst>
+                  <a:ext uri="{FF2B5EF4-FFF2-40B4-BE49-F238E27FC236}">
+                    <a16:creationId xmlns:a16="http://schemas.microsoft.com/office/drawing/2014/main" id="{23009B58-C14D-80E2-3345-EBF24B78DA3D}"/>
+                  </a:ext>
+                </a:extLst>
+              </p:cNvPr>
+              <p:cNvSpPr>
+                <a:spLocks noGrp="1" noRot="1" noChangeAspect="1" noMove="1" noResize="1" noEditPoints="1" noAdjustHandles="1" noChangeArrowheads="1" noChangeShapeType="1" noTextEdit="1"/>
+              </p:cNvSpPr>
+              <p:nvPr>
+                <p:ph idx="1"/>
+              </p:nvPr>
+            </p:nvSpPr>
+            <p:spPr>
+              <a:xfrm>
+                <a:off x="793660" y="2599509"/>
+                <a:ext cx="10143668" cy="3435531"/>
+              </a:xfrm>
+              <a:blipFill>
+                <a:blip r:embed="rId3"/>
+                <a:stretch>
+                  <a:fillRect l="-781"/>
+                </a:stretch>
+              </a:blipFill>
+            </p:spPr>
+            <p:txBody>
+              <a:bodyPr/>
+              <a:lstStyle/>
+              <a:p>
+                <a:r>
+                  <a:rPr lang="en-US">
+                    <a:noFill/>
+                  </a:rPr>
+                  <a:t> </a:t>
+                </a:r>
+              </a:p>
+            </p:txBody>
+          </p:sp>
+        </mc:Fallback>
+      </mc:AlternateContent>
     </p:spTree>
     <p:extLst>
       <p:ext uri="{BB962C8B-B14F-4D97-AF65-F5344CB8AC3E}">
-        <p14:creationId xmlns:p14="http://schemas.microsoft.com/office/powerpoint/2010/main" val="3798301359"/>
+        <p14:creationId xmlns:p14="http://schemas.microsoft.com/office/powerpoint/2010/main" val="2417251577"/>
       </p:ext>
     </p:extLst>
   </p:cSld>
@@ -7157,7 +9147,7 @@
 </p:sld>
 </file>
 
-<file path=ppt/slides/slide6.xml><?xml version="1.0" encoding="utf-8"?>
+<file path=ppt/slides/slide5.xml><?xml version="1.0" encoding="utf-8"?>
 <p:sld xmlns:a="http://schemas.openxmlformats.org/drawingml/2006/main" xmlns:r="http://schemas.openxmlformats.org/officeDocument/2006/relationships" xmlns:p="http://schemas.openxmlformats.org/presentationml/2006/main">
   <p:cSld>
     <p:bg>
@@ -7247,7 +9237,7 @@
           <p:cNvPr id="2" name="Title 1">
             <a:extLst>
               <a:ext uri="{FF2B5EF4-FFF2-40B4-BE49-F238E27FC236}">
-                <a16:creationId xmlns:a16="http://schemas.microsoft.com/office/drawing/2014/main" id="{F4D82B8D-7B08-F093-80E1-53AFC68084A8}"/>
+                <a16:creationId xmlns:a16="http://schemas.microsoft.com/office/drawing/2014/main" id="{4D42FB77-6A78-AA25-BE77-4079DDF213B5}"/>
               </a:ext>
             </a:extLst>
           </p:cNvPr>
@@ -7272,7 +9262,7 @@
           <a:p>
             <a:r>
               <a:rPr lang="en-US" sz="5400"/>
-              <a:t>Goals</a:t>
+              <a:t>Properties</a:t>
             </a:r>
           </a:p>
         </p:txBody>
@@ -7506,7 +9496,7 @@
           <p:cNvPr id="3" name="Content Placeholder 2">
             <a:extLst>
               <a:ext uri="{FF2B5EF4-FFF2-40B4-BE49-F238E27FC236}">
-                <a16:creationId xmlns:a16="http://schemas.microsoft.com/office/drawing/2014/main" id="{7FCB8889-8AFF-9F67-3F86-AF133A200A75}"/>
+                <a16:creationId xmlns:a16="http://schemas.microsoft.com/office/drawing/2014/main" id="{99E7049E-F695-FB26-ECA1-B06D3E0DAF0A}"/>
               </a:ext>
             </a:extLst>
           </p:cNvPr>
@@ -7530,41 +9520,37 @@
           <a:lstStyle/>
           <a:p>
             <a:r>
-              <a:rPr lang="en-US" sz="2400" dirty="0"/>
-              <a:t>The goal of the research project was as follows:</a:t>
-            </a:r>
-          </a:p>
-          <a:p>
-            <a:pPr lvl="1"/>
-            <a:r>
-              <a:rPr lang="en-US" dirty="0"/>
-              <a:t>Reliable algorithm for quick generation of an STS(n) with a given n.</a:t>
-            </a:r>
-          </a:p>
-          <a:p>
-            <a:pPr lvl="1"/>
-            <a:r>
-              <a:rPr lang="en-US" dirty="0"/>
-              <a:t>After that, algorithm for processing these generated systems to analyze their circumferences</a:t>
-            </a:r>
-          </a:p>
-          <a:p>
-            <a:pPr lvl="1"/>
-            <a:r>
-              <a:rPr lang="en-US" dirty="0"/>
-              <a:t>Ideally looking for an STS(25) with a circumference of at most 12.</a:t>
-            </a:r>
-          </a:p>
-          <a:p>
-            <a:pPr lvl="1"/>
-            <a:endParaRPr lang="en-US" dirty="0"/>
+              <a:rPr lang="en-US" sz="2400"/>
+              <a:t>There is 1 (non-isomorphic) version of each STS(7) and STS(9)</a:t>
+            </a:r>
+          </a:p>
+          <a:p>
+            <a:r>
+              <a:rPr lang="en-US" sz="2400"/>
+              <a:t>There are 2 STS(13)s, 80 STS(15)s, and 11,084,874,829 STS(19)s.</a:t>
+            </a:r>
+          </a:p>
+          <a:p>
+            <a:r>
+              <a:rPr lang="en-US" sz="2400"/>
+              <a:t>Recently published: there are 14,796,207,517,873,771 (14.7 quadrillion) STS(21)</a:t>
+            </a:r>
+          </a:p>
+          <a:p>
+            <a:r>
+              <a:rPr lang="en-US" sz="2400"/>
+              <a:t>There are an unknown amount of STS(25)s</a:t>
+            </a:r>
+          </a:p>
+          <a:p>
+            <a:endParaRPr lang="en-US" sz="2400"/>
           </a:p>
         </p:txBody>
       </p:sp>
     </p:spTree>
     <p:extLst>
       <p:ext uri="{BB962C8B-B14F-4D97-AF65-F5344CB8AC3E}">
-        <p14:creationId xmlns:p14="http://schemas.microsoft.com/office/powerpoint/2010/main" val="2782855673"/>
+        <p14:creationId xmlns:p14="http://schemas.microsoft.com/office/powerpoint/2010/main" val="3798301359"/>
       </p:ext>
     </p:extLst>
   </p:cSld>
@@ -7574,7 +9560,7 @@
 </p:sld>
 </file>
 
-<file path=ppt/slides/slide7.xml><?xml version="1.0" encoding="utf-8"?>
+<file path=ppt/slides/slide6.xml><?xml version="1.0" encoding="utf-8"?>
 <p:sld xmlns:a="http://schemas.openxmlformats.org/drawingml/2006/main" xmlns:r="http://schemas.openxmlformats.org/officeDocument/2006/relationships" xmlns:p="http://schemas.openxmlformats.org/presentationml/2006/main">
   <p:cSld>
     <p:bg>
@@ -7601,10 +9587,10 @@
       </p:grpSpPr>
       <p:sp useBgFill="1">
         <p:nvSpPr>
-          <p:cNvPr id="17" name="Rectangle 16">
-            <a:extLst>
-              <a:ext uri="{FF2B5EF4-FFF2-40B4-BE49-F238E27FC236}">
-                <a16:creationId xmlns:a16="http://schemas.microsoft.com/office/drawing/2014/main" id="{058A14AF-9FB5-4CC7-BA35-E8E85D3EDF0E}"/>
+          <p:cNvPr id="8" name="Rectangle 7">
+            <a:extLst>
+              <a:ext uri="{FF2B5EF4-FFF2-40B4-BE49-F238E27FC236}">
+                <a16:creationId xmlns:a16="http://schemas.microsoft.com/office/drawing/2014/main" id="{DBF61EA3-B236-439E-9C0B-340980D56BEE}"/>
               </a:ext>
               <a:ext uri="{C183D7F6-B498-43B3-948B-1728B52AA6E4}">
                 <adec:decorative xmlns:adec="http://schemas.microsoft.com/office/drawing/2017/decorative" val="1"/>
@@ -7664,874 +9650,7 @@
           <p:cNvPr id="2" name="Title 1">
             <a:extLst>
               <a:ext uri="{FF2B5EF4-FFF2-40B4-BE49-F238E27FC236}">
-                <a16:creationId xmlns:a16="http://schemas.microsoft.com/office/drawing/2014/main" id="{4110B4E2-06B8-4E1A-3808-2A100D8EB253}"/>
-              </a:ext>
-            </a:extLst>
-          </p:cNvPr>
-          <p:cNvSpPr>
-            <a:spLocks noGrp="1"/>
-          </p:cNvSpPr>
-          <p:nvPr>
-            <p:ph type="title"/>
-          </p:nvPr>
-        </p:nvSpPr>
-        <p:spPr>
-          <a:xfrm>
-            <a:off x="793662" y="386930"/>
-            <a:ext cx="10066122" cy="1298448"/>
-          </a:xfrm>
-        </p:spPr>
-        <p:txBody>
-          <a:bodyPr anchor="b">
-            <a:normAutofit/>
-          </a:bodyPr>
-          <a:lstStyle/>
-          <a:p>
-            <a:r>
-              <a:rPr lang="en-US" sz="4800" dirty="0"/>
-              <a:t>Method: Generation</a:t>
-            </a:r>
-          </a:p>
-        </p:txBody>
-      </p:sp>
-      <p:sp>
-        <p:nvSpPr>
-          <p:cNvPr id="18" name="Rectangle 17">
-            <a:extLst>
-              <a:ext uri="{FF2B5EF4-FFF2-40B4-BE49-F238E27FC236}">
-                <a16:creationId xmlns:a16="http://schemas.microsoft.com/office/drawing/2014/main" id="{3A9A4357-BD1D-4622-A4FE-766E6AB8DE84}"/>
-              </a:ext>
-              <a:ext uri="{C183D7F6-B498-43B3-948B-1728B52AA6E4}">
-                <adec:decorative xmlns:adec="http://schemas.microsoft.com/office/drawing/2017/decorative" val="1"/>
-              </a:ext>
-            </a:extLst>
-          </p:cNvPr>
-          <p:cNvSpPr>
-            <a:spLocks noGrp="1" noRot="1" noChangeAspect="1" noMove="1" noResize="1" noEditPoints="1" noAdjustHandles="1" noChangeArrowheads="1" noChangeShapeType="1" noTextEdit="1"/>
-          </p:cNvSpPr>
-          <p:nvPr>
-            <p:extLst>
-              <p:ext uri="{386F3935-93C4-4BCD-93E2-E3B085C9AB24}">
-                <p16:designElem xmlns:p16="http://schemas.microsoft.com/office/powerpoint/2015/main" val="1"/>
-              </p:ext>
-            </p:extLst>
-          </p:nvPr>
-        </p:nvSpPr>
-        <p:spPr>
-          <a:xfrm flipH="1" flipV="1">
-            <a:off x="-2" y="1998845"/>
-            <a:ext cx="11454595" cy="781699"/>
-          </a:xfrm>
-          <a:prstGeom prst="rect">
-            <a:avLst/>
-          </a:prstGeom>
-          <a:solidFill>
-            <a:schemeClr val="accent4"/>
-          </a:solidFill>
-          <a:ln>
-            <a:noFill/>
-          </a:ln>
-        </p:spPr>
-        <p:style>
-          <a:lnRef idx="2">
-            <a:schemeClr val="accent1">
-              <a:shade val="50000"/>
-            </a:schemeClr>
-          </a:lnRef>
-          <a:fillRef idx="1">
-            <a:schemeClr val="accent1"/>
-          </a:fillRef>
-          <a:effectRef idx="0">
-            <a:schemeClr val="accent1"/>
-          </a:effectRef>
-          <a:fontRef idx="minor">
-            <a:schemeClr val="lt1"/>
-          </a:fontRef>
-        </p:style>
-        <p:txBody>
-          <a:bodyPr rtlCol="0" anchor="ctr"/>
-          <a:lstStyle/>
-          <a:p>
-            <a:pPr algn="ctr"/>
-            <a:endParaRPr lang="en-US"/>
-          </a:p>
-        </p:txBody>
-      </p:sp>
-      <p:sp>
-        <p:nvSpPr>
-          <p:cNvPr id="19" name="Rectangle 18">
-            <a:extLst>
-              <a:ext uri="{FF2B5EF4-FFF2-40B4-BE49-F238E27FC236}">
-                <a16:creationId xmlns:a16="http://schemas.microsoft.com/office/drawing/2014/main" id="{E659831F-0D9A-4C63-9EBB-8435B85A440F}"/>
-              </a:ext>
-              <a:ext uri="{C183D7F6-B498-43B3-948B-1728B52AA6E4}">
-                <adec:decorative xmlns:adec="http://schemas.microsoft.com/office/drawing/2017/decorative" val="1"/>
-              </a:ext>
-            </a:extLst>
-          </p:cNvPr>
-          <p:cNvSpPr>
-            <a:spLocks noGrp="1" noRot="1" noChangeAspect="1" noMove="1" noResize="1" noEditPoints="1" noAdjustHandles="1" noChangeArrowheads="1" noChangeShapeType="1" noTextEdit="1"/>
-          </p:cNvSpPr>
-          <p:nvPr>
-            <p:extLst>
-              <p:ext uri="{386F3935-93C4-4BCD-93E2-E3B085C9AB24}">
-                <p16:designElem xmlns:p16="http://schemas.microsoft.com/office/powerpoint/2015/main" val="1"/>
-              </p:ext>
-            </p:extLst>
-          </p:nvPr>
-        </p:nvSpPr>
-        <p:spPr>
-          <a:xfrm>
-            <a:off x="0" y="2203079"/>
-            <a:ext cx="11383362" cy="4267991"/>
-          </a:xfrm>
-          <a:prstGeom prst="rect">
-            <a:avLst/>
-          </a:prstGeom>
-          <a:solidFill>
-            <a:schemeClr val="bg1"/>
-          </a:solidFill>
-          <a:ln>
-            <a:noFill/>
-          </a:ln>
-          <a:effectLst>
-            <a:outerShdw blurRad="139700" dist="127000" dir="5400000" algn="t" rotWithShape="0">
-              <a:prstClr val="black">
-                <a:alpha val="15000"/>
-              </a:prstClr>
-            </a:outerShdw>
-          </a:effectLst>
-        </p:spPr>
-        <p:style>
-          <a:lnRef idx="2">
-            <a:schemeClr val="accent1">
-              <a:shade val="50000"/>
-            </a:schemeClr>
-          </a:lnRef>
-          <a:fillRef idx="1">
-            <a:schemeClr val="accent1"/>
-          </a:fillRef>
-          <a:effectRef idx="0">
-            <a:schemeClr val="accent1"/>
-          </a:effectRef>
-          <a:fontRef idx="minor">
-            <a:schemeClr val="lt1"/>
-          </a:fontRef>
-        </p:style>
-        <p:txBody>
-          <a:bodyPr rtlCol="0" anchor="ctr"/>
-          <a:lstStyle/>
-          <a:p>
-            <a:pPr algn="ctr"/>
-            <a:endParaRPr lang="en-US"/>
-          </a:p>
-        </p:txBody>
-      </p:sp>
-      <p:sp>
-        <p:nvSpPr>
-          <p:cNvPr id="3" name="Content Placeholder 2">
-            <a:extLst>
-              <a:ext uri="{FF2B5EF4-FFF2-40B4-BE49-F238E27FC236}">
-                <a16:creationId xmlns:a16="http://schemas.microsoft.com/office/drawing/2014/main" id="{CF364F24-2E4D-00B4-6702-F487E3EBE782}"/>
-              </a:ext>
-            </a:extLst>
-          </p:cNvPr>
-          <p:cNvSpPr>
-            <a:spLocks noGrp="1"/>
-          </p:cNvSpPr>
-          <p:nvPr>
-            <p:ph idx="1"/>
-          </p:nvPr>
-        </p:nvSpPr>
-        <p:spPr>
-          <a:xfrm>
-            <a:off x="690317" y="2218046"/>
-            <a:ext cx="4530898" cy="4162434"/>
-          </a:xfrm>
-        </p:spPr>
-        <p:txBody>
-          <a:bodyPr anchor="ctr">
-            <a:normAutofit/>
-          </a:bodyPr>
-          <a:lstStyle/>
-          <a:p>
-            <a:r>
-              <a:rPr lang="en-US" sz="1400" dirty="0"/>
-              <a:t>Stinson’s Algorithm, as described in </a:t>
-            </a:r>
-            <a:r>
-              <a:rPr lang="en-US" sz="1400" i="1" dirty="0"/>
-              <a:t>Combinatorial Algorithms: Generation, Enumeration, and Search</a:t>
-            </a:r>
-            <a:r>
-              <a:rPr lang="en-US" sz="1400" dirty="0"/>
-              <a:t>.</a:t>
-            </a:r>
-          </a:p>
-          <a:p>
-            <a:r>
-              <a:rPr lang="en-US" sz="1400" dirty="0"/>
-              <a:t>A “hill-climbing” algorithm which continues adding triples into a group until that n(n-1)/6 number is reached.</a:t>
-            </a:r>
-          </a:p>
-          <a:p>
-            <a:pPr lvl="1"/>
-            <a:r>
-              <a:rPr lang="en-US" sz="1400" dirty="0"/>
-              <a:t>Find a number that isn’t in enough groups yet</a:t>
-            </a:r>
-          </a:p>
-          <a:p>
-            <a:pPr lvl="1"/>
-            <a:r>
-              <a:rPr lang="en-US" sz="1400" dirty="0"/>
-              <a:t>Pick two other numbers that haven’t been grouped with the first number</a:t>
-            </a:r>
-          </a:p>
-          <a:p>
-            <a:pPr lvl="1"/>
-            <a:r>
-              <a:rPr lang="en-US" sz="1400" dirty="0"/>
-              <a:t>Try to form a group with these three numbers</a:t>
-            </a:r>
-          </a:p>
-          <a:p>
-            <a:pPr lvl="1"/>
-            <a:r>
-              <a:rPr lang="en-US" sz="1400" dirty="0"/>
-              <a:t>If you can’t form a new group (i.e. invalid pairings), try swapping the offending element with another.</a:t>
-            </a:r>
-          </a:p>
-          <a:p>
-            <a:pPr lvl="1"/>
-            <a:r>
-              <a:rPr lang="en-US" sz="1400" dirty="0"/>
-              <a:t>Repeat until all triples are created.</a:t>
-            </a:r>
-          </a:p>
-          <a:p>
-            <a:r>
-              <a:rPr lang="en-US" sz="1400" dirty="0"/>
-              <a:t>Randomness included to create a non-deterministic generation</a:t>
-            </a:r>
-          </a:p>
-        </p:txBody>
-      </p:sp>
-      <p:pic>
-        <p:nvPicPr>
-          <p:cNvPr id="5" name="Picture 4">
-            <a:extLst>
-              <a:ext uri="{FF2B5EF4-FFF2-40B4-BE49-F238E27FC236}">
-                <a16:creationId xmlns:a16="http://schemas.microsoft.com/office/drawing/2014/main" id="{04AB2761-5AB6-AA27-A34E-681ED2CB4213}"/>
-              </a:ext>
-            </a:extLst>
-          </p:cNvPr>
-          <p:cNvPicPr>
-            <a:picLocks noChangeAspect="1"/>
-          </p:cNvPicPr>
-          <p:nvPr/>
-        </p:nvPicPr>
-        <p:blipFill>
-          <a:blip r:embed="rId2"/>
-          <a:stretch>
-            <a:fillRect/>
-          </a:stretch>
-        </p:blipFill>
-        <p:spPr>
-          <a:xfrm>
-            <a:off x="5911532" y="2595607"/>
-            <a:ext cx="5150277" cy="3491539"/>
-          </a:xfrm>
-          <a:prstGeom prst="rect">
-            <a:avLst/>
-          </a:prstGeom>
-        </p:spPr>
-      </p:pic>
-      <p:sp>
-        <p:nvSpPr>
-          <p:cNvPr id="16" name="Rectangle 15">
-            <a:extLst>
-              <a:ext uri="{FF2B5EF4-FFF2-40B4-BE49-F238E27FC236}">
-                <a16:creationId xmlns:a16="http://schemas.microsoft.com/office/drawing/2014/main" id="{E6995CE5-F890-4ABA-82A2-26507CE8D2A3}"/>
-              </a:ext>
-              <a:ext uri="{C183D7F6-B498-43B3-948B-1728B52AA6E4}">
-                <adec:decorative xmlns:adec="http://schemas.microsoft.com/office/drawing/2017/decorative" val="1"/>
-              </a:ext>
-            </a:extLst>
-          </p:cNvPr>
-          <p:cNvSpPr>
-            <a:spLocks noGrp="1" noRot="1" noChangeAspect="1" noMove="1" noResize="1" noEditPoints="1" noAdjustHandles="1" noChangeArrowheads="1" noChangeShapeType="1" noTextEdit="1"/>
-          </p:cNvSpPr>
-          <p:nvPr>
-            <p:extLst>
-              <p:ext uri="{386F3935-93C4-4BCD-93E2-E3B085C9AB24}">
-                <p16:designElem xmlns:p16="http://schemas.microsoft.com/office/powerpoint/2015/main" val="1"/>
-              </p:ext>
-            </p:extLst>
-          </p:nvPr>
-        </p:nvSpPr>
-        <p:spPr>
-          <a:xfrm rot="5400000">
-            <a:off x="11228040" y="2313027"/>
-            <a:ext cx="781700" cy="152382"/>
-          </a:xfrm>
-          <a:prstGeom prst="rect">
-            <a:avLst/>
-          </a:prstGeom>
-          <a:solidFill>
-            <a:schemeClr val="accent4"/>
-          </a:solidFill>
-          <a:ln>
-            <a:noFill/>
-          </a:ln>
-        </p:spPr>
-        <p:style>
-          <a:lnRef idx="2">
-            <a:schemeClr val="accent1">
-              <a:shade val="50000"/>
-            </a:schemeClr>
-          </a:lnRef>
-          <a:fillRef idx="1">
-            <a:schemeClr val="accent1"/>
-          </a:fillRef>
-          <a:effectRef idx="0">
-            <a:schemeClr val="accent1"/>
-          </a:effectRef>
-          <a:fontRef idx="minor">
-            <a:schemeClr val="lt1"/>
-          </a:fontRef>
-        </p:style>
-        <p:txBody>
-          <a:bodyPr rtlCol="0" anchor="ctr"/>
-          <a:lstStyle/>
-          <a:p>
-            <a:pPr algn="ctr"/>
-            <a:endParaRPr lang="en-US"/>
-          </a:p>
-        </p:txBody>
-      </p:sp>
-    </p:spTree>
-    <p:extLst>
-      <p:ext uri="{BB962C8B-B14F-4D97-AF65-F5344CB8AC3E}">
-        <p14:creationId xmlns:p14="http://schemas.microsoft.com/office/powerpoint/2010/main" val="2555409986"/>
-      </p:ext>
-    </p:extLst>
-  </p:cSld>
-  <p:clrMapOvr>
-    <a:masterClrMapping/>
-  </p:clrMapOvr>
-</p:sld>
-</file>
-
-<file path=ppt/slides/slide8.xml><?xml version="1.0" encoding="utf-8"?>
-<p:sld xmlns:a="http://schemas.openxmlformats.org/drawingml/2006/main" xmlns:r="http://schemas.openxmlformats.org/officeDocument/2006/relationships" xmlns:p="http://schemas.openxmlformats.org/presentationml/2006/main">
-  <p:cSld>
-    <p:bg>
-      <p:bgPr>
-        <a:solidFill>
-          <a:schemeClr val="bg1"/>
-        </a:solidFill>
-        <a:effectLst/>
-      </p:bgPr>
-    </p:bg>
-    <p:spTree>
-      <p:nvGrpSpPr>
-        <p:cNvPr id="1" name=""/>
-        <p:cNvGrpSpPr/>
-        <p:nvPr/>
-      </p:nvGrpSpPr>
-      <p:grpSpPr>
-        <a:xfrm>
-          <a:off x="0" y="0"/>
-          <a:ext cx="0" cy="0"/>
-          <a:chOff x="0" y="0"/>
-          <a:chExt cx="0" cy="0"/>
-        </a:xfrm>
-      </p:grpSpPr>
-      <p:sp useBgFill="1">
-        <p:nvSpPr>
-          <p:cNvPr id="21" name="Rectangle 20">
-            <a:extLst>
-              <a:ext uri="{FF2B5EF4-FFF2-40B4-BE49-F238E27FC236}">
-                <a16:creationId xmlns:a16="http://schemas.microsoft.com/office/drawing/2014/main" id="{058A14AF-9FB5-4CC7-BA35-E8E85D3EDF0E}"/>
-              </a:ext>
-              <a:ext uri="{C183D7F6-B498-43B3-948B-1728B52AA6E4}">
-                <adec:decorative xmlns:adec="http://schemas.microsoft.com/office/drawing/2017/decorative" val="1"/>
-              </a:ext>
-            </a:extLst>
-          </p:cNvPr>
-          <p:cNvSpPr>
-            <a:spLocks noGrp="1" noRot="1" noChangeAspect="1" noMove="1" noResize="1" noEditPoints="1" noAdjustHandles="1" noChangeArrowheads="1" noChangeShapeType="1" noTextEdit="1"/>
-          </p:cNvSpPr>
-          <p:nvPr>
-            <p:extLst>
-              <p:ext uri="{386F3935-93C4-4BCD-93E2-E3B085C9AB24}">
-                <p16:designElem xmlns:p16="http://schemas.microsoft.com/office/powerpoint/2015/main" val="1"/>
-              </p:ext>
-            </p:extLst>
-          </p:nvPr>
-        </p:nvSpPr>
-        <p:spPr>
-          <a:xfrm>
-            <a:off x="0" y="0"/>
-            <a:ext cx="12191999" cy="6857365"/>
-          </a:xfrm>
-          <a:prstGeom prst="rect">
-            <a:avLst/>
-          </a:prstGeom>
-          <a:ln>
-            <a:noFill/>
-          </a:ln>
-        </p:spPr>
-        <p:style>
-          <a:lnRef idx="2">
-            <a:schemeClr val="accent1">
-              <a:shade val="50000"/>
-            </a:schemeClr>
-          </a:lnRef>
-          <a:fillRef idx="1">
-            <a:schemeClr val="accent1"/>
-          </a:fillRef>
-          <a:effectRef idx="0">
-            <a:schemeClr val="accent1"/>
-          </a:effectRef>
-          <a:fontRef idx="minor">
-            <a:schemeClr val="lt1"/>
-          </a:fontRef>
-        </p:style>
-        <p:txBody>
-          <a:bodyPr rtlCol="0" anchor="ctr"/>
-          <a:lstStyle/>
-          <a:p>
-            <a:pPr algn="ctr"/>
-            <a:endParaRPr lang="en-US"/>
-          </a:p>
-        </p:txBody>
-      </p:sp>
-      <p:sp>
-        <p:nvSpPr>
-          <p:cNvPr id="2" name="Title 1">
-            <a:extLst>
-              <a:ext uri="{FF2B5EF4-FFF2-40B4-BE49-F238E27FC236}">
-                <a16:creationId xmlns:a16="http://schemas.microsoft.com/office/drawing/2014/main" id="{A5E337BE-B91F-15D2-D2F5-092F0B155614}"/>
-              </a:ext>
-            </a:extLst>
-          </p:cNvPr>
-          <p:cNvSpPr>
-            <a:spLocks noGrp="1"/>
-          </p:cNvSpPr>
-          <p:nvPr>
-            <p:ph type="title"/>
-          </p:nvPr>
-        </p:nvSpPr>
-        <p:spPr>
-          <a:xfrm>
-            <a:off x="793662" y="386930"/>
-            <a:ext cx="10066122" cy="1298448"/>
-          </a:xfrm>
-        </p:spPr>
-        <p:txBody>
-          <a:bodyPr anchor="b">
-            <a:normAutofit/>
-          </a:bodyPr>
-          <a:lstStyle/>
-          <a:p>
-            <a:r>
-              <a:rPr lang="en-US" sz="4800" dirty="0"/>
-              <a:t>Method: Cycle Checking</a:t>
-            </a:r>
-          </a:p>
-        </p:txBody>
-      </p:sp>
-      <p:sp>
-        <p:nvSpPr>
-          <p:cNvPr id="22" name="Rectangle 21">
-            <a:extLst>
-              <a:ext uri="{FF2B5EF4-FFF2-40B4-BE49-F238E27FC236}">
-                <a16:creationId xmlns:a16="http://schemas.microsoft.com/office/drawing/2014/main" id="{3A9A4357-BD1D-4622-A4FE-766E6AB8DE84}"/>
-              </a:ext>
-              <a:ext uri="{C183D7F6-B498-43B3-948B-1728B52AA6E4}">
-                <adec:decorative xmlns:adec="http://schemas.microsoft.com/office/drawing/2017/decorative" val="1"/>
-              </a:ext>
-            </a:extLst>
-          </p:cNvPr>
-          <p:cNvSpPr>
-            <a:spLocks noGrp="1" noRot="1" noChangeAspect="1" noMove="1" noResize="1" noEditPoints="1" noAdjustHandles="1" noChangeArrowheads="1" noChangeShapeType="1" noTextEdit="1"/>
-          </p:cNvSpPr>
-          <p:nvPr>
-            <p:extLst>
-              <p:ext uri="{386F3935-93C4-4BCD-93E2-E3B085C9AB24}">
-                <p16:designElem xmlns:p16="http://schemas.microsoft.com/office/powerpoint/2015/main" val="1"/>
-              </p:ext>
-            </p:extLst>
-          </p:nvPr>
-        </p:nvSpPr>
-        <p:spPr>
-          <a:xfrm flipH="1" flipV="1">
-            <a:off x="-2" y="1998845"/>
-            <a:ext cx="11454595" cy="781699"/>
-          </a:xfrm>
-          <a:prstGeom prst="rect">
-            <a:avLst/>
-          </a:prstGeom>
-          <a:solidFill>
-            <a:schemeClr val="accent4"/>
-          </a:solidFill>
-          <a:ln>
-            <a:noFill/>
-          </a:ln>
-        </p:spPr>
-        <p:style>
-          <a:lnRef idx="2">
-            <a:schemeClr val="accent1">
-              <a:shade val="50000"/>
-            </a:schemeClr>
-          </a:lnRef>
-          <a:fillRef idx="1">
-            <a:schemeClr val="accent1"/>
-          </a:fillRef>
-          <a:effectRef idx="0">
-            <a:schemeClr val="accent1"/>
-          </a:effectRef>
-          <a:fontRef idx="minor">
-            <a:schemeClr val="lt1"/>
-          </a:fontRef>
-        </p:style>
-        <p:txBody>
-          <a:bodyPr rtlCol="0" anchor="ctr"/>
-          <a:lstStyle/>
-          <a:p>
-            <a:pPr algn="ctr"/>
-            <a:endParaRPr lang="en-US"/>
-          </a:p>
-        </p:txBody>
-      </p:sp>
-      <p:sp>
-        <p:nvSpPr>
-          <p:cNvPr id="23" name="Rectangle 22">
-            <a:extLst>
-              <a:ext uri="{FF2B5EF4-FFF2-40B4-BE49-F238E27FC236}">
-                <a16:creationId xmlns:a16="http://schemas.microsoft.com/office/drawing/2014/main" id="{E659831F-0D9A-4C63-9EBB-8435B85A440F}"/>
-              </a:ext>
-              <a:ext uri="{C183D7F6-B498-43B3-948B-1728B52AA6E4}">
-                <adec:decorative xmlns:adec="http://schemas.microsoft.com/office/drawing/2017/decorative" val="1"/>
-              </a:ext>
-            </a:extLst>
-          </p:cNvPr>
-          <p:cNvSpPr>
-            <a:spLocks noGrp="1" noRot="1" noChangeAspect="1" noMove="1" noResize="1" noEditPoints="1" noAdjustHandles="1" noChangeArrowheads="1" noChangeShapeType="1" noTextEdit="1"/>
-          </p:cNvSpPr>
-          <p:nvPr>
-            <p:extLst>
-              <p:ext uri="{386F3935-93C4-4BCD-93E2-E3B085C9AB24}">
-                <p16:designElem xmlns:p16="http://schemas.microsoft.com/office/powerpoint/2015/main" val="1"/>
-              </p:ext>
-            </p:extLst>
-          </p:nvPr>
-        </p:nvSpPr>
-        <p:spPr>
-          <a:xfrm>
-            <a:off x="0" y="2203079"/>
-            <a:ext cx="11383362" cy="4267991"/>
-          </a:xfrm>
-          <a:prstGeom prst="rect">
-            <a:avLst/>
-          </a:prstGeom>
-          <a:solidFill>
-            <a:schemeClr val="bg1"/>
-          </a:solidFill>
-          <a:ln>
-            <a:noFill/>
-          </a:ln>
-          <a:effectLst>
-            <a:outerShdw blurRad="139700" dist="127000" dir="5400000" algn="t" rotWithShape="0">
-              <a:prstClr val="black">
-                <a:alpha val="15000"/>
-              </a:prstClr>
-            </a:outerShdw>
-          </a:effectLst>
-        </p:spPr>
-        <p:style>
-          <a:lnRef idx="2">
-            <a:schemeClr val="accent1">
-              <a:shade val="50000"/>
-            </a:schemeClr>
-          </a:lnRef>
-          <a:fillRef idx="1">
-            <a:schemeClr val="accent1"/>
-          </a:fillRef>
-          <a:effectRef idx="0">
-            <a:schemeClr val="accent1"/>
-          </a:effectRef>
-          <a:fontRef idx="minor">
-            <a:schemeClr val="lt1"/>
-          </a:fontRef>
-        </p:style>
-        <p:txBody>
-          <a:bodyPr rtlCol="0" anchor="ctr"/>
-          <a:lstStyle/>
-          <a:p>
-            <a:pPr algn="ctr"/>
-            <a:endParaRPr lang="en-US"/>
-          </a:p>
-        </p:txBody>
-      </p:sp>
-      <p:sp>
-        <p:nvSpPr>
-          <p:cNvPr id="3" name="Content Placeholder 2">
-            <a:extLst>
-              <a:ext uri="{FF2B5EF4-FFF2-40B4-BE49-F238E27FC236}">
-                <a16:creationId xmlns:a16="http://schemas.microsoft.com/office/drawing/2014/main" id="{0A8563CB-D1A5-95EB-8376-8ADC4573D578}"/>
-              </a:ext>
-            </a:extLst>
-          </p:cNvPr>
-          <p:cNvSpPr>
-            <a:spLocks noGrp="1"/>
-          </p:cNvSpPr>
-          <p:nvPr>
-            <p:ph idx="1"/>
-          </p:nvPr>
-        </p:nvSpPr>
-        <p:spPr>
-          <a:xfrm>
-            <a:off x="793661" y="2599509"/>
-            <a:ext cx="4530898" cy="3639450"/>
-          </a:xfrm>
-        </p:spPr>
-        <p:txBody>
-          <a:bodyPr anchor="ctr">
-            <a:normAutofit/>
-          </a:bodyPr>
-          <a:lstStyle/>
-          <a:p>
-            <a:pPr marL="514350" indent="-514350">
-              <a:buFont typeface="+mj-lt"/>
-              <a:buAutoNum type="arabicPeriod"/>
-            </a:pPr>
-            <a:r>
-              <a:rPr lang="en-US" sz="2000"/>
-              <a:t>Construct graph</a:t>
-            </a:r>
-          </a:p>
-          <a:p>
-            <a:pPr marL="514350" indent="-514350">
-              <a:buFont typeface="+mj-lt"/>
-              <a:buAutoNum type="arabicPeriod"/>
-            </a:pPr>
-            <a:r>
-              <a:rPr lang="en-US" sz="2000"/>
-              <a:t>Perform DFS</a:t>
-            </a:r>
-          </a:p>
-          <a:p>
-            <a:pPr marL="514350" indent="-514350">
-              <a:buFont typeface="+mj-lt"/>
-              <a:buAutoNum type="arabicPeriod"/>
-            </a:pPr>
-            <a:r>
-              <a:rPr lang="en-US" sz="2000"/>
-              <a:t>Analyze cycles</a:t>
-            </a:r>
-          </a:p>
-        </p:txBody>
-      </p:sp>
-      <p:pic>
-        <p:nvPicPr>
-          <p:cNvPr id="5" name="Picture 4">
-            <a:extLst>
-              <a:ext uri="{FF2B5EF4-FFF2-40B4-BE49-F238E27FC236}">
-                <a16:creationId xmlns:a16="http://schemas.microsoft.com/office/drawing/2014/main" id="{EAB8744A-D3E5-8E44-644D-86F2DC32B269}"/>
-              </a:ext>
-            </a:extLst>
-          </p:cNvPr>
-          <p:cNvPicPr>
-            <a:picLocks noChangeAspect="1"/>
-          </p:cNvPicPr>
-          <p:nvPr/>
-        </p:nvPicPr>
-        <p:blipFill>
-          <a:blip r:embed="rId2"/>
-          <a:stretch>
-            <a:fillRect/>
-          </a:stretch>
-        </p:blipFill>
-        <p:spPr>
-          <a:xfrm>
-            <a:off x="4526460" y="2519681"/>
-            <a:ext cx="6535349" cy="3006260"/>
-          </a:xfrm>
-          <a:prstGeom prst="rect">
-            <a:avLst/>
-          </a:prstGeom>
-        </p:spPr>
-      </p:pic>
-      <p:sp>
-        <p:nvSpPr>
-          <p:cNvPr id="24" name="Rectangle 23">
-            <a:extLst>
-              <a:ext uri="{FF2B5EF4-FFF2-40B4-BE49-F238E27FC236}">
-                <a16:creationId xmlns:a16="http://schemas.microsoft.com/office/drawing/2014/main" id="{E6995CE5-F890-4ABA-82A2-26507CE8D2A3}"/>
-              </a:ext>
-              <a:ext uri="{C183D7F6-B498-43B3-948B-1728B52AA6E4}">
-                <adec:decorative xmlns:adec="http://schemas.microsoft.com/office/drawing/2017/decorative" val="1"/>
-              </a:ext>
-            </a:extLst>
-          </p:cNvPr>
-          <p:cNvSpPr>
-            <a:spLocks noGrp="1" noRot="1" noChangeAspect="1" noMove="1" noResize="1" noEditPoints="1" noAdjustHandles="1" noChangeArrowheads="1" noChangeShapeType="1" noTextEdit="1"/>
-          </p:cNvSpPr>
-          <p:nvPr>
-            <p:extLst>
-              <p:ext uri="{386F3935-93C4-4BCD-93E2-E3B085C9AB24}">
-                <p16:designElem xmlns:p16="http://schemas.microsoft.com/office/powerpoint/2015/main" val="1"/>
-              </p:ext>
-            </p:extLst>
-          </p:nvPr>
-        </p:nvSpPr>
-        <p:spPr>
-          <a:xfrm rot="5400000">
-            <a:off x="11228040" y="2313027"/>
-            <a:ext cx="781700" cy="152382"/>
-          </a:xfrm>
-          <a:prstGeom prst="rect">
-            <a:avLst/>
-          </a:prstGeom>
-          <a:solidFill>
-            <a:schemeClr val="accent4"/>
-          </a:solidFill>
-          <a:ln>
-            <a:noFill/>
-          </a:ln>
-        </p:spPr>
-        <p:style>
-          <a:lnRef idx="2">
-            <a:schemeClr val="accent1">
-              <a:shade val="50000"/>
-            </a:schemeClr>
-          </a:lnRef>
-          <a:fillRef idx="1">
-            <a:schemeClr val="accent1"/>
-          </a:fillRef>
-          <a:effectRef idx="0">
-            <a:schemeClr val="accent1"/>
-          </a:effectRef>
-          <a:fontRef idx="minor">
-            <a:schemeClr val="lt1"/>
-          </a:fontRef>
-        </p:style>
-        <p:txBody>
-          <a:bodyPr rtlCol="0" anchor="ctr"/>
-          <a:lstStyle/>
-          <a:p>
-            <a:pPr algn="ctr"/>
-            <a:endParaRPr lang="en-US"/>
-          </a:p>
-        </p:txBody>
-      </p:sp>
-    </p:spTree>
-    <p:extLst>
-      <p:ext uri="{BB962C8B-B14F-4D97-AF65-F5344CB8AC3E}">
-        <p14:creationId xmlns:p14="http://schemas.microsoft.com/office/powerpoint/2010/main" val="3177037328"/>
-      </p:ext>
-    </p:extLst>
-  </p:cSld>
-  <p:clrMapOvr>
-    <a:masterClrMapping/>
-  </p:clrMapOvr>
-</p:sld>
-</file>
-
-<file path=ppt/slides/slide9.xml><?xml version="1.0" encoding="utf-8"?>
-<p:sld xmlns:a="http://schemas.openxmlformats.org/drawingml/2006/main" xmlns:r="http://schemas.openxmlformats.org/officeDocument/2006/relationships" xmlns:p="http://schemas.openxmlformats.org/presentationml/2006/main">
-  <p:cSld>
-    <p:bg>
-      <p:bgPr>
-        <a:solidFill>
-          <a:schemeClr val="bg1"/>
-        </a:solidFill>
-        <a:effectLst/>
-      </p:bgPr>
-    </p:bg>
-    <p:spTree>
-      <p:nvGrpSpPr>
-        <p:cNvPr id="1" name=""/>
-        <p:cNvGrpSpPr/>
-        <p:nvPr/>
-      </p:nvGrpSpPr>
-      <p:grpSpPr>
-        <a:xfrm>
-          <a:off x="0" y="0"/>
-          <a:ext cx="0" cy="0"/>
-          <a:chOff x="0" y="0"/>
-          <a:chExt cx="0" cy="0"/>
-        </a:xfrm>
-      </p:grpSpPr>
-      <p:sp useBgFill="1">
-        <p:nvSpPr>
-          <p:cNvPr id="8" name="Rectangle 7">
-            <a:extLst>
-              <a:ext uri="{FF2B5EF4-FFF2-40B4-BE49-F238E27FC236}">
-                <a16:creationId xmlns:a16="http://schemas.microsoft.com/office/drawing/2014/main" id="{DBF61EA3-B236-439E-9C0B-340980D56BEE}"/>
-              </a:ext>
-              <a:ext uri="{C183D7F6-B498-43B3-948B-1728B52AA6E4}">
-                <adec:decorative xmlns:adec="http://schemas.microsoft.com/office/drawing/2017/decorative" val="1"/>
-              </a:ext>
-            </a:extLst>
-          </p:cNvPr>
-          <p:cNvSpPr>
-            <a:spLocks noGrp="1" noRot="1" noChangeAspect="1" noMove="1" noResize="1" noEditPoints="1" noAdjustHandles="1" noChangeArrowheads="1" noChangeShapeType="1" noTextEdit="1"/>
-          </p:cNvSpPr>
-          <p:nvPr>
-            <p:extLst>
-              <p:ext uri="{386F3935-93C4-4BCD-93E2-E3B085C9AB24}">
-                <p16:designElem xmlns:p16="http://schemas.microsoft.com/office/powerpoint/2015/main" val="1"/>
-              </p:ext>
-            </p:extLst>
-          </p:nvPr>
-        </p:nvSpPr>
-        <p:spPr>
-          <a:xfrm>
-            <a:off x="0" y="0"/>
-            <a:ext cx="12191999" cy="6857365"/>
-          </a:xfrm>
-          <a:prstGeom prst="rect">
-            <a:avLst/>
-          </a:prstGeom>
-          <a:ln>
-            <a:noFill/>
-          </a:ln>
-        </p:spPr>
-        <p:style>
-          <a:lnRef idx="2">
-            <a:schemeClr val="accent1">
-              <a:shade val="50000"/>
-            </a:schemeClr>
-          </a:lnRef>
-          <a:fillRef idx="1">
-            <a:schemeClr val="accent1"/>
-          </a:fillRef>
-          <a:effectRef idx="0">
-            <a:schemeClr val="accent1"/>
-          </a:effectRef>
-          <a:fontRef idx="minor">
-            <a:schemeClr val="lt1"/>
-          </a:fontRef>
-        </p:style>
-        <p:txBody>
-          <a:bodyPr rtlCol="0" anchor="ctr"/>
-          <a:lstStyle/>
-          <a:p>
-            <a:pPr algn="ctr"/>
-            <a:endParaRPr lang="en-US"/>
-          </a:p>
-        </p:txBody>
-      </p:sp>
-      <p:sp>
-        <p:nvSpPr>
-          <p:cNvPr id="2" name="Title 1">
-            <a:extLst>
-              <a:ext uri="{FF2B5EF4-FFF2-40B4-BE49-F238E27FC236}">
-                <a16:creationId xmlns:a16="http://schemas.microsoft.com/office/drawing/2014/main" id="{57A079FC-FB7D-DBB3-D604-A46BE67DA5BB}"/>
+                <a16:creationId xmlns:a16="http://schemas.microsoft.com/office/drawing/2014/main" id="{F4D82B8D-7B08-F093-80E1-53AFC68084A8}"/>
               </a:ext>
             </a:extLst>
           </p:cNvPr>
@@ -8555,8 +9674,8 @@
           <a:lstStyle/>
           <a:p>
             <a:r>
-              <a:rPr lang="en-US" sz="5400" dirty="0"/>
-              <a:t>Outcome</a:t>
+              <a:rPr lang="en-US" sz="5400"/>
+              <a:t>Goals</a:t>
             </a:r>
           </a:p>
         </p:txBody>
@@ -8790,7 +9909,7 @@
           <p:cNvPr id="3" name="Content Placeholder 2">
             <a:extLst>
               <a:ext uri="{FF2B5EF4-FFF2-40B4-BE49-F238E27FC236}">
-                <a16:creationId xmlns:a16="http://schemas.microsoft.com/office/drawing/2014/main" id="{BBB0DC33-973E-A858-2D7A-26A5CDB60EC5}"/>
+                <a16:creationId xmlns:a16="http://schemas.microsoft.com/office/drawing/2014/main" id="{7FCB8889-8AFF-9F67-3F86-AF133A200A75}"/>
               </a:ext>
             </a:extLst>
           </p:cNvPr>
@@ -8815,21 +9934,1435 @@
           <a:p>
             <a:r>
               <a:rPr lang="en-US" sz="2400" dirty="0"/>
-              <a:t>With these methods for generation and analysis, I generated ~1.2million systems and found exactly zero of them with the desired property.</a:t>
-            </a:r>
-          </a:p>
-          <a:p>
-            <a:r>
-              <a:rPr lang="en-US" sz="2400" dirty="0"/>
-              <a:t>Disappointing, but unsurprising, as a system with less complexity has 14.7 quadrillion different forms. 1.2 million barely scratches the surface.</a:t>
-            </a:r>
+              <a:t>The goal of the research project was as follows:</a:t>
+            </a:r>
+          </a:p>
+          <a:p>
+            <a:pPr lvl="1"/>
+            <a:r>
+              <a:rPr lang="en-US" dirty="0"/>
+              <a:t>Reliable algorithm for quick generation of an STS(n) with a given n.</a:t>
+            </a:r>
+          </a:p>
+          <a:p>
+            <a:pPr lvl="1"/>
+            <a:r>
+              <a:rPr lang="en-US" dirty="0"/>
+              <a:t>After that, algorithm for processing these generated systems to analyze their circumferences</a:t>
+            </a:r>
+          </a:p>
+          <a:p>
+            <a:pPr lvl="1"/>
+            <a:r>
+              <a:rPr lang="en-US" dirty="0"/>
+              <a:t>Ideally looking for an STS(25) with a circumference of at most 12.</a:t>
+            </a:r>
+          </a:p>
+          <a:p>
+            <a:pPr lvl="1"/>
+            <a:endParaRPr lang="en-US" dirty="0"/>
           </a:p>
         </p:txBody>
       </p:sp>
     </p:spTree>
     <p:extLst>
       <p:ext uri="{BB962C8B-B14F-4D97-AF65-F5344CB8AC3E}">
-        <p14:creationId xmlns:p14="http://schemas.microsoft.com/office/powerpoint/2010/main" val="2330558070"/>
+        <p14:creationId xmlns:p14="http://schemas.microsoft.com/office/powerpoint/2010/main" val="2782855673"/>
+      </p:ext>
+    </p:extLst>
+  </p:cSld>
+  <p:clrMapOvr>
+    <a:masterClrMapping/>
+  </p:clrMapOvr>
+</p:sld>
+</file>
+
+<file path=ppt/slides/slide7.xml><?xml version="1.0" encoding="utf-8"?>
+<p:sld xmlns:a="http://schemas.openxmlformats.org/drawingml/2006/main" xmlns:r="http://schemas.openxmlformats.org/officeDocument/2006/relationships" xmlns:p="http://schemas.openxmlformats.org/presentationml/2006/main">
+  <p:cSld>
+    <p:bg>
+      <p:bgPr>
+        <a:solidFill>
+          <a:schemeClr val="bg1"/>
+        </a:solidFill>
+        <a:effectLst/>
+      </p:bgPr>
+    </p:bg>
+    <p:spTree>
+      <p:nvGrpSpPr>
+        <p:cNvPr id="1" name=""/>
+        <p:cNvGrpSpPr/>
+        <p:nvPr/>
+      </p:nvGrpSpPr>
+      <p:grpSpPr>
+        <a:xfrm>
+          <a:off x="0" y="0"/>
+          <a:ext cx="0" cy="0"/>
+          <a:chOff x="0" y="0"/>
+          <a:chExt cx="0" cy="0"/>
+        </a:xfrm>
+      </p:grpSpPr>
+      <p:sp useBgFill="1">
+        <p:nvSpPr>
+          <p:cNvPr id="17" name="Rectangle 16">
+            <a:extLst>
+              <a:ext uri="{FF2B5EF4-FFF2-40B4-BE49-F238E27FC236}">
+                <a16:creationId xmlns:a16="http://schemas.microsoft.com/office/drawing/2014/main" id="{058A14AF-9FB5-4CC7-BA35-E8E85D3EDF0E}"/>
+              </a:ext>
+              <a:ext uri="{C183D7F6-B498-43B3-948B-1728B52AA6E4}">
+                <adec:decorative xmlns:adec="http://schemas.microsoft.com/office/drawing/2017/decorative" val="1"/>
+              </a:ext>
+            </a:extLst>
+          </p:cNvPr>
+          <p:cNvSpPr>
+            <a:spLocks noGrp="1" noRot="1" noChangeAspect="1" noMove="1" noResize="1" noEditPoints="1" noAdjustHandles="1" noChangeArrowheads="1" noChangeShapeType="1" noTextEdit="1"/>
+          </p:cNvSpPr>
+          <p:nvPr>
+            <p:extLst>
+              <p:ext uri="{386F3935-93C4-4BCD-93E2-E3B085C9AB24}">
+                <p16:designElem xmlns:p16="http://schemas.microsoft.com/office/powerpoint/2015/main" val="1"/>
+              </p:ext>
+            </p:extLst>
+          </p:nvPr>
+        </p:nvSpPr>
+        <p:spPr>
+          <a:xfrm>
+            <a:off x="0" y="0"/>
+            <a:ext cx="12191999" cy="6857365"/>
+          </a:xfrm>
+          <a:prstGeom prst="rect">
+            <a:avLst/>
+          </a:prstGeom>
+          <a:ln>
+            <a:noFill/>
+          </a:ln>
+        </p:spPr>
+        <p:style>
+          <a:lnRef idx="2">
+            <a:schemeClr val="accent1">
+              <a:shade val="50000"/>
+            </a:schemeClr>
+          </a:lnRef>
+          <a:fillRef idx="1">
+            <a:schemeClr val="accent1"/>
+          </a:fillRef>
+          <a:effectRef idx="0">
+            <a:schemeClr val="accent1"/>
+          </a:effectRef>
+          <a:fontRef idx="minor">
+            <a:schemeClr val="lt1"/>
+          </a:fontRef>
+        </p:style>
+        <p:txBody>
+          <a:bodyPr rtlCol="0" anchor="ctr"/>
+          <a:lstStyle/>
+          <a:p>
+            <a:pPr algn="ctr"/>
+            <a:endParaRPr lang="en-US"/>
+          </a:p>
+        </p:txBody>
+      </p:sp>
+      <p:sp>
+        <p:nvSpPr>
+          <p:cNvPr id="2" name="Title 1">
+            <a:extLst>
+              <a:ext uri="{FF2B5EF4-FFF2-40B4-BE49-F238E27FC236}">
+                <a16:creationId xmlns:a16="http://schemas.microsoft.com/office/drawing/2014/main" id="{4110B4E2-06B8-4E1A-3808-2A100D8EB253}"/>
+              </a:ext>
+            </a:extLst>
+          </p:cNvPr>
+          <p:cNvSpPr>
+            <a:spLocks noGrp="1"/>
+          </p:cNvSpPr>
+          <p:nvPr>
+            <p:ph type="title"/>
+          </p:nvPr>
+        </p:nvSpPr>
+        <p:spPr>
+          <a:xfrm>
+            <a:off x="793662" y="386930"/>
+            <a:ext cx="10066122" cy="1298448"/>
+          </a:xfrm>
+        </p:spPr>
+        <p:txBody>
+          <a:bodyPr anchor="b">
+            <a:normAutofit/>
+          </a:bodyPr>
+          <a:lstStyle/>
+          <a:p>
+            <a:r>
+              <a:rPr lang="en-US" sz="4800" dirty="0"/>
+              <a:t>Method: Generation</a:t>
+            </a:r>
+          </a:p>
+        </p:txBody>
+      </p:sp>
+      <p:sp>
+        <p:nvSpPr>
+          <p:cNvPr id="18" name="Rectangle 17">
+            <a:extLst>
+              <a:ext uri="{FF2B5EF4-FFF2-40B4-BE49-F238E27FC236}">
+                <a16:creationId xmlns:a16="http://schemas.microsoft.com/office/drawing/2014/main" id="{3A9A4357-BD1D-4622-A4FE-766E6AB8DE84}"/>
+              </a:ext>
+              <a:ext uri="{C183D7F6-B498-43B3-948B-1728B52AA6E4}">
+                <adec:decorative xmlns:adec="http://schemas.microsoft.com/office/drawing/2017/decorative" val="1"/>
+              </a:ext>
+            </a:extLst>
+          </p:cNvPr>
+          <p:cNvSpPr>
+            <a:spLocks noGrp="1" noRot="1" noChangeAspect="1" noMove="1" noResize="1" noEditPoints="1" noAdjustHandles="1" noChangeArrowheads="1" noChangeShapeType="1" noTextEdit="1"/>
+          </p:cNvSpPr>
+          <p:nvPr>
+            <p:extLst>
+              <p:ext uri="{386F3935-93C4-4BCD-93E2-E3B085C9AB24}">
+                <p16:designElem xmlns:p16="http://schemas.microsoft.com/office/powerpoint/2015/main" val="1"/>
+              </p:ext>
+            </p:extLst>
+          </p:nvPr>
+        </p:nvSpPr>
+        <p:spPr>
+          <a:xfrm flipH="1" flipV="1">
+            <a:off x="-2" y="1998845"/>
+            <a:ext cx="11454595" cy="781699"/>
+          </a:xfrm>
+          <a:prstGeom prst="rect">
+            <a:avLst/>
+          </a:prstGeom>
+          <a:solidFill>
+            <a:schemeClr val="accent4"/>
+          </a:solidFill>
+          <a:ln>
+            <a:noFill/>
+          </a:ln>
+        </p:spPr>
+        <p:style>
+          <a:lnRef idx="2">
+            <a:schemeClr val="accent1">
+              <a:shade val="50000"/>
+            </a:schemeClr>
+          </a:lnRef>
+          <a:fillRef idx="1">
+            <a:schemeClr val="accent1"/>
+          </a:fillRef>
+          <a:effectRef idx="0">
+            <a:schemeClr val="accent1"/>
+          </a:effectRef>
+          <a:fontRef idx="minor">
+            <a:schemeClr val="lt1"/>
+          </a:fontRef>
+        </p:style>
+        <p:txBody>
+          <a:bodyPr rtlCol="0" anchor="ctr"/>
+          <a:lstStyle/>
+          <a:p>
+            <a:pPr algn="ctr"/>
+            <a:endParaRPr lang="en-US"/>
+          </a:p>
+        </p:txBody>
+      </p:sp>
+      <p:sp>
+        <p:nvSpPr>
+          <p:cNvPr id="19" name="Rectangle 18">
+            <a:extLst>
+              <a:ext uri="{FF2B5EF4-FFF2-40B4-BE49-F238E27FC236}">
+                <a16:creationId xmlns:a16="http://schemas.microsoft.com/office/drawing/2014/main" id="{E659831F-0D9A-4C63-9EBB-8435B85A440F}"/>
+              </a:ext>
+              <a:ext uri="{C183D7F6-B498-43B3-948B-1728B52AA6E4}">
+                <adec:decorative xmlns:adec="http://schemas.microsoft.com/office/drawing/2017/decorative" val="1"/>
+              </a:ext>
+            </a:extLst>
+          </p:cNvPr>
+          <p:cNvSpPr>
+            <a:spLocks noGrp="1" noRot="1" noChangeAspect="1" noMove="1" noResize="1" noEditPoints="1" noAdjustHandles="1" noChangeArrowheads="1" noChangeShapeType="1" noTextEdit="1"/>
+          </p:cNvSpPr>
+          <p:nvPr>
+            <p:extLst>
+              <p:ext uri="{386F3935-93C4-4BCD-93E2-E3B085C9AB24}">
+                <p16:designElem xmlns:p16="http://schemas.microsoft.com/office/powerpoint/2015/main" val="1"/>
+              </p:ext>
+            </p:extLst>
+          </p:nvPr>
+        </p:nvSpPr>
+        <p:spPr>
+          <a:xfrm>
+            <a:off x="0" y="2203079"/>
+            <a:ext cx="11383362" cy="4267991"/>
+          </a:xfrm>
+          <a:prstGeom prst="rect">
+            <a:avLst/>
+          </a:prstGeom>
+          <a:solidFill>
+            <a:schemeClr val="bg1"/>
+          </a:solidFill>
+          <a:ln>
+            <a:noFill/>
+          </a:ln>
+          <a:effectLst>
+            <a:outerShdw blurRad="139700" dist="127000" dir="5400000" algn="t" rotWithShape="0">
+              <a:prstClr val="black">
+                <a:alpha val="15000"/>
+              </a:prstClr>
+            </a:outerShdw>
+          </a:effectLst>
+        </p:spPr>
+        <p:style>
+          <a:lnRef idx="2">
+            <a:schemeClr val="accent1">
+              <a:shade val="50000"/>
+            </a:schemeClr>
+          </a:lnRef>
+          <a:fillRef idx="1">
+            <a:schemeClr val="accent1"/>
+          </a:fillRef>
+          <a:effectRef idx="0">
+            <a:schemeClr val="accent1"/>
+          </a:effectRef>
+          <a:fontRef idx="minor">
+            <a:schemeClr val="lt1"/>
+          </a:fontRef>
+        </p:style>
+        <p:txBody>
+          <a:bodyPr rtlCol="0" anchor="ctr"/>
+          <a:lstStyle/>
+          <a:p>
+            <a:pPr algn="ctr"/>
+            <a:endParaRPr lang="en-US"/>
+          </a:p>
+        </p:txBody>
+      </p:sp>
+      <p:sp>
+        <p:nvSpPr>
+          <p:cNvPr id="3" name="Content Placeholder 2">
+            <a:extLst>
+              <a:ext uri="{FF2B5EF4-FFF2-40B4-BE49-F238E27FC236}">
+                <a16:creationId xmlns:a16="http://schemas.microsoft.com/office/drawing/2014/main" id="{CF364F24-2E4D-00B4-6702-F487E3EBE782}"/>
+              </a:ext>
+            </a:extLst>
+          </p:cNvPr>
+          <p:cNvSpPr>
+            <a:spLocks noGrp="1"/>
+          </p:cNvSpPr>
+          <p:nvPr>
+            <p:ph idx="1"/>
+          </p:nvPr>
+        </p:nvSpPr>
+        <p:spPr>
+          <a:xfrm>
+            <a:off x="690317" y="2218046"/>
+            <a:ext cx="4530898" cy="4162434"/>
+          </a:xfrm>
+        </p:spPr>
+        <p:txBody>
+          <a:bodyPr anchor="ctr">
+            <a:normAutofit/>
+          </a:bodyPr>
+          <a:lstStyle/>
+          <a:p>
+            <a:r>
+              <a:rPr lang="en-US" sz="1400" dirty="0"/>
+              <a:t>Stinson’s Algorithm, as described in </a:t>
+            </a:r>
+            <a:r>
+              <a:rPr lang="en-US" sz="1400" i="1" dirty="0"/>
+              <a:t>Combinatorial Algorithms: Generation, Enumeration, and Search</a:t>
+            </a:r>
+            <a:r>
+              <a:rPr lang="en-US" sz="1400" dirty="0"/>
+              <a:t>.</a:t>
+            </a:r>
+          </a:p>
+          <a:p>
+            <a:r>
+              <a:rPr lang="en-US" sz="1400" dirty="0"/>
+              <a:t>A “hill-climbing” algorithm which continues adding triples into a group until that n(n-1)/6 number is reached.</a:t>
+            </a:r>
+          </a:p>
+          <a:p>
+            <a:pPr lvl="1"/>
+            <a:r>
+              <a:rPr lang="en-US" sz="1400" dirty="0"/>
+              <a:t>Find a number that isn’t in enough groups yet</a:t>
+            </a:r>
+          </a:p>
+          <a:p>
+            <a:pPr lvl="1"/>
+            <a:r>
+              <a:rPr lang="en-US" sz="1400" dirty="0"/>
+              <a:t>Pick two other numbers that haven’t been grouped with the first number</a:t>
+            </a:r>
+          </a:p>
+          <a:p>
+            <a:pPr lvl="1"/>
+            <a:r>
+              <a:rPr lang="en-US" sz="1400" dirty="0"/>
+              <a:t>Try to form a group with these three numbers</a:t>
+            </a:r>
+          </a:p>
+          <a:p>
+            <a:pPr lvl="1"/>
+            <a:r>
+              <a:rPr lang="en-US" sz="1400" dirty="0"/>
+              <a:t>If you can’t form a new group (i.e. invalid pairings), try swapping the offending element with another.</a:t>
+            </a:r>
+          </a:p>
+          <a:p>
+            <a:pPr lvl="1"/>
+            <a:r>
+              <a:rPr lang="en-US" sz="1400" dirty="0"/>
+              <a:t>Repeat until all triples are created.</a:t>
+            </a:r>
+          </a:p>
+          <a:p>
+            <a:r>
+              <a:rPr lang="en-US" sz="1400" dirty="0"/>
+              <a:t>Randomness included to create a non-deterministic generation</a:t>
+            </a:r>
+          </a:p>
+        </p:txBody>
+      </p:sp>
+      <p:pic>
+        <p:nvPicPr>
+          <p:cNvPr id="5" name="Picture 4">
+            <a:extLst>
+              <a:ext uri="{FF2B5EF4-FFF2-40B4-BE49-F238E27FC236}">
+                <a16:creationId xmlns:a16="http://schemas.microsoft.com/office/drawing/2014/main" id="{04AB2761-5AB6-AA27-A34E-681ED2CB4213}"/>
+              </a:ext>
+            </a:extLst>
+          </p:cNvPr>
+          <p:cNvPicPr>
+            <a:picLocks noChangeAspect="1"/>
+          </p:cNvPicPr>
+          <p:nvPr/>
+        </p:nvPicPr>
+        <p:blipFill>
+          <a:blip r:embed="rId2"/>
+          <a:stretch>
+            <a:fillRect/>
+          </a:stretch>
+        </p:blipFill>
+        <p:spPr>
+          <a:xfrm>
+            <a:off x="5911532" y="2595607"/>
+            <a:ext cx="5150277" cy="3491539"/>
+          </a:xfrm>
+          <a:prstGeom prst="rect">
+            <a:avLst/>
+          </a:prstGeom>
+        </p:spPr>
+      </p:pic>
+      <p:sp>
+        <p:nvSpPr>
+          <p:cNvPr id="16" name="Rectangle 15">
+            <a:extLst>
+              <a:ext uri="{FF2B5EF4-FFF2-40B4-BE49-F238E27FC236}">
+                <a16:creationId xmlns:a16="http://schemas.microsoft.com/office/drawing/2014/main" id="{E6995CE5-F890-4ABA-82A2-26507CE8D2A3}"/>
+              </a:ext>
+              <a:ext uri="{C183D7F6-B498-43B3-948B-1728B52AA6E4}">
+                <adec:decorative xmlns:adec="http://schemas.microsoft.com/office/drawing/2017/decorative" val="1"/>
+              </a:ext>
+            </a:extLst>
+          </p:cNvPr>
+          <p:cNvSpPr>
+            <a:spLocks noGrp="1" noRot="1" noChangeAspect="1" noMove="1" noResize="1" noEditPoints="1" noAdjustHandles="1" noChangeArrowheads="1" noChangeShapeType="1" noTextEdit="1"/>
+          </p:cNvSpPr>
+          <p:nvPr>
+            <p:extLst>
+              <p:ext uri="{386F3935-93C4-4BCD-93E2-E3B085C9AB24}">
+                <p16:designElem xmlns:p16="http://schemas.microsoft.com/office/powerpoint/2015/main" val="1"/>
+              </p:ext>
+            </p:extLst>
+          </p:nvPr>
+        </p:nvSpPr>
+        <p:spPr>
+          <a:xfrm rot="5400000">
+            <a:off x="11228040" y="2313027"/>
+            <a:ext cx="781700" cy="152382"/>
+          </a:xfrm>
+          <a:prstGeom prst="rect">
+            <a:avLst/>
+          </a:prstGeom>
+          <a:solidFill>
+            <a:schemeClr val="accent4"/>
+          </a:solidFill>
+          <a:ln>
+            <a:noFill/>
+          </a:ln>
+        </p:spPr>
+        <p:style>
+          <a:lnRef idx="2">
+            <a:schemeClr val="accent1">
+              <a:shade val="50000"/>
+            </a:schemeClr>
+          </a:lnRef>
+          <a:fillRef idx="1">
+            <a:schemeClr val="accent1"/>
+          </a:fillRef>
+          <a:effectRef idx="0">
+            <a:schemeClr val="accent1"/>
+          </a:effectRef>
+          <a:fontRef idx="minor">
+            <a:schemeClr val="lt1"/>
+          </a:fontRef>
+        </p:style>
+        <p:txBody>
+          <a:bodyPr rtlCol="0" anchor="ctr"/>
+          <a:lstStyle/>
+          <a:p>
+            <a:pPr algn="ctr"/>
+            <a:endParaRPr lang="en-US"/>
+          </a:p>
+        </p:txBody>
+      </p:sp>
+    </p:spTree>
+    <p:extLst>
+      <p:ext uri="{BB962C8B-B14F-4D97-AF65-F5344CB8AC3E}">
+        <p14:creationId xmlns:p14="http://schemas.microsoft.com/office/powerpoint/2010/main" val="2555409986"/>
+      </p:ext>
+    </p:extLst>
+  </p:cSld>
+  <p:clrMapOvr>
+    <a:masterClrMapping/>
+  </p:clrMapOvr>
+</p:sld>
+</file>
+
+<file path=ppt/slides/slide8.xml><?xml version="1.0" encoding="utf-8"?>
+<p:sld xmlns:a="http://schemas.openxmlformats.org/drawingml/2006/main" xmlns:r="http://schemas.openxmlformats.org/officeDocument/2006/relationships" xmlns:p="http://schemas.openxmlformats.org/presentationml/2006/main">
+  <p:cSld>
+    <p:bg>
+      <p:bgPr>
+        <a:solidFill>
+          <a:schemeClr val="bg1"/>
+        </a:solidFill>
+        <a:effectLst/>
+      </p:bgPr>
+    </p:bg>
+    <p:spTree>
+      <p:nvGrpSpPr>
+        <p:cNvPr id="1" name=""/>
+        <p:cNvGrpSpPr/>
+        <p:nvPr/>
+      </p:nvGrpSpPr>
+      <p:grpSpPr>
+        <a:xfrm>
+          <a:off x="0" y="0"/>
+          <a:ext cx="0" cy="0"/>
+          <a:chOff x="0" y="0"/>
+          <a:chExt cx="0" cy="0"/>
+        </a:xfrm>
+      </p:grpSpPr>
+      <p:sp useBgFill="1">
+        <p:nvSpPr>
+          <p:cNvPr id="21" name="Rectangle 20">
+            <a:extLst>
+              <a:ext uri="{FF2B5EF4-FFF2-40B4-BE49-F238E27FC236}">
+                <a16:creationId xmlns:a16="http://schemas.microsoft.com/office/drawing/2014/main" id="{058A14AF-9FB5-4CC7-BA35-E8E85D3EDF0E}"/>
+              </a:ext>
+              <a:ext uri="{C183D7F6-B498-43B3-948B-1728B52AA6E4}">
+                <adec:decorative xmlns:adec="http://schemas.microsoft.com/office/drawing/2017/decorative" val="1"/>
+              </a:ext>
+            </a:extLst>
+          </p:cNvPr>
+          <p:cNvSpPr>
+            <a:spLocks noGrp="1" noRot="1" noChangeAspect="1" noMove="1" noResize="1" noEditPoints="1" noAdjustHandles="1" noChangeArrowheads="1" noChangeShapeType="1" noTextEdit="1"/>
+          </p:cNvSpPr>
+          <p:nvPr>
+            <p:extLst>
+              <p:ext uri="{386F3935-93C4-4BCD-93E2-E3B085C9AB24}">
+                <p16:designElem xmlns:p16="http://schemas.microsoft.com/office/powerpoint/2015/main" val="1"/>
+              </p:ext>
+            </p:extLst>
+          </p:nvPr>
+        </p:nvSpPr>
+        <p:spPr>
+          <a:xfrm>
+            <a:off x="0" y="0"/>
+            <a:ext cx="12191999" cy="6857365"/>
+          </a:xfrm>
+          <a:prstGeom prst="rect">
+            <a:avLst/>
+          </a:prstGeom>
+          <a:ln>
+            <a:noFill/>
+          </a:ln>
+        </p:spPr>
+        <p:style>
+          <a:lnRef idx="2">
+            <a:schemeClr val="accent1">
+              <a:shade val="50000"/>
+            </a:schemeClr>
+          </a:lnRef>
+          <a:fillRef idx="1">
+            <a:schemeClr val="accent1"/>
+          </a:fillRef>
+          <a:effectRef idx="0">
+            <a:schemeClr val="accent1"/>
+          </a:effectRef>
+          <a:fontRef idx="minor">
+            <a:schemeClr val="lt1"/>
+          </a:fontRef>
+        </p:style>
+        <p:txBody>
+          <a:bodyPr rtlCol="0" anchor="ctr"/>
+          <a:lstStyle/>
+          <a:p>
+            <a:pPr algn="ctr"/>
+            <a:endParaRPr lang="en-US"/>
+          </a:p>
+        </p:txBody>
+      </p:sp>
+      <p:sp>
+        <p:nvSpPr>
+          <p:cNvPr id="2" name="Title 1">
+            <a:extLst>
+              <a:ext uri="{FF2B5EF4-FFF2-40B4-BE49-F238E27FC236}">
+                <a16:creationId xmlns:a16="http://schemas.microsoft.com/office/drawing/2014/main" id="{A5E337BE-B91F-15D2-D2F5-092F0B155614}"/>
+              </a:ext>
+            </a:extLst>
+          </p:cNvPr>
+          <p:cNvSpPr>
+            <a:spLocks noGrp="1"/>
+          </p:cNvSpPr>
+          <p:nvPr>
+            <p:ph type="title"/>
+          </p:nvPr>
+        </p:nvSpPr>
+        <p:spPr>
+          <a:xfrm>
+            <a:off x="793662" y="386930"/>
+            <a:ext cx="10066122" cy="1298448"/>
+          </a:xfrm>
+        </p:spPr>
+        <p:txBody>
+          <a:bodyPr anchor="b">
+            <a:normAutofit/>
+          </a:bodyPr>
+          <a:lstStyle/>
+          <a:p>
+            <a:r>
+              <a:rPr lang="en-US" sz="4800" dirty="0"/>
+              <a:t>Method: Cycle (Path) Checking</a:t>
+            </a:r>
+          </a:p>
+        </p:txBody>
+      </p:sp>
+      <p:sp>
+        <p:nvSpPr>
+          <p:cNvPr id="22" name="Rectangle 21">
+            <a:extLst>
+              <a:ext uri="{FF2B5EF4-FFF2-40B4-BE49-F238E27FC236}">
+                <a16:creationId xmlns:a16="http://schemas.microsoft.com/office/drawing/2014/main" id="{3A9A4357-BD1D-4622-A4FE-766E6AB8DE84}"/>
+              </a:ext>
+              <a:ext uri="{C183D7F6-B498-43B3-948B-1728B52AA6E4}">
+                <adec:decorative xmlns:adec="http://schemas.microsoft.com/office/drawing/2017/decorative" val="1"/>
+              </a:ext>
+            </a:extLst>
+          </p:cNvPr>
+          <p:cNvSpPr>
+            <a:spLocks noGrp="1" noRot="1" noChangeAspect="1" noMove="1" noResize="1" noEditPoints="1" noAdjustHandles="1" noChangeArrowheads="1" noChangeShapeType="1" noTextEdit="1"/>
+          </p:cNvSpPr>
+          <p:nvPr>
+            <p:extLst>
+              <p:ext uri="{386F3935-93C4-4BCD-93E2-E3B085C9AB24}">
+                <p16:designElem xmlns:p16="http://schemas.microsoft.com/office/powerpoint/2015/main" val="1"/>
+              </p:ext>
+            </p:extLst>
+          </p:nvPr>
+        </p:nvSpPr>
+        <p:spPr>
+          <a:xfrm flipH="1" flipV="1">
+            <a:off x="-2" y="1998845"/>
+            <a:ext cx="11454595" cy="781699"/>
+          </a:xfrm>
+          <a:prstGeom prst="rect">
+            <a:avLst/>
+          </a:prstGeom>
+          <a:solidFill>
+            <a:schemeClr val="accent4"/>
+          </a:solidFill>
+          <a:ln>
+            <a:noFill/>
+          </a:ln>
+        </p:spPr>
+        <p:style>
+          <a:lnRef idx="2">
+            <a:schemeClr val="accent1">
+              <a:shade val="50000"/>
+            </a:schemeClr>
+          </a:lnRef>
+          <a:fillRef idx="1">
+            <a:schemeClr val="accent1"/>
+          </a:fillRef>
+          <a:effectRef idx="0">
+            <a:schemeClr val="accent1"/>
+          </a:effectRef>
+          <a:fontRef idx="minor">
+            <a:schemeClr val="lt1"/>
+          </a:fontRef>
+        </p:style>
+        <p:txBody>
+          <a:bodyPr rtlCol="0" anchor="ctr"/>
+          <a:lstStyle/>
+          <a:p>
+            <a:pPr algn="ctr"/>
+            <a:endParaRPr lang="en-US"/>
+          </a:p>
+        </p:txBody>
+      </p:sp>
+      <p:sp>
+        <p:nvSpPr>
+          <p:cNvPr id="23" name="Rectangle 22">
+            <a:extLst>
+              <a:ext uri="{FF2B5EF4-FFF2-40B4-BE49-F238E27FC236}">
+                <a16:creationId xmlns:a16="http://schemas.microsoft.com/office/drawing/2014/main" id="{E659831F-0D9A-4C63-9EBB-8435B85A440F}"/>
+              </a:ext>
+              <a:ext uri="{C183D7F6-B498-43B3-948B-1728B52AA6E4}">
+                <adec:decorative xmlns:adec="http://schemas.microsoft.com/office/drawing/2017/decorative" val="1"/>
+              </a:ext>
+            </a:extLst>
+          </p:cNvPr>
+          <p:cNvSpPr>
+            <a:spLocks noGrp="1" noRot="1" noChangeAspect="1" noMove="1" noResize="1" noEditPoints="1" noAdjustHandles="1" noChangeArrowheads="1" noChangeShapeType="1" noTextEdit="1"/>
+          </p:cNvSpPr>
+          <p:nvPr>
+            <p:extLst>
+              <p:ext uri="{386F3935-93C4-4BCD-93E2-E3B085C9AB24}">
+                <p16:designElem xmlns:p16="http://schemas.microsoft.com/office/powerpoint/2015/main" val="1"/>
+              </p:ext>
+            </p:extLst>
+          </p:nvPr>
+        </p:nvSpPr>
+        <p:spPr>
+          <a:xfrm>
+            <a:off x="0" y="2203079"/>
+            <a:ext cx="11383362" cy="4267991"/>
+          </a:xfrm>
+          <a:prstGeom prst="rect">
+            <a:avLst/>
+          </a:prstGeom>
+          <a:solidFill>
+            <a:schemeClr val="bg1"/>
+          </a:solidFill>
+          <a:ln>
+            <a:noFill/>
+          </a:ln>
+          <a:effectLst>
+            <a:outerShdw blurRad="139700" dist="127000" dir="5400000" algn="t" rotWithShape="0">
+              <a:prstClr val="black">
+                <a:alpha val="15000"/>
+              </a:prstClr>
+            </a:outerShdw>
+          </a:effectLst>
+        </p:spPr>
+        <p:style>
+          <a:lnRef idx="2">
+            <a:schemeClr val="accent1">
+              <a:shade val="50000"/>
+            </a:schemeClr>
+          </a:lnRef>
+          <a:fillRef idx="1">
+            <a:schemeClr val="accent1"/>
+          </a:fillRef>
+          <a:effectRef idx="0">
+            <a:schemeClr val="accent1"/>
+          </a:effectRef>
+          <a:fontRef idx="minor">
+            <a:schemeClr val="lt1"/>
+          </a:fontRef>
+        </p:style>
+        <p:txBody>
+          <a:bodyPr rtlCol="0" anchor="ctr"/>
+          <a:lstStyle/>
+          <a:p>
+            <a:pPr algn="ctr"/>
+            <a:endParaRPr lang="en-US"/>
+          </a:p>
+        </p:txBody>
+      </p:sp>
+      <p:sp>
+        <p:nvSpPr>
+          <p:cNvPr id="3" name="Content Placeholder 2">
+            <a:extLst>
+              <a:ext uri="{FF2B5EF4-FFF2-40B4-BE49-F238E27FC236}">
+                <a16:creationId xmlns:a16="http://schemas.microsoft.com/office/drawing/2014/main" id="{0A8563CB-D1A5-95EB-8376-8ADC4573D578}"/>
+              </a:ext>
+            </a:extLst>
+          </p:cNvPr>
+          <p:cNvSpPr>
+            <a:spLocks noGrp="1"/>
+          </p:cNvSpPr>
+          <p:nvPr>
+            <p:ph idx="1"/>
+          </p:nvPr>
+        </p:nvSpPr>
+        <p:spPr>
+          <a:xfrm>
+            <a:off x="793661" y="2599509"/>
+            <a:ext cx="4530898" cy="3639450"/>
+          </a:xfrm>
+        </p:spPr>
+        <p:txBody>
+          <a:bodyPr anchor="ctr">
+            <a:normAutofit/>
+          </a:bodyPr>
+          <a:lstStyle/>
+          <a:p>
+            <a:pPr marL="514350" indent="-514350">
+              <a:buFont typeface="+mj-lt"/>
+              <a:buAutoNum type="arabicPeriod"/>
+            </a:pPr>
+            <a:r>
+              <a:rPr lang="en-US" sz="2000" dirty="0"/>
+              <a:t>Construct graph</a:t>
+            </a:r>
+          </a:p>
+          <a:p>
+            <a:pPr marL="514350" indent="-514350">
+              <a:buFont typeface="+mj-lt"/>
+              <a:buAutoNum type="arabicPeriod"/>
+            </a:pPr>
+            <a:r>
+              <a:rPr lang="en-US" sz="2000" dirty="0"/>
+              <a:t>Perform DFS</a:t>
+            </a:r>
+          </a:p>
+          <a:p>
+            <a:pPr marL="514350" indent="-514350">
+              <a:buFont typeface="+mj-lt"/>
+              <a:buAutoNum type="arabicPeriod"/>
+            </a:pPr>
+            <a:r>
+              <a:rPr lang="en-US" sz="2000" dirty="0"/>
+              <a:t>Analyze paths</a:t>
+            </a:r>
+          </a:p>
+        </p:txBody>
+      </p:sp>
+      <p:pic>
+        <p:nvPicPr>
+          <p:cNvPr id="5" name="Picture 4">
+            <a:extLst>
+              <a:ext uri="{FF2B5EF4-FFF2-40B4-BE49-F238E27FC236}">
+                <a16:creationId xmlns:a16="http://schemas.microsoft.com/office/drawing/2014/main" id="{EAB8744A-D3E5-8E44-644D-86F2DC32B269}"/>
+              </a:ext>
+            </a:extLst>
+          </p:cNvPr>
+          <p:cNvPicPr>
+            <a:picLocks noChangeAspect="1"/>
+          </p:cNvPicPr>
+          <p:nvPr/>
+        </p:nvPicPr>
+        <p:blipFill>
+          <a:blip r:embed="rId2"/>
+          <a:stretch>
+            <a:fillRect/>
+          </a:stretch>
+        </p:blipFill>
+        <p:spPr>
+          <a:xfrm>
+            <a:off x="4526460" y="2519681"/>
+            <a:ext cx="6535349" cy="3006260"/>
+          </a:xfrm>
+          <a:prstGeom prst="rect">
+            <a:avLst/>
+          </a:prstGeom>
+        </p:spPr>
+      </p:pic>
+      <p:sp>
+        <p:nvSpPr>
+          <p:cNvPr id="24" name="Rectangle 23">
+            <a:extLst>
+              <a:ext uri="{FF2B5EF4-FFF2-40B4-BE49-F238E27FC236}">
+                <a16:creationId xmlns:a16="http://schemas.microsoft.com/office/drawing/2014/main" id="{E6995CE5-F890-4ABA-82A2-26507CE8D2A3}"/>
+              </a:ext>
+              <a:ext uri="{C183D7F6-B498-43B3-948B-1728B52AA6E4}">
+                <adec:decorative xmlns:adec="http://schemas.microsoft.com/office/drawing/2017/decorative" val="1"/>
+              </a:ext>
+            </a:extLst>
+          </p:cNvPr>
+          <p:cNvSpPr>
+            <a:spLocks noGrp="1" noRot="1" noChangeAspect="1" noMove="1" noResize="1" noEditPoints="1" noAdjustHandles="1" noChangeArrowheads="1" noChangeShapeType="1" noTextEdit="1"/>
+          </p:cNvSpPr>
+          <p:nvPr>
+            <p:extLst>
+              <p:ext uri="{386F3935-93C4-4BCD-93E2-E3B085C9AB24}">
+                <p16:designElem xmlns:p16="http://schemas.microsoft.com/office/powerpoint/2015/main" val="1"/>
+              </p:ext>
+            </p:extLst>
+          </p:nvPr>
+        </p:nvSpPr>
+        <p:spPr>
+          <a:xfrm rot="5400000">
+            <a:off x="11228040" y="2313027"/>
+            <a:ext cx="781700" cy="152382"/>
+          </a:xfrm>
+          <a:prstGeom prst="rect">
+            <a:avLst/>
+          </a:prstGeom>
+          <a:solidFill>
+            <a:schemeClr val="accent4"/>
+          </a:solidFill>
+          <a:ln>
+            <a:noFill/>
+          </a:ln>
+        </p:spPr>
+        <p:style>
+          <a:lnRef idx="2">
+            <a:schemeClr val="accent1">
+              <a:shade val="50000"/>
+            </a:schemeClr>
+          </a:lnRef>
+          <a:fillRef idx="1">
+            <a:schemeClr val="accent1"/>
+          </a:fillRef>
+          <a:effectRef idx="0">
+            <a:schemeClr val="accent1"/>
+          </a:effectRef>
+          <a:fontRef idx="minor">
+            <a:schemeClr val="lt1"/>
+          </a:fontRef>
+        </p:style>
+        <p:txBody>
+          <a:bodyPr rtlCol="0" anchor="ctr"/>
+          <a:lstStyle/>
+          <a:p>
+            <a:pPr algn="ctr"/>
+            <a:endParaRPr lang="en-US"/>
+          </a:p>
+        </p:txBody>
+      </p:sp>
+    </p:spTree>
+    <p:extLst>
+      <p:ext uri="{BB962C8B-B14F-4D97-AF65-F5344CB8AC3E}">
+        <p14:creationId xmlns:p14="http://schemas.microsoft.com/office/powerpoint/2010/main" val="3177037328"/>
+      </p:ext>
+    </p:extLst>
+  </p:cSld>
+  <p:clrMapOvr>
+    <a:masterClrMapping/>
+  </p:clrMapOvr>
+</p:sld>
+</file>
+
+<file path=ppt/slides/slide9.xml><?xml version="1.0" encoding="utf-8"?>
+<p:sld xmlns:a="http://schemas.openxmlformats.org/drawingml/2006/main" xmlns:r="http://schemas.openxmlformats.org/officeDocument/2006/relationships" xmlns:p="http://schemas.openxmlformats.org/presentationml/2006/main">
+  <p:cSld>
+    <p:bg>
+      <p:bgPr>
+        <a:solidFill>
+          <a:schemeClr val="bg1"/>
+        </a:solidFill>
+        <a:effectLst/>
+      </p:bgPr>
+    </p:bg>
+    <p:spTree>
+      <p:nvGrpSpPr>
+        <p:cNvPr id="1" name=""/>
+        <p:cNvGrpSpPr/>
+        <p:nvPr/>
+      </p:nvGrpSpPr>
+      <p:grpSpPr>
+        <a:xfrm>
+          <a:off x="0" y="0"/>
+          <a:ext cx="0" cy="0"/>
+          <a:chOff x="0" y="0"/>
+          <a:chExt cx="0" cy="0"/>
+        </a:xfrm>
+      </p:grpSpPr>
+      <p:sp useBgFill="1">
+        <p:nvSpPr>
+          <p:cNvPr id="19" name="Rectangle 18">
+            <a:extLst>
+              <a:ext uri="{FF2B5EF4-FFF2-40B4-BE49-F238E27FC236}">
+                <a16:creationId xmlns:a16="http://schemas.microsoft.com/office/drawing/2014/main" id="{47942995-B07F-4636-9A06-C6A104B260A8}"/>
+              </a:ext>
+              <a:ext uri="{C183D7F6-B498-43B3-948B-1728B52AA6E4}">
+                <adec:decorative xmlns:adec="http://schemas.microsoft.com/office/drawing/2017/decorative" val="1"/>
+              </a:ext>
+            </a:extLst>
+          </p:cNvPr>
+          <p:cNvSpPr>
+            <a:spLocks noGrp="1" noRot="1" noChangeAspect="1" noMove="1" noResize="1" noEditPoints="1" noAdjustHandles="1" noChangeArrowheads="1" noChangeShapeType="1" noTextEdit="1"/>
+          </p:cNvSpPr>
+          <p:nvPr>
+            <p:extLst>
+              <p:ext uri="{386F3935-93C4-4BCD-93E2-E3B085C9AB24}">
+                <p16:designElem xmlns:p16="http://schemas.microsoft.com/office/powerpoint/2015/main" val="1"/>
+              </p:ext>
+            </p:extLst>
+          </p:nvPr>
+        </p:nvSpPr>
+        <p:spPr>
+          <a:xfrm>
+            <a:off x="0" y="0"/>
+            <a:ext cx="12191999" cy="6857365"/>
+          </a:xfrm>
+          <a:prstGeom prst="rect">
+            <a:avLst/>
+          </a:prstGeom>
+          <a:ln>
+            <a:noFill/>
+          </a:ln>
+        </p:spPr>
+        <p:style>
+          <a:lnRef idx="2">
+            <a:schemeClr val="accent1">
+              <a:shade val="50000"/>
+            </a:schemeClr>
+          </a:lnRef>
+          <a:fillRef idx="1">
+            <a:schemeClr val="accent1"/>
+          </a:fillRef>
+          <a:effectRef idx="0">
+            <a:schemeClr val="accent1"/>
+          </a:effectRef>
+          <a:fontRef idx="minor">
+            <a:schemeClr val="lt1"/>
+          </a:fontRef>
+        </p:style>
+        <p:txBody>
+          <a:bodyPr rtlCol="0" anchor="ctr"/>
+          <a:lstStyle/>
+          <a:p>
+            <a:pPr algn="ctr"/>
+            <a:endParaRPr lang="en-US"/>
+          </a:p>
+        </p:txBody>
+      </p:sp>
+      <p:sp>
+        <p:nvSpPr>
+          <p:cNvPr id="2" name="Title 1">
+            <a:extLst>
+              <a:ext uri="{FF2B5EF4-FFF2-40B4-BE49-F238E27FC236}">
+                <a16:creationId xmlns:a16="http://schemas.microsoft.com/office/drawing/2014/main" id="{69F17ECA-0EFD-C53E-65AF-2D7A6D4EC4E2}"/>
+              </a:ext>
+            </a:extLst>
+          </p:cNvPr>
+          <p:cNvSpPr>
+            <a:spLocks noGrp="1"/>
+          </p:cNvSpPr>
+          <p:nvPr>
+            <p:ph type="title"/>
+          </p:nvPr>
+        </p:nvSpPr>
+        <p:spPr>
+          <a:xfrm>
+            <a:off x="1113809" y="2960716"/>
+            <a:ext cx="4304168" cy="2387600"/>
+          </a:xfrm>
+        </p:spPr>
+        <p:txBody>
+          <a:bodyPr vert="horz" lIns="91440" tIns="45720" rIns="91440" bIns="45720" rtlCol="0" anchor="t">
+            <a:normAutofit/>
+          </a:bodyPr>
+          <a:lstStyle/>
+          <a:p>
+            <a:r>
+              <a:rPr lang="en-US" sz="5000" dirty="0"/>
+              <a:t>Circumference:</a:t>
+            </a:r>
+            <a:br>
+              <a:rPr lang="en-US" sz="5000" dirty="0"/>
+            </a:br>
+            <a:r>
+              <a:rPr lang="en-US" sz="5000" dirty="0"/>
+              <a:t>Full Graph</a:t>
+            </a:r>
+            <a:endParaRPr lang="en-US" sz="5000" kern="1200" dirty="0">
+              <a:solidFill>
+                <a:schemeClr val="tx1"/>
+              </a:solidFill>
+              <a:latin typeface="+mj-lt"/>
+              <a:ea typeface="+mj-ea"/>
+              <a:cs typeface="+mj-cs"/>
+            </a:endParaRPr>
+          </a:p>
+        </p:txBody>
+      </p:sp>
+      <p:grpSp>
+        <p:nvGrpSpPr>
+          <p:cNvPr id="21" name="Group 20">
+            <a:extLst>
+              <a:ext uri="{FF2B5EF4-FFF2-40B4-BE49-F238E27FC236}">
+                <a16:creationId xmlns:a16="http://schemas.microsoft.com/office/drawing/2014/main" id="{032D8612-31EB-44CF-A1D0-14FD4C705424}"/>
+              </a:ext>
+              <a:ext uri="{C183D7F6-B498-43B3-948B-1728B52AA6E4}">
+                <adec:decorative xmlns:adec="http://schemas.microsoft.com/office/drawing/2017/decorative" val="1"/>
+              </a:ext>
+            </a:extLst>
+          </p:cNvPr>
+          <p:cNvGrpSpPr>
+            <a:grpSpLocks noGrp="1" noUngrp="1" noRot="1" noChangeAspect="1" noMove="1" noResize="1"/>
+          </p:cNvGrpSpPr>
+          <p:nvPr>
+            <p:extLst>
+              <p:ext uri="{386F3935-93C4-4BCD-93E2-E3B085C9AB24}">
+                <p16:designElem xmlns:p16="http://schemas.microsoft.com/office/powerpoint/2015/main" val="1"/>
+              </p:ext>
+            </p:extLst>
+          </p:nvPr>
+        </p:nvGrpSpPr>
+        <p:grpSpPr>
+          <a:xfrm>
+            <a:off x="0" y="2984992"/>
+            <a:ext cx="731521" cy="673460"/>
+            <a:chOff x="3940602" y="308034"/>
+            <a:chExt cx="2116791" cy="3428999"/>
+          </a:xfrm>
+          <a:solidFill>
+            <a:schemeClr val="accent4"/>
+          </a:solidFill>
+        </p:grpSpPr>
+        <p:sp>
+          <p:nvSpPr>
+            <p:cNvPr id="22" name="Rectangle 21">
+              <a:extLst>
+                <a:ext uri="{FF2B5EF4-FFF2-40B4-BE49-F238E27FC236}">
+                  <a16:creationId xmlns:a16="http://schemas.microsoft.com/office/drawing/2014/main" id="{F19A4A0F-1B59-4DB0-9764-D10936E98770}"/>
+                </a:ext>
+                <a:ext uri="{C183D7F6-B498-43B3-948B-1728B52AA6E4}">
+                  <adec:decorative xmlns:adec="http://schemas.microsoft.com/office/drawing/2017/decorative" val="1"/>
+                </a:ext>
+              </a:extLst>
+            </p:cNvPr>
+            <p:cNvSpPr/>
+            <p:nvPr>
+              <p:extLst>
+                <p:ext uri="{386F3935-93C4-4BCD-93E2-E3B085C9AB24}">
+                  <p16:designElem xmlns:p16="http://schemas.microsoft.com/office/powerpoint/2015/main" val="1"/>
+                </p:ext>
+              </p:extLst>
+            </p:nvPr>
+          </p:nvSpPr>
+          <p:spPr>
+            <a:xfrm>
+              <a:off x="3940602" y="308034"/>
+              <a:ext cx="566743" cy="3428999"/>
+            </a:xfrm>
+            <a:prstGeom prst="rect">
+              <a:avLst/>
+            </a:prstGeom>
+            <a:grpFill/>
+            <a:ln>
+              <a:noFill/>
+            </a:ln>
+          </p:spPr>
+          <p:style>
+            <a:lnRef idx="2">
+              <a:schemeClr val="accent1">
+                <a:shade val="50000"/>
+              </a:schemeClr>
+            </a:lnRef>
+            <a:fillRef idx="1">
+              <a:schemeClr val="accent1"/>
+            </a:fillRef>
+            <a:effectRef idx="0">
+              <a:schemeClr val="accent1"/>
+            </a:effectRef>
+            <a:fontRef idx="minor">
+              <a:schemeClr val="lt1"/>
+            </a:fontRef>
+          </p:style>
+          <p:txBody>
+            <a:bodyPr rtlCol="0" anchor="ctr"/>
+            <a:lstStyle/>
+            <a:p>
+              <a:pPr algn="ctr"/>
+              <a:endParaRPr lang="en-US"/>
+            </a:p>
+          </p:txBody>
+        </p:sp>
+        <p:sp>
+          <p:nvSpPr>
+            <p:cNvPr id="23" name="Rectangle 22">
+              <a:extLst>
+                <a:ext uri="{FF2B5EF4-FFF2-40B4-BE49-F238E27FC236}">
+                  <a16:creationId xmlns:a16="http://schemas.microsoft.com/office/drawing/2014/main" id="{F399A70F-F8CD-4992-9EF5-6CF15472E73F}"/>
+                </a:ext>
+                <a:ext uri="{C183D7F6-B498-43B3-948B-1728B52AA6E4}">
+                  <adec:decorative xmlns:adec="http://schemas.microsoft.com/office/drawing/2017/decorative" val="1"/>
+                </a:ext>
+              </a:extLst>
+            </p:cNvPr>
+            <p:cNvSpPr/>
+            <p:nvPr>
+              <p:extLst>
+                <p:ext uri="{386F3935-93C4-4BCD-93E2-E3B085C9AB24}">
+                  <p16:designElem xmlns:p16="http://schemas.microsoft.com/office/powerpoint/2015/main" val="1"/>
+                </p:ext>
+              </p:extLst>
+            </p:nvPr>
+          </p:nvSpPr>
+          <p:spPr>
+            <a:xfrm>
+              <a:off x="4715626" y="308034"/>
+              <a:ext cx="566743" cy="3428999"/>
+            </a:xfrm>
+            <a:prstGeom prst="rect">
+              <a:avLst/>
+            </a:prstGeom>
+            <a:grpFill/>
+            <a:ln>
+              <a:noFill/>
+            </a:ln>
+          </p:spPr>
+          <p:style>
+            <a:lnRef idx="2">
+              <a:schemeClr val="accent1">
+                <a:shade val="50000"/>
+              </a:schemeClr>
+            </a:lnRef>
+            <a:fillRef idx="1">
+              <a:schemeClr val="accent1"/>
+            </a:fillRef>
+            <a:effectRef idx="0">
+              <a:schemeClr val="accent1"/>
+            </a:effectRef>
+            <a:fontRef idx="minor">
+              <a:schemeClr val="lt1"/>
+            </a:fontRef>
+          </p:style>
+          <p:txBody>
+            <a:bodyPr rtlCol="0" anchor="ctr"/>
+            <a:lstStyle/>
+            <a:p>
+              <a:pPr algn="ctr"/>
+              <a:endParaRPr lang="en-US"/>
+            </a:p>
+          </p:txBody>
+        </p:sp>
+        <p:sp>
+          <p:nvSpPr>
+            <p:cNvPr id="24" name="Rectangle 23">
+              <a:extLst>
+                <a:ext uri="{FF2B5EF4-FFF2-40B4-BE49-F238E27FC236}">
+                  <a16:creationId xmlns:a16="http://schemas.microsoft.com/office/drawing/2014/main" id="{48F4FEDC-6D80-458C-A665-075D9B9500FD}"/>
+                </a:ext>
+                <a:ext uri="{C183D7F6-B498-43B3-948B-1728B52AA6E4}">
+                  <adec:decorative xmlns:adec="http://schemas.microsoft.com/office/drawing/2017/decorative" val="1"/>
+                </a:ext>
+              </a:extLst>
+            </p:cNvPr>
+            <p:cNvSpPr/>
+            <p:nvPr>
+              <p:extLst>
+                <p:ext uri="{386F3935-93C4-4BCD-93E2-E3B085C9AB24}">
+                  <p16:designElem xmlns:p16="http://schemas.microsoft.com/office/powerpoint/2015/main" val="1"/>
+                </p:ext>
+              </p:extLst>
+            </p:nvPr>
+          </p:nvSpPr>
+          <p:spPr>
+            <a:xfrm>
+              <a:off x="5490650" y="308034"/>
+              <a:ext cx="566743" cy="3428999"/>
+            </a:xfrm>
+            <a:prstGeom prst="rect">
+              <a:avLst/>
+            </a:prstGeom>
+            <a:grpFill/>
+            <a:ln>
+              <a:noFill/>
+            </a:ln>
+          </p:spPr>
+          <p:style>
+            <a:lnRef idx="2">
+              <a:schemeClr val="accent1">
+                <a:shade val="50000"/>
+              </a:schemeClr>
+            </a:lnRef>
+            <a:fillRef idx="1">
+              <a:schemeClr val="accent1"/>
+            </a:fillRef>
+            <a:effectRef idx="0">
+              <a:schemeClr val="accent1"/>
+            </a:effectRef>
+            <a:fontRef idx="minor">
+              <a:schemeClr val="lt1"/>
+            </a:fontRef>
+          </p:style>
+          <p:txBody>
+            <a:bodyPr rtlCol="0" anchor="ctr"/>
+            <a:lstStyle/>
+            <a:p>
+              <a:pPr algn="ctr"/>
+              <a:endParaRPr lang="en-US"/>
+            </a:p>
+          </p:txBody>
+        </p:sp>
+      </p:grpSp>
+      <p:sp>
+        <p:nvSpPr>
+          <p:cNvPr id="26" name="Rectangle 25">
+            <a:extLst>
+              <a:ext uri="{FF2B5EF4-FFF2-40B4-BE49-F238E27FC236}">
+                <a16:creationId xmlns:a16="http://schemas.microsoft.com/office/drawing/2014/main" id="{B81933D1-5615-42C7-9C0B-4EB7105CCE2D}"/>
+              </a:ext>
+              <a:ext uri="{C183D7F6-B498-43B3-948B-1728B52AA6E4}">
+                <adec:decorative xmlns:adec="http://schemas.microsoft.com/office/drawing/2017/decorative" val="1"/>
+              </a:ext>
+            </a:extLst>
+          </p:cNvPr>
+          <p:cNvSpPr>
+            <a:spLocks noGrp="1" noRot="1" noChangeAspect="1" noMove="1" noResize="1" noEditPoints="1" noAdjustHandles="1" noChangeArrowheads="1" noChangeShapeType="1" noTextEdit="1"/>
+          </p:cNvSpPr>
+          <p:nvPr>
+            <p:extLst>
+              <p:ext uri="{386F3935-93C4-4BCD-93E2-E3B085C9AB24}">
+                <p16:designElem xmlns:p16="http://schemas.microsoft.com/office/powerpoint/2015/main" val="1"/>
+              </p:ext>
+            </p:extLst>
+          </p:nvPr>
+        </p:nvSpPr>
+        <p:spPr>
+          <a:xfrm flipH="1">
+            <a:off x="10697670" y="0"/>
+            <a:ext cx="1494330" cy="6858000"/>
+          </a:xfrm>
+          <a:prstGeom prst="rect">
+            <a:avLst/>
+          </a:prstGeom>
+          <a:solidFill>
+            <a:schemeClr val="accent4"/>
+          </a:solidFill>
+          <a:ln>
+            <a:noFill/>
+          </a:ln>
+        </p:spPr>
+        <p:style>
+          <a:lnRef idx="2">
+            <a:schemeClr val="accent1">
+              <a:shade val="50000"/>
+            </a:schemeClr>
+          </a:lnRef>
+          <a:fillRef idx="1">
+            <a:schemeClr val="accent1"/>
+          </a:fillRef>
+          <a:effectRef idx="0">
+            <a:schemeClr val="accent1"/>
+          </a:effectRef>
+          <a:fontRef idx="minor">
+            <a:schemeClr val="lt1"/>
+          </a:fontRef>
+        </p:style>
+        <p:txBody>
+          <a:bodyPr rtlCol="0" anchor="ctr"/>
+          <a:lstStyle/>
+          <a:p>
+            <a:pPr algn="ctr"/>
+            <a:endParaRPr lang="en-US"/>
+          </a:p>
+        </p:txBody>
+      </p:sp>
+      <p:sp>
+        <p:nvSpPr>
+          <p:cNvPr id="28" name="Rectangle 27">
+            <a:extLst>
+              <a:ext uri="{FF2B5EF4-FFF2-40B4-BE49-F238E27FC236}">
+                <a16:creationId xmlns:a16="http://schemas.microsoft.com/office/drawing/2014/main" id="{19C9EAEA-39D0-4B0E-A0EB-51E7B26740B1}"/>
+              </a:ext>
+              <a:ext uri="{C183D7F6-B498-43B3-948B-1728B52AA6E4}">
+                <adec:decorative xmlns:adec="http://schemas.microsoft.com/office/drawing/2017/decorative" val="1"/>
+              </a:ext>
+            </a:extLst>
+          </p:cNvPr>
+          <p:cNvSpPr>
+            <a:spLocks noGrp="1" noRot="1" noChangeAspect="1" noMove="1" noResize="1" noEditPoints="1" noAdjustHandles="1" noChangeArrowheads="1" noChangeShapeType="1" noTextEdit="1"/>
+          </p:cNvSpPr>
+          <p:nvPr>
+            <p:extLst>
+              <p:ext uri="{386F3935-93C4-4BCD-93E2-E3B085C9AB24}">
+                <p16:designElem xmlns:p16="http://schemas.microsoft.com/office/powerpoint/2015/main" val="1"/>
+              </p:ext>
+            </p:extLst>
+          </p:nvPr>
+        </p:nvSpPr>
+        <p:spPr>
+          <a:xfrm>
+            <a:off x="5685810" y="391886"/>
+            <a:ext cx="6009366" cy="6017078"/>
+          </a:xfrm>
+          <a:prstGeom prst="rect">
+            <a:avLst/>
+          </a:prstGeom>
+          <a:solidFill>
+            <a:schemeClr val="bg1"/>
+          </a:solidFill>
+          <a:ln>
+            <a:noFill/>
+          </a:ln>
+          <a:effectLst>
+            <a:outerShdw blurRad="139700" dist="127000" dir="5400000" algn="t" rotWithShape="0">
+              <a:prstClr val="black">
+                <a:alpha val="15000"/>
+              </a:prstClr>
+            </a:outerShdw>
+          </a:effectLst>
+        </p:spPr>
+        <p:style>
+          <a:lnRef idx="2">
+            <a:schemeClr val="accent1">
+              <a:shade val="50000"/>
+            </a:schemeClr>
+          </a:lnRef>
+          <a:fillRef idx="1">
+            <a:schemeClr val="accent1"/>
+          </a:fillRef>
+          <a:effectRef idx="0">
+            <a:schemeClr val="accent1"/>
+          </a:effectRef>
+          <a:fontRef idx="minor">
+            <a:schemeClr val="lt1"/>
+          </a:fontRef>
+        </p:style>
+        <p:txBody>
+          <a:bodyPr rtlCol="0" anchor="ctr"/>
+          <a:lstStyle/>
+          <a:p>
+            <a:pPr algn="ctr"/>
+            <a:endParaRPr lang="en-US"/>
+          </a:p>
+        </p:txBody>
+      </p:sp>
+      <p:pic>
+        <p:nvPicPr>
+          <p:cNvPr id="7" name="Picture 6" descr="A network of dots and lines&#10;&#10;Description automatically generated">
+            <a:extLst>
+              <a:ext uri="{FF2B5EF4-FFF2-40B4-BE49-F238E27FC236}">
+                <a16:creationId xmlns:a16="http://schemas.microsoft.com/office/drawing/2014/main" id="{EA2E4D54-373A-63C7-92E4-5006BBB67DAC}"/>
+              </a:ext>
+            </a:extLst>
+          </p:cNvPr>
+          <p:cNvPicPr>
+            <a:picLocks noChangeAspect="1"/>
+          </p:cNvPicPr>
+          <p:nvPr/>
+        </p:nvPicPr>
+        <p:blipFill>
+          <a:blip r:embed="rId3">
+            <a:extLst>
+              <a:ext uri="{28A0092B-C50C-407E-A947-70E740481C1C}">
+                <a14:useLocalDpi xmlns:a14="http://schemas.microsoft.com/office/drawing/2010/main" val="0"/>
+              </a:ext>
+            </a:extLst>
+          </a:blip>
+          <a:srcRect l="6923" t="7844" r="6557" b="6138"/>
+          <a:stretch/>
+        </p:blipFill>
+        <p:spPr>
+          <a:xfrm>
+            <a:off x="5941651" y="666728"/>
+            <a:ext cx="5497683" cy="5465791"/>
+          </a:xfrm>
+          <a:prstGeom prst="rect">
+            <a:avLst/>
+          </a:prstGeom>
+        </p:spPr>
+      </p:pic>
+    </p:spTree>
+    <p:extLst>
+      <p:ext uri="{BB962C8B-B14F-4D97-AF65-F5344CB8AC3E}">
+        <p14:creationId xmlns:p14="http://schemas.microsoft.com/office/powerpoint/2010/main" val="4143992885"/>
       </p:ext>
     </p:extLst>
   </p:cSld>
@@ -9152,4 +11685,319 @@
     </a:ext>
   </a:extLst>
 </a:theme>
+</file>
+
+<file path=ppt/theme/theme2.xml><?xml version="1.0" encoding="utf-8"?>
+<a:theme xmlns:a="http://schemas.openxmlformats.org/drawingml/2006/main" name="Office Theme">
+  <a:themeElements>
+    <a:clrScheme name="Office">
+      <a:dk1>
+        <a:sysClr val="windowText" lastClr="000000"/>
+      </a:dk1>
+      <a:lt1>
+        <a:sysClr val="window" lastClr="FFFFFF"/>
+      </a:lt1>
+      <a:dk2>
+        <a:srgbClr val="0E2841"/>
+      </a:dk2>
+      <a:lt2>
+        <a:srgbClr val="E8E8E8"/>
+      </a:lt2>
+      <a:accent1>
+        <a:srgbClr val="156082"/>
+      </a:accent1>
+      <a:accent2>
+        <a:srgbClr val="E97132"/>
+      </a:accent2>
+      <a:accent3>
+        <a:srgbClr val="196B24"/>
+      </a:accent3>
+      <a:accent4>
+        <a:srgbClr val="0F9ED5"/>
+      </a:accent4>
+      <a:accent5>
+        <a:srgbClr val="A02B93"/>
+      </a:accent5>
+      <a:accent6>
+        <a:srgbClr val="4EA72E"/>
+      </a:accent6>
+      <a:hlink>
+        <a:srgbClr val="467886"/>
+      </a:hlink>
+      <a:folHlink>
+        <a:srgbClr val="96607D"/>
+      </a:folHlink>
+    </a:clrScheme>
+    <a:fontScheme name="Office">
+      <a:majorFont>
+        <a:latin typeface="Aptos Display" panose="02110004020202020204"/>
+        <a:ea typeface=""/>
+        <a:cs typeface=""/>
+        <a:font script="Jpan" typeface="游ゴシック Light"/>
+        <a:font script="Hang" typeface="맑은 고딕"/>
+        <a:font script="Hans" typeface="等线 Light"/>
+        <a:font script="Hant" typeface="新細明體"/>
+        <a:font script="Arab" typeface="Times New Roman"/>
+        <a:font script="Hebr" typeface="Times New Roman"/>
+        <a:font script="Thai" typeface="Angsana New"/>
+        <a:font script="Ethi" typeface="Nyala"/>
+        <a:font script="Beng" typeface="Vrinda"/>
+        <a:font script="Gujr" typeface="Shruti"/>
+        <a:font script="Khmr" typeface="MoolBoran"/>
+        <a:font script="Knda" typeface="Tunga"/>
+        <a:font script="Guru" typeface="Raavi"/>
+        <a:font script="Cans" typeface="Euphemia"/>
+        <a:font script="Cher" typeface="Plantagenet Cherokee"/>
+        <a:font script="Yiii" typeface="Microsoft Yi Baiti"/>
+        <a:font script="Tibt" typeface="Microsoft Himalaya"/>
+        <a:font script="Thaa" typeface="MV Boli"/>
+        <a:font script="Deva" typeface="Mangal"/>
+        <a:font script="Telu" typeface="Gautami"/>
+        <a:font script="Taml" typeface="Latha"/>
+        <a:font script="Syrc" typeface="Estrangelo Edessa"/>
+        <a:font script="Orya" typeface="Kalinga"/>
+        <a:font script="Mlym" typeface="Kartika"/>
+        <a:font script="Laoo" typeface="DokChampa"/>
+        <a:font script="Sinh" typeface="Iskoola Pota"/>
+        <a:font script="Mong" typeface="Mongolian Baiti"/>
+        <a:font script="Viet" typeface="Times New Roman"/>
+        <a:font script="Uigh" typeface="Microsoft Uighur"/>
+        <a:font script="Geor" typeface="Sylfaen"/>
+        <a:font script="Armn" typeface="Arial"/>
+        <a:font script="Bugi" typeface="Leelawadee UI"/>
+        <a:font script="Bopo" typeface="Microsoft JhengHei"/>
+        <a:font script="Java" typeface="Javanese Text"/>
+        <a:font script="Lisu" typeface="Segoe UI"/>
+        <a:font script="Mymr" typeface="Myanmar Text"/>
+        <a:font script="Nkoo" typeface="Ebrima"/>
+        <a:font script="Olck" typeface="Nirmala UI"/>
+        <a:font script="Osma" typeface="Ebrima"/>
+        <a:font script="Phag" typeface="Phagspa"/>
+        <a:font script="Syrn" typeface="Estrangelo Edessa"/>
+        <a:font script="Syrj" typeface="Estrangelo Edessa"/>
+        <a:font script="Syre" typeface="Estrangelo Edessa"/>
+        <a:font script="Sora" typeface="Nirmala UI"/>
+        <a:font script="Tale" typeface="Microsoft Tai Le"/>
+        <a:font script="Talu" typeface="Microsoft New Tai Lue"/>
+        <a:font script="Tfng" typeface="Ebrima"/>
+      </a:majorFont>
+      <a:minorFont>
+        <a:latin typeface="Aptos" panose="02110004020202020204"/>
+        <a:ea typeface=""/>
+        <a:cs typeface=""/>
+        <a:font script="Jpan" typeface="游ゴシック"/>
+        <a:font script="Hang" typeface="맑은 고딕"/>
+        <a:font script="Hans" typeface="等线"/>
+        <a:font script="Hant" typeface="新細明體"/>
+        <a:font script="Arab" typeface="Arial"/>
+        <a:font script="Hebr" typeface="Arial"/>
+        <a:font script="Thai" typeface="Cordia New"/>
+        <a:font script="Ethi" typeface="Nyala"/>
+        <a:font script="Beng" typeface="Vrinda"/>
+        <a:font script="Gujr" typeface="Shruti"/>
+        <a:font script="Khmr" typeface="DaunPenh"/>
+        <a:font script="Knda" typeface="Tunga"/>
+        <a:font script="Guru" typeface="Raavi"/>
+        <a:font script="Cans" typeface="Euphemia"/>
+        <a:font script="Cher" typeface="Plantagenet Cherokee"/>
+        <a:font script="Yiii" typeface="Microsoft Yi Baiti"/>
+        <a:font script="Tibt" typeface="Microsoft Himalaya"/>
+        <a:font script="Thaa" typeface="MV Boli"/>
+        <a:font script="Deva" typeface="Mangal"/>
+        <a:font script="Telu" typeface="Gautami"/>
+        <a:font script="Taml" typeface="Latha"/>
+        <a:font script="Syrc" typeface="Estrangelo Edessa"/>
+        <a:font script="Orya" typeface="Kalinga"/>
+        <a:font script="Mlym" typeface="Kartika"/>
+        <a:font script="Laoo" typeface="DokChampa"/>
+        <a:font script="Sinh" typeface="Iskoola Pota"/>
+        <a:font script="Mong" typeface="Mongolian Baiti"/>
+        <a:font script="Viet" typeface="Arial"/>
+        <a:font script="Uigh" typeface="Microsoft Uighur"/>
+        <a:font script="Geor" typeface="Sylfaen"/>
+        <a:font script="Armn" typeface="Arial"/>
+        <a:font script="Bugi" typeface="Leelawadee UI"/>
+        <a:font script="Bopo" typeface="Microsoft JhengHei"/>
+        <a:font script="Java" typeface="Javanese Text"/>
+        <a:font script="Lisu" typeface="Segoe UI"/>
+        <a:font script="Mymr" typeface="Myanmar Text"/>
+        <a:font script="Nkoo" typeface="Ebrima"/>
+        <a:font script="Olck" typeface="Nirmala UI"/>
+        <a:font script="Osma" typeface="Ebrima"/>
+        <a:font script="Phag" typeface="Phagspa"/>
+        <a:font script="Syrn" typeface="Estrangelo Edessa"/>
+        <a:font script="Syrj" typeface="Estrangelo Edessa"/>
+        <a:font script="Syre" typeface="Estrangelo Edessa"/>
+        <a:font script="Sora" typeface="Nirmala UI"/>
+        <a:font script="Tale" typeface="Microsoft Tai Le"/>
+        <a:font script="Talu" typeface="Microsoft New Tai Lue"/>
+        <a:font script="Tfng" typeface="Ebrima"/>
+      </a:minorFont>
+    </a:fontScheme>
+    <a:fmtScheme name="Office">
+      <a:fillStyleLst>
+        <a:solidFill>
+          <a:schemeClr val="phClr"/>
+        </a:solidFill>
+        <a:gradFill rotWithShape="1">
+          <a:gsLst>
+            <a:gs pos="0">
+              <a:schemeClr val="phClr">
+                <a:lumMod val="110000"/>
+                <a:satMod val="105000"/>
+                <a:tint val="67000"/>
+              </a:schemeClr>
+            </a:gs>
+            <a:gs pos="50000">
+              <a:schemeClr val="phClr">
+                <a:lumMod val="105000"/>
+                <a:satMod val="103000"/>
+                <a:tint val="73000"/>
+              </a:schemeClr>
+            </a:gs>
+            <a:gs pos="100000">
+              <a:schemeClr val="phClr">
+                <a:lumMod val="105000"/>
+                <a:satMod val="109000"/>
+                <a:tint val="81000"/>
+              </a:schemeClr>
+            </a:gs>
+          </a:gsLst>
+          <a:lin ang="5400000" scaled="0"/>
+        </a:gradFill>
+        <a:gradFill rotWithShape="1">
+          <a:gsLst>
+            <a:gs pos="0">
+              <a:schemeClr val="phClr">
+                <a:satMod val="103000"/>
+                <a:lumMod val="102000"/>
+                <a:tint val="94000"/>
+              </a:schemeClr>
+            </a:gs>
+            <a:gs pos="50000">
+              <a:schemeClr val="phClr">
+                <a:satMod val="110000"/>
+                <a:lumMod val="100000"/>
+                <a:shade val="100000"/>
+              </a:schemeClr>
+            </a:gs>
+            <a:gs pos="100000">
+              <a:schemeClr val="phClr">
+                <a:lumMod val="99000"/>
+                <a:satMod val="120000"/>
+                <a:shade val="78000"/>
+              </a:schemeClr>
+            </a:gs>
+          </a:gsLst>
+          <a:lin ang="5400000" scaled="0"/>
+        </a:gradFill>
+      </a:fillStyleLst>
+      <a:lnStyleLst>
+        <a:ln w="12700" cap="flat" cmpd="sng" algn="ctr">
+          <a:solidFill>
+            <a:schemeClr val="phClr"/>
+          </a:solidFill>
+          <a:prstDash val="solid"/>
+          <a:miter lim="800000"/>
+        </a:ln>
+        <a:ln w="19050" cap="flat" cmpd="sng" algn="ctr">
+          <a:solidFill>
+            <a:schemeClr val="phClr"/>
+          </a:solidFill>
+          <a:prstDash val="solid"/>
+          <a:miter lim="800000"/>
+        </a:ln>
+        <a:ln w="25400" cap="flat" cmpd="sng" algn="ctr">
+          <a:solidFill>
+            <a:schemeClr val="phClr"/>
+          </a:solidFill>
+          <a:prstDash val="solid"/>
+          <a:miter lim="800000"/>
+        </a:ln>
+      </a:lnStyleLst>
+      <a:effectStyleLst>
+        <a:effectStyle>
+          <a:effectLst/>
+        </a:effectStyle>
+        <a:effectStyle>
+          <a:effectLst/>
+        </a:effectStyle>
+        <a:effectStyle>
+          <a:effectLst>
+            <a:outerShdw blurRad="57150" dist="19050" dir="5400000" algn="ctr" rotWithShape="0">
+              <a:srgbClr val="000000">
+                <a:alpha val="63000"/>
+              </a:srgbClr>
+            </a:outerShdw>
+          </a:effectLst>
+        </a:effectStyle>
+      </a:effectStyleLst>
+      <a:bgFillStyleLst>
+        <a:solidFill>
+          <a:schemeClr val="phClr"/>
+        </a:solidFill>
+        <a:solidFill>
+          <a:schemeClr val="phClr">
+            <a:tint val="95000"/>
+            <a:satMod val="170000"/>
+          </a:schemeClr>
+        </a:solidFill>
+        <a:gradFill rotWithShape="1">
+          <a:gsLst>
+            <a:gs pos="0">
+              <a:schemeClr val="phClr">
+                <a:tint val="93000"/>
+                <a:satMod val="150000"/>
+                <a:shade val="98000"/>
+                <a:lumMod val="102000"/>
+              </a:schemeClr>
+            </a:gs>
+            <a:gs pos="50000">
+              <a:schemeClr val="phClr">
+                <a:tint val="98000"/>
+                <a:satMod val="130000"/>
+                <a:shade val="90000"/>
+                <a:lumMod val="103000"/>
+              </a:schemeClr>
+            </a:gs>
+            <a:gs pos="100000">
+              <a:schemeClr val="phClr">
+                <a:shade val="63000"/>
+                <a:satMod val="120000"/>
+              </a:schemeClr>
+            </a:gs>
+          </a:gsLst>
+          <a:lin ang="5400000" scaled="0"/>
+        </a:gradFill>
+      </a:bgFillStyleLst>
+    </a:fmtScheme>
+  </a:themeElements>
+  <a:objectDefaults>
+    <a:lnDef>
+      <a:spPr/>
+      <a:bodyPr/>
+      <a:lstStyle/>
+      <a:style>
+        <a:lnRef idx="2">
+          <a:schemeClr val="accent1"/>
+        </a:lnRef>
+        <a:fillRef idx="0">
+          <a:schemeClr val="accent1"/>
+        </a:fillRef>
+        <a:effectRef idx="1">
+          <a:schemeClr val="accent1"/>
+        </a:effectRef>
+        <a:fontRef idx="minor">
+          <a:schemeClr val="tx1"/>
+        </a:fontRef>
+      </a:style>
+    </a:lnDef>
+  </a:objectDefaults>
+  <a:extraClrSchemeLst/>
+  <a:extLst>
+    <a:ext uri="{05A4C25C-085E-4340-85A3-A5531E510DB2}">
+      <thm15:themeFamily xmlns:thm15="http://schemas.microsoft.com/office/thememl/2012/main" name="Office Theme" id="{2E142A2C-CD16-42D6-873A-C26D2A0506FA}" vid="{1BDDFF52-6CD6-40A5-AB3C-68EB2F1E4D0A}"/>
+    </a:ext>
+  </a:extLst>
+</a:theme>
 </file>